--- a/포트폴리오/최유진 포트폴리오.pptx
+++ b/포트폴리오/최유진 포트폴리오.pptx
@@ -309,7 +309,7 @@
           <a:p>
             <a:fld id="{F8166F1F-CE9B-4651-A6AA-CD717754106B}" type="datetimeFigureOut">
               <a:rPr lang="en-US" smtClean="0"/>
-              <a:t>8/21/2023</a:t>
+              <a:t>9/5/2023</a:t>
             </a:fld>
             <a:endParaRPr lang="en-US"/>
           </a:p>
@@ -472,7 +472,7 @@
           <a:p>
             <a:fld id="{A76116CE-C4A3-4A05-B2D7-7C2E9A889C0F}" type="datetimeFigureOut">
               <a:rPr lang="en-US" smtClean="0"/>
-              <a:t>8/21/2023</a:t>
+              <a:t>9/5/2023</a:t>
             </a:fld>
             <a:endParaRPr lang="en-US"/>
           </a:p>
@@ -645,7 +645,7 @@
           <a:p>
             <a:fld id="{A76116CE-C4A3-4A05-B2D7-7C2E9A889C0F}" type="datetimeFigureOut">
               <a:rPr lang="en-US" smtClean="0"/>
-              <a:t>8/21/2023</a:t>
+              <a:t>9/5/2023</a:t>
             </a:fld>
             <a:endParaRPr lang="en-US"/>
           </a:p>
@@ -810,7 +810,7 @@
           <a:p>
             <a:fld id="{A76116CE-C4A3-4A05-B2D7-7C2E9A889C0F}" type="datetimeFigureOut">
               <a:rPr lang="en-US" smtClean="0"/>
-              <a:t>8/21/2023</a:t>
+              <a:t>9/5/2023</a:t>
             </a:fld>
             <a:endParaRPr lang="en-US"/>
           </a:p>
@@ -1050,7 +1050,7 @@
           <a:p>
             <a:fld id="{A76116CE-C4A3-4A05-B2D7-7C2E9A889C0F}" type="datetimeFigureOut">
               <a:rPr lang="en-US" smtClean="0"/>
-              <a:t>8/21/2023</a:t>
+              <a:t>9/5/2023</a:t>
             </a:fld>
             <a:endParaRPr lang="en-US"/>
           </a:p>
@@ -1330,7 +1330,7 @@
           <a:p>
             <a:fld id="{A76116CE-C4A3-4A05-B2D7-7C2E9A889C0F}" type="datetimeFigureOut">
               <a:rPr lang="en-US" smtClean="0"/>
-              <a:t>8/21/2023</a:t>
+              <a:t>9/5/2023</a:t>
             </a:fld>
             <a:endParaRPr lang="en-US"/>
           </a:p>
@@ -1744,7 +1744,7 @@
           <a:p>
             <a:fld id="{A76116CE-C4A3-4A05-B2D7-7C2E9A889C0F}" type="datetimeFigureOut">
               <a:rPr lang="en-US" smtClean="0"/>
-              <a:t>8/21/2023</a:t>
+              <a:t>9/5/2023</a:t>
             </a:fld>
             <a:endParaRPr lang="en-US"/>
           </a:p>
@@ -1856,7 +1856,7 @@
           <a:p>
             <a:fld id="{A76116CE-C4A3-4A05-B2D7-7C2E9A889C0F}" type="datetimeFigureOut">
               <a:rPr lang="en-US" smtClean="0"/>
-              <a:t>8/21/2023</a:t>
+              <a:t>9/5/2023</a:t>
             </a:fld>
             <a:endParaRPr lang="en-US"/>
           </a:p>
@@ -1946,7 +1946,7 @@
           <a:p>
             <a:fld id="{A76116CE-C4A3-4A05-B2D7-7C2E9A889C0F}" type="datetimeFigureOut">
               <a:rPr lang="en-US" smtClean="0"/>
-              <a:t>8/21/2023</a:t>
+              <a:t>9/5/2023</a:t>
             </a:fld>
             <a:endParaRPr lang="en-US"/>
           </a:p>
@@ -2216,7 +2216,7 @@
           <a:p>
             <a:fld id="{A76116CE-C4A3-4A05-B2D7-7C2E9A889C0F}" type="datetimeFigureOut">
               <a:rPr lang="en-US" smtClean="0"/>
-              <a:t>8/21/2023</a:t>
+              <a:t>9/5/2023</a:t>
             </a:fld>
             <a:endParaRPr lang="en-US"/>
           </a:p>
@@ -2463,7 +2463,7 @@
           <a:p>
             <a:fld id="{A76116CE-C4A3-4A05-B2D7-7C2E9A889C0F}" type="datetimeFigureOut">
               <a:rPr lang="en-US" smtClean="0"/>
-              <a:t>8/21/2023</a:t>
+              <a:t>9/5/2023</a:t>
             </a:fld>
             <a:endParaRPr lang="en-US"/>
           </a:p>
@@ -2669,7 +2669,7 @@
           <a:p>
             <a:fld id="{F8166F1F-CE9B-4651-A6AA-CD717754106B}" type="datetimeFigureOut">
               <a:rPr lang="en-US" smtClean="0"/>
-              <a:t>8/21/2023</a:t>
+              <a:t>9/5/2023</a:t>
             </a:fld>
             <a:endParaRPr lang="en-US"/>
           </a:p>
@@ -3165,6 +3165,3522 @@
         </p:nvSpPr>
         <p:spPr>
           <a:xfrm>
+            <a:off x="889187" y="3616167"/>
+            <a:ext cx="8365535" cy="1156737"/>
+          </a:xfrm>
+          <a:prstGeom prst="rect">
+            <a:avLst/>
+          </a:prstGeom>
+          <a:noFill/>
+        </p:spPr>
+        <p:txBody>
+          <a:bodyPr wrap="square" rtlCol="0" anchor="ctr">
+            <a:spAutoFit/>
+          </a:bodyPr>
+          <a:lstStyle/>
+          <a:p>
+            <a:r>
+              <a:rPr lang="en-US" sz="2300" b="1" u="sng" kern="0" spc="100" dirty="0">
+                <a:solidFill>
+                  <a:srgbClr val="595959"/>
+                </a:solidFill>
+                <a:latin typeface="Caviar Dreams" pitchFamily="34" charset="0"/>
+                <a:cs typeface="Caviar Dreams" pitchFamily="34" charset="0"/>
+              </a:rPr>
+              <a:t>https://youtu.be/g3_3ekPcsl0</a:t>
+            </a:r>
+          </a:p>
+          <a:p>
+            <a:r>
+              <a:rPr lang="en-US" sz="2300" b="1" u="sng" kern="0" spc="100" dirty="0">
+                <a:solidFill>
+                  <a:srgbClr val="595959"/>
+                </a:solidFill>
+                <a:latin typeface="Caviar Dreams" pitchFamily="34" charset="0"/>
+                <a:cs typeface="Caviar Dreams" pitchFamily="34" charset="0"/>
+              </a:rPr>
+              <a:t>https://github.com/Leesiw/StarGiant</a:t>
+            </a:r>
+            <a:endParaRPr lang="en-US" dirty="0"/>
+          </a:p>
+        </p:txBody>
+      </p:sp>
+      <p:sp>
+        <p:nvSpPr>
+          <p:cNvPr id="3" name="Object 3"/>
+          <p:cNvSpPr txBox="1"/>
+          <p:nvPr/>
+        </p:nvSpPr>
+        <p:spPr>
+          <a:xfrm>
+            <a:off x="889187" y="1371241"/>
+            <a:ext cx="8120637" cy="2447867"/>
+          </a:xfrm>
+          <a:prstGeom prst="rect">
+            <a:avLst/>
+          </a:prstGeom>
+          <a:noFill/>
+        </p:spPr>
+        <p:txBody>
+          <a:bodyPr wrap="square" rtlCol="0" anchor="ctr">
+            <a:spAutoFit/>
+          </a:bodyPr>
+          <a:lstStyle/>
+          <a:p>
+            <a:r>
+              <a:rPr lang="en-US" sz="6100" kern="0" spc="200" dirty="0">
+                <a:solidFill>
+                  <a:srgbClr val="595959"/>
+                </a:solidFill>
+                <a:latin typeface="Caviar Dreams" pitchFamily="34" charset="0"/>
+                <a:cs typeface="Caviar Dreams" pitchFamily="34" charset="0"/>
+              </a:rPr>
+              <a:t>Star Giant</a:t>
+            </a:r>
+          </a:p>
+          <a:p>
+            <a:r>
+              <a:rPr lang="en-US" sz="3100" b="1" kern="0" spc="100" dirty="0">
+                <a:solidFill>
+                  <a:srgbClr val="595959"/>
+                </a:solidFill>
+                <a:latin typeface="Caviar Dreams" pitchFamily="34" charset="0"/>
+                <a:cs typeface="Caviar Dreams" pitchFamily="34" charset="0"/>
+              </a:rPr>
+              <a:t>2022.10 ~ 2023.8(약 11개월)</a:t>
+            </a:r>
+            <a:endParaRPr lang="en-US" dirty="0"/>
+          </a:p>
+        </p:txBody>
+      </p:sp>
+      <p:grpSp>
+        <p:nvGrpSpPr>
+          <p:cNvPr id="1001" name="그룹 1001"/>
+          <p:cNvGrpSpPr/>
+          <p:nvPr/>
+        </p:nvGrpSpPr>
+        <p:grpSpPr>
+          <a:xfrm>
+            <a:off x="889187" y="3781746"/>
+            <a:ext cx="375065" cy="72881"/>
+            <a:chOff x="889187" y="3781746"/>
+            <a:chExt cx="375065" cy="72881"/>
+          </a:xfrm>
+        </p:grpSpPr>
+        <p:pic>
+          <p:nvPicPr>
+            <p:cNvPr id="5" name="Object 4"/>
+            <p:cNvPicPr>
+              <a:picLocks noChangeAspect="1"/>
+            </p:cNvPicPr>
+            <p:nvPr/>
+          </p:nvPicPr>
+          <p:blipFill>
+            <a:blip r:embed="rId2" cstate="print"/>
+            <a:stretch>
+              <a:fillRect/>
+            </a:stretch>
+          </p:blipFill>
+          <p:spPr>
+            <a:xfrm>
+              <a:off x="889187" y="3781746"/>
+              <a:ext cx="375065" cy="72881"/>
+            </a:xfrm>
+            <a:prstGeom prst="rect">
+              <a:avLst/>
+            </a:prstGeom>
+          </p:spPr>
+        </p:pic>
+      </p:grpSp>
+      <p:grpSp>
+        <p:nvGrpSpPr>
+          <p:cNvPr id="1002" name="그룹 1002"/>
+          <p:cNvGrpSpPr/>
+          <p:nvPr/>
+        </p:nvGrpSpPr>
+        <p:grpSpPr>
+          <a:xfrm>
+            <a:off x="6776812" y="2016588"/>
+            <a:ext cx="11282882" cy="6214443"/>
+            <a:chOff x="6776812" y="2016588"/>
+            <a:chExt cx="11282882" cy="6214443"/>
+          </a:xfrm>
+        </p:grpSpPr>
+        <p:pic>
+          <p:nvPicPr>
+            <p:cNvPr id="8" name="Object 7"/>
+            <p:cNvPicPr>
+              <a:picLocks noChangeAspect="1"/>
+            </p:cNvPicPr>
+            <p:nvPr/>
+          </p:nvPicPr>
+          <p:blipFill>
+            <a:blip r:embed="rId3" cstate="print"/>
+            <a:stretch>
+              <a:fillRect/>
+            </a:stretch>
+          </p:blipFill>
+          <p:spPr>
+            <a:xfrm>
+              <a:off x="6776812" y="2016588"/>
+              <a:ext cx="11282882" cy="6214443"/>
+            </a:xfrm>
+            <a:prstGeom prst="rect">
+              <a:avLst/>
+            </a:prstGeom>
+          </p:spPr>
+        </p:pic>
+      </p:grpSp>
+      <p:sp>
+        <p:nvSpPr>
+          <p:cNvPr id="10" name="Object 10"/>
+          <p:cNvSpPr txBox="1"/>
+          <p:nvPr/>
+        </p:nvSpPr>
+        <p:spPr>
+          <a:xfrm>
+            <a:off x="889187" y="7080181"/>
+            <a:ext cx="5243039" cy="480845"/>
+          </a:xfrm>
+          <a:prstGeom prst="rect">
+            <a:avLst/>
+          </a:prstGeom>
+          <a:noFill/>
+        </p:spPr>
+        <p:txBody>
+          <a:bodyPr wrap="square" rtlCol="0" anchor="t">
+            <a:spAutoFit/>
+          </a:bodyPr>
+          <a:lstStyle/>
+          <a:p>
+            <a:r>
+              <a:rPr lang="en-US" sz="1800" dirty="0">
+                <a:solidFill>
+                  <a:srgbClr val="595959"/>
+                </a:solidFill>
+                <a:latin typeface="Caviar Dreams" pitchFamily="34" charset="0"/>
+                <a:cs typeface="Caviar Dreams" pitchFamily="34" charset="0"/>
+              </a:rPr>
+              <a:t>-------</a:t>
+            </a:r>
+            <a:endParaRPr lang="en-US" dirty="0"/>
+          </a:p>
+        </p:txBody>
+      </p:sp>
+      <p:sp>
+        <p:nvSpPr>
+          <p:cNvPr id="11" name="Object 11"/>
+          <p:cNvSpPr txBox="1"/>
+          <p:nvPr/>
+        </p:nvSpPr>
+        <p:spPr>
+          <a:xfrm>
+            <a:off x="17715235" y="527234"/>
+            <a:ext cx="840390" cy="3534912"/>
+          </a:xfrm>
+          <a:prstGeom prst="rect">
+            <a:avLst/>
+          </a:prstGeom>
+          <a:noFill/>
+        </p:spPr>
+        <p:txBody>
+          <a:bodyPr wrap="square" rtlCol="0" anchor="t">
+            <a:spAutoFit/>
+          </a:bodyPr>
+          <a:lstStyle/>
+          <a:p>
+            <a:r>
+              <a:rPr lang="en-US" sz="2100" b="1" kern="0" spc="1000" dirty="0">
+                <a:solidFill>
+                  <a:srgbClr val="FD8A69"/>
+                </a:solidFill>
+                <a:latin typeface="Caviar Dreams" pitchFamily="34" charset="0"/>
+                <a:cs typeface="Caviar Dreams" pitchFamily="34" charset="0"/>
+              </a:rPr>
+              <a:t>1 </a:t>
+            </a:r>
+            <a:r>
+              <a:rPr lang="en-US" sz="2100" b="1" kern="0" spc="1000" dirty="0">
+                <a:solidFill>
+                  <a:srgbClr val="FFFFFF"/>
+                </a:solidFill>
+                <a:latin typeface="Caviar Dreams" pitchFamily="34" charset="0"/>
+                <a:cs typeface="Caviar Dreams" pitchFamily="34" charset="0"/>
+              </a:rPr>
+              <a:t>2 3 4</a:t>
+            </a:r>
+          </a:p>
+          <a:p>
+            <a:r>
+              <a:rPr lang="en-US" sz="2100" b="1" kern="0" spc="1000" dirty="0">
+                <a:solidFill>
+                  <a:srgbClr val="FFFFFF"/>
+                </a:solidFill>
+                <a:latin typeface="Caviar Dreams" pitchFamily="34" charset="0"/>
+                <a:cs typeface="Caviar Dreams" pitchFamily="34" charset="0"/>
+              </a:rPr>
+              <a:t>5</a:t>
+            </a:r>
+            <a:endParaRPr lang="en-US" dirty="0"/>
+          </a:p>
+        </p:txBody>
+      </p:sp>
+      <p:sp>
+        <p:nvSpPr>
+          <p:cNvPr id="12" name="Object 12"/>
+          <p:cNvSpPr txBox="1"/>
+          <p:nvPr/>
+        </p:nvSpPr>
+        <p:spPr>
+          <a:xfrm>
+            <a:off x="889187" y="4640352"/>
+            <a:ext cx="8831438" cy="4830736"/>
+          </a:xfrm>
+          <a:prstGeom prst="rect">
+            <a:avLst/>
+          </a:prstGeom>
+          <a:noFill/>
+        </p:spPr>
+        <p:txBody>
+          <a:bodyPr wrap="square" rtlCol="0" anchor="t">
+            <a:spAutoFit/>
+          </a:bodyPr>
+          <a:lstStyle/>
+          <a:p>
+            <a:r>
+              <a:rPr lang="en-US" sz="1800" dirty="0">
+                <a:solidFill>
+                  <a:srgbClr val="595959"/>
+                </a:solidFill>
+                <a:latin typeface="Caviar Dreams" pitchFamily="34" charset="0"/>
+                <a:cs typeface="Caviar Dreams" pitchFamily="34" charset="0"/>
+              </a:rPr>
+              <a:t>제작 인원: 3명 </a:t>
+            </a:r>
+          </a:p>
+          <a:p>
+            <a:r>
+              <a:rPr lang="en-US" sz="1800" dirty="0">
+                <a:solidFill>
+                  <a:srgbClr val="595959"/>
+                </a:solidFill>
+                <a:latin typeface="Caviar Dreams" pitchFamily="34" charset="0"/>
+                <a:cs typeface="Caviar Dreams" pitchFamily="34" charset="0"/>
+              </a:rPr>
+              <a:t>사용 언어: C++17</a:t>
+            </a:r>
+          </a:p>
+          <a:p>
+            <a:r>
+              <a:rPr lang="en-US" sz="1800" dirty="0">
+                <a:solidFill>
+                  <a:srgbClr val="595959"/>
+                </a:solidFill>
+                <a:latin typeface="Caviar Dreams" pitchFamily="34" charset="0"/>
+                <a:cs typeface="Caviar Dreams" pitchFamily="34" charset="0"/>
+              </a:rPr>
+              <a:t>개발 환경: Visual Studio 2022, DirectX12, FMOD</a:t>
+            </a:r>
+          </a:p>
+          <a:p>
+            <a:r>
+              <a:rPr lang="en-US" sz="1800" dirty="0">
+                <a:solidFill>
+                  <a:srgbClr val="595959"/>
+                </a:solidFill>
+                <a:latin typeface="Caviar Dreams" pitchFamily="34" charset="0"/>
+                <a:cs typeface="Caviar Dreams" pitchFamily="34" charset="0"/>
+              </a:rPr>
+              <a:t>역할: 클라이언트 ( Direct3D를 이용한 그래픽 효과, 게임 </a:t>
+            </a:r>
+          </a:p>
+          <a:p>
+            <a:r>
+              <a:rPr lang="en-US" sz="1800" dirty="0">
+                <a:solidFill>
+                  <a:srgbClr val="595959"/>
+                </a:solidFill>
+                <a:latin typeface="Caviar Dreams" pitchFamily="34" charset="0"/>
+                <a:cs typeface="Caviar Dreams" pitchFamily="34" charset="0"/>
+              </a:rPr>
+              <a:t>시스템 구현)</a:t>
+            </a:r>
+          </a:p>
+          <a:p>
+            <a:endParaRPr lang="en-US" sz="1800" dirty="0">
+              <a:solidFill>
+                <a:srgbClr val="595959"/>
+              </a:solidFill>
+              <a:latin typeface="Caviar Dreams" pitchFamily="34" charset="0"/>
+              <a:cs typeface="Caviar Dreams" pitchFamily="34" charset="0"/>
+            </a:endParaRPr>
+          </a:p>
+          <a:p>
+            <a:r>
+              <a:rPr lang="en-US" sz="1800" dirty="0">
+                <a:solidFill>
+                  <a:srgbClr val="595959"/>
+                </a:solidFill>
+                <a:latin typeface="Caviar Dreams" pitchFamily="34" charset="0"/>
+                <a:cs typeface="Caviar Dreams" pitchFamily="34" charset="0"/>
+              </a:rPr>
+              <a:t>활동 내용:  </a:t>
+            </a:r>
+          </a:p>
+          <a:p>
+            <a:endParaRPr lang="en-US" dirty="0"/>
+          </a:p>
+        </p:txBody>
+      </p:sp>
+    </p:spTree>
+  </p:cSld>
+  <p:clrMapOvr>
+    <a:masterClrMapping/>
+  </p:clrMapOvr>
+</p:sld>
+</file>
+
+<file path=ppt/slides/slide3.xml><?xml version="1.0" encoding="utf-8"?>
+<p:sld xmlns:a="http://schemas.openxmlformats.org/drawingml/2006/main" xmlns:r="http://schemas.openxmlformats.org/officeDocument/2006/relationships" xmlns:p="http://schemas.openxmlformats.org/presentationml/2006/main">
+  <p:cSld name="Slide 3">
+    <p:bg>
+      <p:bgPr>
+        <a:solidFill>
+          <a:srgbClr val="FFFFFF"/>
+        </a:solidFill>
+        <a:effectLst/>
+      </p:bgPr>
+    </p:bg>
+    <p:spTree>
+      <p:nvGrpSpPr>
+        <p:cNvPr id="1" name=""/>
+        <p:cNvGrpSpPr/>
+        <p:nvPr/>
+      </p:nvGrpSpPr>
+      <p:grpSpPr>
+        <a:xfrm>
+          <a:off x="0" y="0"/>
+          <a:ext cx="0" cy="0"/>
+          <a:chOff x="0" y="0"/>
+          <a:chExt cx="0" cy="0"/>
+        </a:xfrm>
+      </p:grpSpPr>
+      <p:sp>
+        <p:nvSpPr>
+          <p:cNvPr id="2" name="Object 2"/>
+          <p:cNvSpPr txBox="1"/>
+          <p:nvPr/>
+        </p:nvSpPr>
+        <p:spPr>
+          <a:xfrm>
+            <a:off x="-301191" y="543554"/>
+            <a:ext cx="6747239" cy="1672474"/>
+          </a:xfrm>
+          <a:prstGeom prst="rect">
+            <a:avLst/>
+          </a:prstGeom>
+          <a:noFill/>
+        </p:spPr>
+        <p:txBody>
+          <a:bodyPr wrap="square" rtlCol="0" anchor="t">
+            <a:spAutoFit/>
+          </a:bodyPr>
+          <a:lstStyle/>
+          <a:p>
+            <a:pPr algn="ctr"/>
+            <a:r>
+              <a:rPr lang="en-US" sz="6300" dirty="0">
+                <a:solidFill>
+                  <a:srgbClr val="000000"/>
+                </a:solidFill>
+                <a:latin typeface="Noto Sans CJK KR Regular" pitchFamily="34" charset="0"/>
+                <a:cs typeface="Noto Sans CJK KR Regular" pitchFamily="34" charset="0"/>
+              </a:rPr>
+              <a:t>그림자....</a:t>
+            </a:r>
+            <a:endParaRPr lang="en-US" dirty="0"/>
+          </a:p>
+        </p:txBody>
+      </p:sp>
+      <p:grpSp>
+        <p:nvGrpSpPr>
+          <p:cNvPr id="1001" name="그룹 1001"/>
+          <p:cNvGrpSpPr/>
+          <p:nvPr/>
+        </p:nvGrpSpPr>
+        <p:grpSpPr>
+          <a:xfrm>
+            <a:off x="441027" y="1576904"/>
+            <a:ext cx="6936425" cy="3820479"/>
+            <a:chOff x="441027" y="1576904"/>
+            <a:chExt cx="6936425" cy="3820479"/>
+          </a:xfrm>
+        </p:grpSpPr>
+        <p:pic>
+          <p:nvPicPr>
+            <p:cNvPr id="4" name="Object 3"/>
+            <p:cNvPicPr>
+              <a:picLocks noChangeAspect="1"/>
+            </p:cNvPicPr>
+            <p:nvPr/>
+          </p:nvPicPr>
+          <p:blipFill>
+            <a:blip r:embed="rId2" cstate="print"/>
+            <a:stretch>
+              <a:fillRect/>
+            </a:stretch>
+          </p:blipFill>
+          <p:spPr>
+            <a:xfrm>
+              <a:off x="441027" y="1576904"/>
+              <a:ext cx="6936425" cy="3820479"/>
+            </a:xfrm>
+            <a:prstGeom prst="rect">
+              <a:avLst/>
+            </a:prstGeom>
+          </p:spPr>
+        </p:pic>
+      </p:grpSp>
+      <p:sp>
+        <p:nvSpPr>
+          <p:cNvPr id="6" name="Object 6"/>
+          <p:cNvSpPr txBox="1"/>
+          <p:nvPr/>
+        </p:nvSpPr>
+        <p:spPr>
+          <a:xfrm>
+            <a:off x="632188" y="5415422"/>
+            <a:ext cx="9831155" cy="1102258"/>
+          </a:xfrm>
+          <a:prstGeom prst="rect">
+            <a:avLst/>
+          </a:prstGeom>
+          <a:noFill/>
+        </p:spPr>
+        <p:txBody>
+          <a:bodyPr wrap="square" rtlCol="0" anchor="t">
+            <a:spAutoFit/>
+          </a:bodyPr>
+          <a:lstStyle/>
+          <a:p>
+            <a:r>
+              <a:rPr lang="en-US" sz="1800" dirty="0">
+                <a:solidFill>
+                  <a:srgbClr val="595959"/>
+                </a:solidFill>
+                <a:latin typeface="Caviar Dreams" pitchFamily="34" charset="0"/>
+                <a:cs typeface="Caviar Dreams" pitchFamily="34" charset="0"/>
+              </a:rPr>
+              <a:t>그림자 그려지는 모습 사진 </a:t>
+            </a:r>
+          </a:p>
+          <a:p>
+            <a:endParaRPr lang="en-US" dirty="0"/>
+          </a:p>
+        </p:txBody>
+      </p:sp>
+      <p:grpSp>
+        <p:nvGrpSpPr>
+          <p:cNvPr id="1002" name="그룹 1002"/>
+          <p:cNvGrpSpPr/>
+          <p:nvPr/>
+        </p:nvGrpSpPr>
+        <p:grpSpPr>
+          <a:xfrm>
+            <a:off x="441027" y="5864474"/>
+            <a:ext cx="7044872" cy="3880210"/>
+            <a:chOff x="441027" y="5864474"/>
+            <a:chExt cx="7044872" cy="3880210"/>
+          </a:xfrm>
+        </p:grpSpPr>
+        <p:pic>
+          <p:nvPicPr>
+            <p:cNvPr id="8" name="Object 7"/>
+            <p:cNvPicPr>
+              <a:picLocks noChangeAspect="1"/>
+            </p:cNvPicPr>
+            <p:nvPr/>
+          </p:nvPicPr>
+          <p:blipFill>
+            <a:blip r:embed="rId3" cstate="print"/>
+            <a:stretch>
+              <a:fillRect/>
+            </a:stretch>
+          </p:blipFill>
+          <p:spPr>
+            <a:xfrm>
+              <a:off x="441027" y="5864474"/>
+              <a:ext cx="7044872" cy="3880210"/>
+            </a:xfrm>
+            <a:prstGeom prst="rect">
+              <a:avLst/>
+            </a:prstGeom>
+          </p:spPr>
+        </p:pic>
+      </p:grpSp>
+      <p:sp>
+        <p:nvSpPr>
+          <p:cNvPr id="10" name="Object 10"/>
+          <p:cNvSpPr txBox="1"/>
+          <p:nvPr/>
+        </p:nvSpPr>
+        <p:spPr>
+          <a:xfrm>
+            <a:off x="632188" y="9744685"/>
+            <a:ext cx="9831155" cy="1102258"/>
+          </a:xfrm>
+          <a:prstGeom prst="rect">
+            <a:avLst/>
+          </a:prstGeom>
+          <a:noFill/>
+        </p:spPr>
+        <p:txBody>
+          <a:bodyPr wrap="square" rtlCol="0" anchor="t">
+            <a:spAutoFit/>
+          </a:bodyPr>
+          <a:lstStyle/>
+          <a:p>
+            <a:r>
+              <a:rPr lang="en-US" sz="1800" dirty="0">
+                <a:solidFill>
+                  <a:srgbClr val="595959"/>
+                </a:solidFill>
+                <a:latin typeface="Caviar Dreams" pitchFamily="34" charset="0"/>
+                <a:cs typeface="Caviar Dreams" pitchFamily="34" charset="0"/>
+              </a:rPr>
+              <a:t>깊이 버퍼 데이터 화면 사진 </a:t>
+            </a:r>
+          </a:p>
+          <a:p>
+            <a:endParaRPr lang="en-US" dirty="0"/>
+          </a:p>
+        </p:txBody>
+      </p:sp>
+      <p:sp>
+        <p:nvSpPr>
+          <p:cNvPr id="11" name="Object 11"/>
+          <p:cNvSpPr txBox="1"/>
+          <p:nvPr/>
+        </p:nvSpPr>
+        <p:spPr>
+          <a:xfrm>
+            <a:off x="9142857" y="9550857"/>
+            <a:ext cx="9831155" cy="480845"/>
+          </a:xfrm>
+          <a:prstGeom prst="rect">
+            <a:avLst/>
+          </a:prstGeom>
+          <a:noFill/>
+        </p:spPr>
+        <p:txBody>
+          <a:bodyPr wrap="square" rtlCol="0" anchor="t">
+            <a:spAutoFit/>
+          </a:bodyPr>
+          <a:lstStyle/>
+          <a:p>
+            <a:r>
+              <a:rPr lang="en-US" sz="1800" dirty="0">
+                <a:solidFill>
+                  <a:srgbClr val="595959"/>
+                </a:solidFill>
+                <a:latin typeface="Caviar Dreams" pitchFamily="34" charset="0"/>
+                <a:cs typeface="Caviar Dreams" pitchFamily="34" charset="0"/>
+              </a:rPr>
+              <a:t>그림자 맵에서 그림자를 그리는 쉐이더 코드 </a:t>
+            </a:r>
+            <a:endParaRPr lang="en-US" dirty="0"/>
+          </a:p>
+        </p:txBody>
+      </p:sp>
+      <p:sp>
+        <p:nvSpPr>
+          <p:cNvPr id="5" name="TextBox 4">
+            <a:extLst>
+              <a:ext uri="{FF2B5EF4-FFF2-40B4-BE49-F238E27FC236}">
+                <a16:creationId xmlns:a16="http://schemas.microsoft.com/office/drawing/2014/main" id="{137B3715-045D-CD77-B388-4D8635D04B0C}"/>
+              </a:ext>
+            </a:extLst>
+          </p:cNvPr>
+          <p:cNvSpPr txBox="1"/>
+          <p:nvPr/>
+        </p:nvSpPr>
+        <p:spPr>
+          <a:xfrm>
+            <a:off x="9448800" y="1409700"/>
+            <a:ext cx="7696338" cy="923330"/>
+          </a:xfrm>
+          <a:prstGeom prst="rect">
+            <a:avLst/>
+          </a:prstGeom>
+          <a:noFill/>
+        </p:spPr>
+        <p:txBody>
+          <a:bodyPr wrap="none" rtlCol="0">
+            <a:spAutoFit/>
+          </a:bodyPr>
+          <a:lstStyle/>
+          <a:p>
+            <a:r>
+              <a:rPr lang="ko-KR" altLang="en-US" dirty="0"/>
+              <a:t>멀티 </a:t>
+            </a:r>
+            <a:r>
+              <a:rPr lang="ko-KR" altLang="en-US" dirty="0" err="1"/>
+              <a:t>렌더</a:t>
+            </a:r>
+            <a:r>
+              <a:rPr lang="ko-KR" altLang="en-US" dirty="0"/>
+              <a:t> 타겟에 그림자를 그릴 대상의 오브젝트와 조명을 </a:t>
+            </a:r>
+            <a:r>
+              <a:rPr lang="ko-KR" altLang="en-US" dirty="0" err="1"/>
+              <a:t>랜더한다</a:t>
+            </a:r>
+            <a:r>
+              <a:rPr lang="en-US" altLang="ko-KR" dirty="0"/>
+              <a:t>. </a:t>
+            </a:r>
+          </a:p>
+          <a:p>
+            <a:r>
+              <a:rPr lang="ko-KR" altLang="en-US" dirty="0"/>
+              <a:t>새로운 </a:t>
+            </a:r>
+            <a:r>
+              <a:rPr lang="ko-KR" altLang="en-US" dirty="0" err="1"/>
+              <a:t>택스처에</a:t>
+            </a:r>
+            <a:r>
+              <a:rPr lang="ko-KR" altLang="en-US" dirty="0"/>
+              <a:t> 이 </a:t>
+            </a:r>
+            <a:r>
+              <a:rPr lang="ko-KR" altLang="en-US" dirty="0" err="1"/>
+              <a:t>랜더타겟에서</a:t>
+            </a:r>
+            <a:r>
+              <a:rPr lang="ko-KR" altLang="en-US" dirty="0"/>
+              <a:t> 조명의 위치로부터 </a:t>
+            </a:r>
+            <a:r>
+              <a:rPr lang="ko-KR" altLang="en-US" dirty="0" err="1"/>
+              <a:t>깊이맵을</a:t>
+            </a:r>
+            <a:r>
+              <a:rPr lang="ko-KR" altLang="en-US" dirty="0"/>
+              <a:t> 그린다</a:t>
+            </a:r>
+            <a:r>
+              <a:rPr lang="en-US" altLang="ko-KR" dirty="0"/>
+              <a:t>. </a:t>
+            </a:r>
+          </a:p>
+          <a:p>
+            <a:r>
+              <a:rPr lang="ko-KR" altLang="en-US" dirty="0"/>
+              <a:t>이 </a:t>
+            </a:r>
+            <a:r>
+              <a:rPr lang="ko-KR" altLang="en-US" dirty="0" err="1"/>
+              <a:t>깊이맵을</a:t>
+            </a:r>
+            <a:r>
+              <a:rPr lang="ko-KR" altLang="en-US" dirty="0"/>
+              <a:t> 다음 화면 </a:t>
+            </a:r>
+            <a:r>
+              <a:rPr lang="ko-KR" altLang="en-US" dirty="0" err="1"/>
+              <a:t>랜더타겟에서</a:t>
+            </a:r>
+            <a:r>
+              <a:rPr lang="ko-KR" altLang="en-US" dirty="0"/>
+              <a:t> 받아 기반으로 그림자 </a:t>
+            </a:r>
+            <a:r>
+              <a:rPr lang="ko-KR" altLang="en-US" dirty="0" err="1"/>
+              <a:t>맵을</a:t>
+            </a:r>
+            <a:r>
+              <a:rPr lang="ko-KR" altLang="en-US" dirty="0"/>
+              <a:t> 작성한다</a:t>
+            </a:r>
+            <a:r>
+              <a:rPr lang="en-US" altLang="ko-KR" dirty="0"/>
+              <a:t>. </a:t>
+            </a:r>
+          </a:p>
+        </p:txBody>
+      </p:sp>
+    </p:spTree>
+  </p:cSld>
+  <p:clrMapOvr>
+    <a:masterClrMapping/>
+  </p:clrMapOvr>
+</p:sld>
+</file>
+
+<file path=ppt/slides/slide4.xml><?xml version="1.0" encoding="utf-8"?>
+<p:sld xmlns:a="http://schemas.openxmlformats.org/drawingml/2006/main" xmlns:r="http://schemas.openxmlformats.org/officeDocument/2006/relationships" xmlns:p="http://schemas.openxmlformats.org/presentationml/2006/main">
+  <p:cSld name="Slide 4">
+    <p:bg>
+      <p:bgPr>
+        <a:solidFill>
+          <a:srgbClr val="FFFFFF"/>
+        </a:solidFill>
+        <a:effectLst/>
+      </p:bgPr>
+    </p:bg>
+    <p:spTree>
+      <p:nvGrpSpPr>
+        <p:cNvPr id="1" name=""/>
+        <p:cNvGrpSpPr/>
+        <p:nvPr/>
+      </p:nvGrpSpPr>
+      <p:grpSpPr>
+        <a:xfrm>
+          <a:off x="0" y="0"/>
+          <a:ext cx="0" cy="0"/>
+          <a:chOff x="0" y="0"/>
+          <a:chExt cx="0" cy="0"/>
+        </a:xfrm>
+      </p:grpSpPr>
+      <p:sp>
+        <p:nvSpPr>
+          <p:cNvPr id="2" name="Object 2"/>
+          <p:cNvSpPr txBox="1"/>
+          <p:nvPr/>
+        </p:nvSpPr>
+        <p:spPr>
+          <a:xfrm>
+            <a:off x="9677400" y="8120037"/>
+            <a:ext cx="3792184" cy="2166963"/>
+          </a:xfrm>
+          <a:prstGeom prst="rect">
+            <a:avLst/>
+          </a:prstGeom>
+          <a:noFill/>
+        </p:spPr>
+        <p:txBody>
+          <a:bodyPr wrap="square" rtlCol="0" anchor="t">
+            <a:spAutoFit/>
+          </a:bodyPr>
+          <a:lstStyle/>
+          <a:p>
+            <a:pPr algn="ctr"/>
+            <a:r>
+              <a:rPr lang="en-US" sz="2700" dirty="0">
+                <a:solidFill>
+                  <a:srgbClr val="000000"/>
+                </a:solidFill>
+                <a:latin typeface="Noto Sans CJK KR Regular" pitchFamily="34" charset="0"/>
+                <a:cs typeface="Noto Sans CJK KR Regular" pitchFamily="34" charset="0"/>
+              </a:rPr>
+              <a:t>세부사항, </a:t>
+            </a:r>
+          </a:p>
+          <a:p>
+            <a:pPr algn="ctr"/>
+            <a:r>
+              <a:rPr lang="en-US" sz="2700" dirty="0">
+                <a:solidFill>
+                  <a:srgbClr val="000000"/>
+                </a:solidFill>
+                <a:latin typeface="Noto Sans CJK KR Regular" pitchFamily="34" charset="0"/>
+                <a:cs typeface="Noto Sans CJK KR Regular" pitchFamily="34" charset="0"/>
+              </a:rPr>
+              <a:t>구현 작업 설명, </a:t>
+            </a:r>
+          </a:p>
+          <a:p>
+            <a:pPr algn="ctr"/>
+            <a:r>
+              <a:rPr lang="en-US" sz="2700" dirty="0">
+                <a:solidFill>
+                  <a:srgbClr val="000000"/>
+                </a:solidFill>
+                <a:latin typeface="Noto Sans CJK KR Regular" pitchFamily="34" charset="0"/>
+                <a:cs typeface="Noto Sans CJK KR Regular" pitchFamily="34" charset="0"/>
+              </a:rPr>
+              <a:t>어려웠던 점 추가 </a:t>
+            </a:r>
+            <a:endParaRPr lang="en-US" dirty="0"/>
+          </a:p>
+        </p:txBody>
+      </p:sp>
+      <p:sp>
+        <p:nvSpPr>
+          <p:cNvPr id="3" name="TextBox 2">
+            <a:extLst>
+              <a:ext uri="{FF2B5EF4-FFF2-40B4-BE49-F238E27FC236}">
+                <a16:creationId xmlns:a16="http://schemas.microsoft.com/office/drawing/2014/main" id="{5838C721-555E-C81F-C5A2-54F8B3497C2E}"/>
+              </a:ext>
+            </a:extLst>
+          </p:cNvPr>
+          <p:cNvSpPr txBox="1"/>
+          <p:nvPr/>
+        </p:nvSpPr>
+        <p:spPr>
+          <a:xfrm>
+            <a:off x="381000" y="0"/>
+            <a:ext cx="14325600" cy="10064294"/>
+          </a:xfrm>
+          <a:prstGeom prst="rect">
+            <a:avLst/>
+          </a:prstGeom>
+          <a:noFill/>
+        </p:spPr>
+        <p:txBody>
+          <a:bodyPr wrap="square" rtlCol="0">
+            <a:spAutoFit/>
+          </a:bodyPr>
+          <a:lstStyle/>
+          <a:p>
+            <a:endParaRPr lang="ko-KR" altLang="en-US" sz="1200" dirty="0">
+              <a:solidFill>
+                <a:srgbClr val="000000"/>
+              </a:solidFill>
+              <a:latin typeface="돋움체" panose="020B0609000101010101" pitchFamily="49" charset="-127"/>
+              <a:ea typeface="돋움체" panose="020B0609000101010101" pitchFamily="49" charset="-127"/>
+            </a:endParaRPr>
+          </a:p>
+          <a:p>
+            <a:r>
+              <a:rPr lang="en-US" altLang="ko-KR" sz="1200" dirty="0">
+                <a:solidFill>
+                  <a:srgbClr val="0000FF"/>
+                </a:solidFill>
+                <a:latin typeface="돋움체" panose="020B0609000101010101" pitchFamily="49" charset="-127"/>
+                <a:ea typeface="돋움체" panose="020B0609000101010101" pitchFamily="49" charset="-127"/>
+              </a:rPr>
+              <a:t>float4</a:t>
+            </a:r>
+            <a:r>
+              <a:rPr lang="en-US" altLang="ko-KR" sz="1200" dirty="0">
+                <a:solidFill>
+                  <a:srgbClr val="000000"/>
+                </a:solidFill>
+                <a:latin typeface="돋움체" panose="020B0609000101010101" pitchFamily="49" charset="-127"/>
+                <a:ea typeface="돋움체" panose="020B0609000101010101" pitchFamily="49" charset="-127"/>
+              </a:rPr>
+              <a:t> </a:t>
+            </a:r>
+            <a:r>
+              <a:rPr lang="en-US" altLang="ko-KR" sz="1200" dirty="0" err="1">
+                <a:solidFill>
+                  <a:srgbClr val="000000"/>
+                </a:solidFill>
+                <a:latin typeface="돋움체" panose="020B0609000101010101" pitchFamily="49" charset="-127"/>
+                <a:ea typeface="돋움체" panose="020B0609000101010101" pitchFamily="49" charset="-127"/>
+              </a:rPr>
+              <a:t>shadowLighting</a:t>
+            </a:r>
+            <a:r>
+              <a:rPr lang="en-US" altLang="ko-KR" sz="1200" dirty="0">
+                <a:solidFill>
+                  <a:srgbClr val="000000"/>
+                </a:solidFill>
+                <a:latin typeface="돋움체" panose="020B0609000101010101" pitchFamily="49" charset="-127"/>
+                <a:ea typeface="돋움체" panose="020B0609000101010101" pitchFamily="49" charset="-127"/>
+              </a:rPr>
+              <a:t>(</a:t>
+            </a:r>
+            <a:r>
+              <a:rPr lang="en-US" altLang="ko-KR" sz="1200" dirty="0">
+                <a:solidFill>
+                  <a:srgbClr val="0000FF"/>
+                </a:solidFill>
+                <a:latin typeface="돋움체" panose="020B0609000101010101" pitchFamily="49" charset="-127"/>
+                <a:ea typeface="돋움체" panose="020B0609000101010101" pitchFamily="49" charset="-127"/>
+              </a:rPr>
+              <a:t>float3</a:t>
+            </a:r>
+            <a:r>
+              <a:rPr lang="en-US" altLang="ko-KR" sz="1200" dirty="0">
+                <a:solidFill>
+                  <a:srgbClr val="000000"/>
+                </a:solidFill>
+                <a:latin typeface="돋움체" panose="020B0609000101010101" pitchFamily="49" charset="-127"/>
+                <a:ea typeface="돋움체" panose="020B0609000101010101" pitchFamily="49" charset="-127"/>
+              </a:rPr>
+              <a:t> </a:t>
+            </a:r>
+            <a:r>
+              <a:rPr lang="en-US" altLang="ko-KR" sz="1200" dirty="0" err="1">
+                <a:solidFill>
+                  <a:srgbClr val="000000"/>
+                </a:solidFill>
+                <a:latin typeface="돋움체" panose="020B0609000101010101" pitchFamily="49" charset="-127"/>
+                <a:ea typeface="돋움체" panose="020B0609000101010101" pitchFamily="49" charset="-127"/>
+              </a:rPr>
+              <a:t>vPosition</a:t>
+            </a:r>
+            <a:r>
+              <a:rPr lang="en-US" altLang="ko-KR" sz="1200" dirty="0">
+                <a:solidFill>
+                  <a:srgbClr val="000000"/>
+                </a:solidFill>
+                <a:latin typeface="돋움체" panose="020B0609000101010101" pitchFamily="49" charset="-127"/>
+                <a:ea typeface="돋움체" panose="020B0609000101010101" pitchFamily="49" charset="-127"/>
+              </a:rPr>
+              <a:t>, </a:t>
+            </a:r>
+            <a:r>
+              <a:rPr lang="en-US" altLang="ko-KR" sz="1200" dirty="0">
+                <a:solidFill>
+                  <a:srgbClr val="0000FF"/>
+                </a:solidFill>
+                <a:latin typeface="돋움체" panose="020B0609000101010101" pitchFamily="49" charset="-127"/>
+                <a:ea typeface="돋움체" panose="020B0609000101010101" pitchFamily="49" charset="-127"/>
+              </a:rPr>
+              <a:t>float3</a:t>
+            </a:r>
+            <a:r>
+              <a:rPr lang="en-US" altLang="ko-KR" sz="1200" dirty="0">
+                <a:solidFill>
+                  <a:srgbClr val="000000"/>
+                </a:solidFill>
+                <a:latin typeface="돋움체" panose="020B0609000101010101" pitchFamily="49" charset="-127"/>
+                <a:ea typeface="돋움체" panose="020B0609000101010101" pitchFamily="49" charset="-127"/>
+              </a:rPr>
+              <a:t> </a:t>
+            </a:r>
+            <a:r>
+              <a:rPr lang="en-US" altLang="ko-KR" sz="1200" dirty="0" err="1">
+                <a:solidFill>
+                  <a:srgbClr val="000000"/>
+                </a:solidFill>
+                <a:latin typeface="돋움체" panose="020B0609000101010101" pitchFamily="49" charset="-127"/>
+                <a:ea typeface="돋움체" panose="020B0609000101010101" pitchFamily="49" charset="-127"/>
+              </a:rPr>
+              <a:t>vNormal</a:t>
+            </a:r>
+            <a:r>
+              <a:rPr lang="en-US" altLang="ko-KR" sz="1200" dirty="0">
+                <a:solidFill>
+                  <a:srgbClr val="000000"/>
+                </a:solidFill>
+                <a:latin typeface="돋움체" panose="020B0609000101010101" pitchFamily="49" charset="-127"/>
+                <a:ea typeface="돋움체" panose="020B0609000101010101" pitchFamily="49" charset="-127"/>
+              </a:rPr>
+              <a:t>, </a:t>
+            </a:r>
+            <a:r>
+              <a:rPr lang="en-US" altLang="ko-KR" sz="1200" dirty="0">
+                <a:solidFill>
+                  <a:srgbClr val="0000FF"/>
+                </a:solidFill>
+                <a:latin typeface="돋움체" panose="020B0609000101010101" pitchFamily="49" charset="-127"/>
+                <a:ea typeface="돋움체" panose="020B0609000101010101" pitchFamily="49" charset="-127"/>
+              </a:rPr>
+              <a:t>bool</a:t>
+            </a:r>
+            <a:r>
+              <a:rPr lang="en-US" altLang="ko-KR" sz="1200" dirty="0">
+                <a:solidFill>
+                  <a:srgbClr val="000000"/>
+                </a:solidFill>
+                <a:latin typeface="돋움체" panose="020B0609000101010101" pitchFamily="49" charset="-127"/>
+                <a:ea typeface="돋움체" panose="020B0609000101010101" pitchFamily="49" charset="-127"/>
+              </a:rPr>
+              <a:t> </a:t>
+            </a:r>
+            <a:r>
+              <a:rPr lang="en-US" altLang="ko-KR" sz="1200" dirty="0" err="1">
+                <a:solidFill>
+                  <a:srgbClr val="000000"/>
+                </a:solidFill>
+                <a:latin typeface="돋움체" panose="020B0609000101010101" pitchFamily="49" charset="-127"/>
+                <a:ea typeface="돋움체" panose="020B0609000101010101" pitchFamily="49" charset="-127"/>
+              </a:rPr>
+              <a:t>bShadow</a:t>
+            </a:r>
+            <a:r>
+              <a:rPr lang="en-US" altLang="ko-KR" sz="1200" dirty="0">
+                <a:solidFill>
+                  <a:srgbClr val="000000"/>
+                </a:solidFill>
+                <a:latin typeface="돋움체" panose="020B0609000101010101" pitchFamily="49" charset="-127"/>
+                <a:ea typeface="돋움체" panose="020B0609000101010101" pitchFamily="49" charset="-127"/>
+              </a:rPr>
+              <a:t>, </a:t>
+            </a:r>
+            <a:r>
+              <a:rPr lang="en-US" altLang="ko-KR" sz="1200" dirty="0">
+                <a:solidFill>
+                  <a:srgbClr val="0000FF"/>
+                </a:solidFill>
+                <a:latin typeface="돋움체" panose="020B0609000101010101" pitchFamily="49" charset="-127"/>
+                <a:ea typeface="돋움체" panose="020B0609000101010101" pitchFamily="49" charset="-127"/>
+              </a:rPr>
+              <a:t>float4</a:t>
+            </a:r>
+            <a:r>
+              <a:rPr lang="en-US" altLang="ko-KR" sz="1200" dirty="0">
+                <a:solidFill>
+                  <a:srgbClr val="000000"/>
+                </a:solidFill>
+                <a:latin typeface="돋움체" panose="020B0609000101010101" pitchFamily="49" charset="-127"/>
+                <a:ea typeface="돋움체" panose="020B0609000101010101" pitchFamily="49" charset="-127"/>
+              </a:rPr>
+              <a:t> </a:t>
+            </a:r>
+            <a:r>
+              <a:rPr lang="en-US" altLang="ko-KR" sz="1200" dirty="0" err="1">
+                <a:solidFill>
+                  <a:srgbClr val="000000"/>
+                </a:solidFill>
+                <a:latin typeface="돋움체" panose="020B0609000101010101" pitchFamily="49" charset="-127"/>
+                <a:ea typeface="돋움체" panose="020B0609000101010101" pitchFamily="49" charset="-127"/>
+              </a:rPr>
+              <a:t>uvs</a:t>
+            </a:r>
+            <a:r>
+              <a:rPr lang="en-US" altLang="ko-KR" sz="1200" dirty="0">
+                <a:solidFill>
+                  <a:srgbClr val="000000"/>
+                </a:solidFill>
+                <a:latin typeface="돋움체" panose="020B0609000101010101" pitchFamily="49" charset="-127"/>
+                <a:ea typeface="돋움체" panose="020B0609000101010101" pitchFamily="49" charset="-127"/>
+              </a:rPr>
+              <a:t>[1])</a:t>
+            </a:r>
+          </a:p>
+          <a:p>
+            <a:r>
+              <a:rPr lang="en-US" altLang="ko-KR" sz="1200" dirty="0">
+                <a:solidFill>
+                  <a:srgbClr val="000000"/>
+                </a:solidFill>
+                <a:latin typeface="돋움체" panose="020B0609000101010101" pitchFamily="49" charset="-127"/>
+                <a:ea typeface="돋움체" panose="020B0609000101010101" pitchFamily="49" charset="-127"/>
+              </a:rPr>
+              <a:t>{</a:t>
+            </a:r>
+          </a:p>
+          <a:p>
+            <a:r>
+              <a:rPr lang="en-US" altLang="ko-KR" sz="1200" dirty="0">
+                <a:solidFill>
+                  <a:srgbClr val="0000FF"/>
+                </a:solidFill>
+                <a:latin typeface="돋움체" panose="020B0609000101010101" pitchFamily="49" charset="-127"/>
+                <a:ea typeface="돋움체" panose="020B0609000101010101" pitchFamily="49" charset="-127"/>
+              </a:rPr>
+              <a:t>float3</a:t>
+            </a:r>
+            <a:r>
+              <a:rPr lang="en-US" altLang="ko-KR" sz="1200" dirty="0">
+                <a:solidFill>
+                  <a:srgbClr val="000000"/>
+                </a:solidFill>
+                <a:latin typeface="돋움체" panose="020B0609000101010101" pitchFamily="49" charset="-127"/>
+                <a:ea typeface="돋움체" panose="020B0609000101010101" pitchFamily="49" charset="-127"/>
+              </a:rPr>
+              <a:t> </a:t>
+            </a:r>
+            <a:r>
+              <a:rPr lang="en-US" altLang="ko-KR" sz="1200" dirty="0" err="1">
+                <a:solidFill>
+                  <a:srgbClr val="000000"/>
+                </a:solidFill>
+                <a:latin typeface="돋움체" panose="020B0609000101010101" pitchFamily="49" charset="-127"/>
+                <a:ea typeface="돋움체" panose="020B0609000101010101" pitchFamily="49" charset="-127"/>
+              </a:rPr>
+              <a:t>vCameraPosition</a:t>
+            </a:r>
+            <a:r>
+              <a:rPr lang="en-US" altLang="ko-KR" sz="1200" dirty="0">
+                <a:solidFill>
+                  <a:srgbClr val="000000"/>
+                </a:solidFill>
+                <a:latin typeface="돋움체" panose="020B0609000101010101" pitchFamily="49" charset="-127"/>
+                <a:ea typeface="돋움체" panose="020B0609000101010101" pitchFamily="49" charset="-127"/>
+              </a:rPr>
+              <a:t> = </a:t>
+            </a:r>
+            <a:r>
+              <a:rPr lang="en-US" altLang="ko-KR" sz="1200" dirty="0">
+                <a:solidFill>
+                  <a:srgbClr val="0000FF"/>
+                </a:solidFill>
+                <a:latin typeface="돋움체" panose="020B0609000101010101" pitchFamily="49" charset="-127"/>
+                <a:ea typeface="돋움체" panose="020B0609000101010101" pitchFamily="49" charset="-127"/>
+              </a:rPr>
+              <a:t>float3</a:t>
+            </a:r>
+            <a:r>
+              <a:rPr lang="en-US" altLang="ko-KR" sz="1200" dirty="0">
+                <a:solidFill>
+                  <a:srgbClr val="000000"/>
+                </a:solidFill>
+                <a:latin typeface="돋움체" panose="020B0609000101010101" pitchFamily="49" charset="-127"/>
+                <a:ea typeface="돋움체" panose="020B0609000101010101" pitchFamily="49" charset="-127"/>
+              </a:rPr>
+              <a:t>(</a:t>
+            </a:r>
+            <a:r>
+              <a:rPr lang="en-US" altLang="ko-KR" sz="1200" dirty="0" err="1">
+                <a:solidFill>
+                  <a:srgbClr val="000000"/>
+                </a:solidFill>
+                <a:latin typeface="돋움체" panose="020B0609000101010101" pitchFamily="49" charset="-127"/>
+                <a:ea typeface="돋움체" panose="020B0609000101010101" pitchFamily="49" charset="-127"/>
+              </a:rPr>
+              <a:t>gvCameraPosition.x</a:t>
+            </a:r>
+            <a:r>
+              <a:rPr lang="en-US" altLang="ko-KR" sz="1200" dirty="0">
+                <a:solidFill>
+                  <a:srgbClr val="000000"/>
+                </a:solidFill>
+                <a:latin typeface="돋움체" panose="020B0609000101010101" pitchFamily="49" charset="-127"/>
+                <a:ea typeface="돋움체" panose="020B0609000101010101" pitchFamily="49" charset="-127"/>
+              </a:rPr>
+              <a:t>, </a:t>
+            </a:r>
+            <a:r>
+              <a:rPr lang="en-US" altLang="ko-KR" sz="1200" dirty="0" err="1">
+                <a:solidFill>
+                  <a:srgbClr val="000000"/>
+                </a:solidFill>
+                <a:latin typeface="돋움체" panose="020B0609000101010101" pitchFamily="49" charset="-127"/>
+                <a:ea typeface="돋움체" panose="020B0609000101010101" pitchFamily="49" charset="-127"/>
+              </a:rPr>
+              <a:t>gvCameraPosition.y</a:t>
+            </a:r>
+            <a:r>
+              <a:rPr lang="en-US" altLang="ko-KR" sz="1200" dirty="0">
+                <a:solidFill>
+                  <a:srgbClr val="000000"/>
+                </a:solidFill>
+                <a:latin typeface="돋움체" panose="020B0609000101010101" pitchFamily="49" charset="-127"/>
+                <a:ea typeface="돋움체" panose="020B0609000101010101" pitchFamily="49" charset="-127"/>
+              </a:rPr>
+              <a:t>, </a:t>
+            </a:r>
+            <a:r>
+              <a:rPr lang="en-US" altLang="ko-KR" sz="1200" dirty="0" err="1">
+                <a:solidFill>
+                  <a:srgbClr val="000000"/>
+                </a:solidFill>
+                <a:latin typeface="돋움체" panose="020B0609000101010101" pitchFamily="49" charset="-127"/>
+                <a:ea typeface="돋움체" panose="020B0609000101010101" pitchFamily="49" charset="-127"/>
+              </a:rPr>
+              <a:t>gvCameraPosition.z</a:t>
+            </a:r>
+            <a:r>
+              <a:rPr lang="en-US" altLang="ko-KR" sz="1200" dirty="0">
+                <a:solidFill>
+                  <a:srgbClr val="000000"/>
+                </a:solidFill>
+                <a:latin typeface="돋움체" panose="020B0609000101010101" pitchFamily="49" charset="-127"/>
+                <a:ea typeface="돋움체" panose="020B0609000101010101" pitchFamily="49" charset="-127"/>
+              </a:rPr>
+              <a:t>);</a:t>
+            </a:r>
+          </a:p>
+          <a:p>
+            <a:r>
+              <a:rPr lang="en-US" altLang="ko-KR" sz="1200" dirty="0">
+                <a:solidFill>
+                  <a:srgbClr val="0000FF"/>
+                </a:solidFill>
+                <a:latin typeface="돋움체" panose="020B0609000101010101" pitchFamily="49" charset="-127"/>
+                <a:ea typeface="돋움체" panose="020B0609000101010101" pitchFamily="49" charset="-127"/>
+              </a:rPr>
+              <a:t>float3</a:t>
+            </a:r>
+            <a:r>
+              <a:rPr lang="en-US" altLang="ko-KR" sz="1200" dirty="0">
+                <a:solidFill>
+                  <a:srgbClr val="000000"/>
+                </a:solidFill>
+                <a:latin typeface="돋움체" panose="020B0609000101010101" pitchFamily="49" charset="-127"/>
+                <a:ea typeface="돋움체" panose="020B0609000101010101" pitchFamily="49" charset="-127"/>
+              </a:rPr>
+              <a:t> </a:t>
+            </a:r>
+            <a:r>
+              <a:rPr lang="en-US" altLang="ko-KR" sz="1200" dirty="0" err="1">
+                <a:solidFill>
+                  <a:srgbClr val="000000"/>
+                </a:solidFill>
+                <a:latin typeface="돋움체" panose="020B0609000101010101" pitchFamily="49" charset="-127"/>
+                <a:ea typeface="돋움체" panose="020B0609000101010101" pitchFamily="49" charset="-127"/>
+              </a:rPr>
+              <a:t>vToCamera</a:t>
+            </a:r>
+            <a:r>
+              <a:rPr lang="en-US" altLang="ko-KR" sz="1200" dirty="0">
+                <a:solidFill>
+                  <a:srgbClr val="000000"/>
+                </a:solidFill>
+                <a:latin typeface="돋움체" panose="020B0609000101010101" pitchFamily="49" charset="-127"/>
+                <a:ea typeface="돋움체" panose="020B0609000101010101" pitchFamily="49" charset="-127"/>
+              </a:rPr>
+              <a:t> = normalize(</a:t>
+            </a:r>
+            <a:r>
+              <a:rPr lang="en-US" altLang="ko-KR" sz="1200" dirty="0" err="1">
+                <a:solidFill>
+                  <a:srgbClr val="000000"/>
+                </a:solidFill>
+                <a:latin typeface="돋움체" panose="020B0609000101010101" pitchFamily="49" charset="-127"/>
+                <a:ea typeface="돋움체" panose="020B0609000101010101" pitchFamily="49" charset="-127"/>
+              </a:rPr>
+              <a:t>vCameraPosition</a:t>
+            </a:r>
+            <a:r>
+              <a:rPr lang="en-US" altLang="ko-KR" sz="1200" dirty="0">
+                <a:solidFill>
+                  <a:srgbClr val="000000"/>
+                </a:solidFill>
+                <a:latin typeface="돋움체" panose="020B0609000101010101" pitchFamily="49" charset="-127"/>
+                <a:ea typeface="돋움체" panose="020B0609000101010101" pitchFamily="49" charset="-127"/>
+              </a:rPr>
+              <a:t> - </a:t>
+            </a:r>
+            <a:r>
+              <a:rPr lang="en-US" altLang="ko-KR" sz="1200" dirty="0" err="1">
+                <a:solidFill>
+                  <a:srgbClr val="000000"/>
+                </a:solidFill>
+                <a:latin typeface="돋움체" panose="020B0609000101010101" pitchFamily="49" charset="-127"/>
+                <a:ea typeface="돋움체" panose="020B0609000101010101" pitchFamily="49" charset="-127"/>
+              </a:rPr>
+              <a:t>vPosition</a:t>
+            </a:r>
+            <a:r>
+              <a:rPr lang="en-US" altLang="ko-KR" sz="1200" dirty="0">
+                <a:solidFill>
+                  <a:srgbClr val="000000"/>
+                </a:solidFill>
+                <a:latin typeface="돋움체" panose="020B0609000101010101" pitchFamily="49" charset="-127"/>
+                <a:ea typeface="돋움체" panose="020B0609000101010101" pitchFamily="49" charset="-127"/>
+              </a:rPr>
+              <a:t>);</a:t>
+            </a:r>
+          </a:p>
+          <a:p>
+            <a:endParaRPr lang="ko-KR" altLang="en-US" sz="1200" dirty="0">
+              <a:solidFill>
+                <a:srgbClr val="000000"/>
+              </a:solidFill>
+              <a:latin typeface="돋움체" panose="020B0609000101010101" pitchFamily="49" charset="-127"/>
+              <a:ea typeface="돋움체" panose="020B0609000101010101" pitchFamily="49" charset="-127"/>
+            </a:endParaRPr>
+          </a:p>
+          <a:p>
+            <a:r>
+              <a:rPr lang="en-US" altLang="ko-KR" sz="1200" dirty="0">
+                <a:solidFill>
+                  <a:srgbClr val="0000FF"/>
+                </a:solidFill>
+                <a:latin typeface="돋움체" panose="020B0609000101010101" pitchFamily="49" charset="-127"/>
+                <a:ea typeface="돋움체" panose="020B0609000101010101" pitchFamily="49" charset="-127"/>
+              </a:rPr>
+              <a:t>float4</a:t>
+            </a:r>
+            <a:r>
+              <a:rPr lang="en-US" altLang="ko-KR" sz="1200" dirty="0">
+                <a:solidFill>
+                  <a:srgbClr val="000000"/>
+                </a:solidFill>
+                <a:latin typeface="돋움체" panose="020B0609000101010101" pitchFamily="49" charset="-127"/>
+                <a:ea typeface="돋움체" panose="020B0609000101010101" pitchFamily="49" charset="-127"/>
+              </a:rPr>
+              <a:t> </a:t>
+            </a:r>
+            <a:r>
+              <a:rPr lang="en-US" altLang="ko-KR" sz="1200" dirty="0" err="1">
+                <a:solidFill>
+                  <a:srgbClr val="000000"/>
+                </a:solidFill>
+                <a:latin typeface="돋움체" panose="020B0609000101010101" pitchFamily="49" charset="-127"/>
+                <a:ea typeface="돋움체" panose="020B0609000101010101" pitchFamily="49" charset="-127"/>
+              </a:rPr>
+              <a:t>cColor</a:t>
+            </a:r>
+            <a:r>
+              <a:rPr lang="en-US" altLang="ko-KR" sz="1200" dirty="0">
+                <a:solidFill>
+                  <a:srgbClr val="000000"/>
+                </a:solidFill>
+                <a:latin typeface="돋움체" panose="020B0609000101010101" pitchFamily="49" charset="-127"/>
+                <a:ea typeface="돋움체" panose="020B0609000101010101" pitchFamily="49" charset="-127"/>
+              </a:rPr>
+              <a:t> = </a:t>
+            </a:r>
+            <a:r>
+              <a:rPr lang="en-US" altLang="ko-KR" sz="1200" dirty="0">
+                <a:solidFill>
+                  <a:srgbClr val="0000FF"/>
+                </a:solidFill>
+                <a:latin typeface="돋움체" panose="020B0609000101010101" pitchFamily="49" charset="-127"/>
+                <a:ea typeface="돋움체" panose="020B0609000101010101" pitchFamily="49" charset="-127"/>
+              </a:rPr>
+              <a:t>float4</a:t>
+            </a:r>
+            <a:r>
+              <a:rPr lang="en-US" altLang="ko-KR" sz="1200" dirty="0">
+                <a:solidFill>
+                  <a:srgbClr val="000000"/>
+                </a:solidFill>
+                <a:latin typeface="돋움체" panose="020B0609000101010101" pitchFamily="49" charset="-127"/>
+                <a:ea typeface="돋움체" panose="020B0609000101010101" pitchFamily="49" charset="-127"/>
+              </a:rPr>
+              <a:t>(1.0f, 1.0f, 1.0f, 1.0f);</a:t>
+            </a:r>
+          </a:p>
+          <a:p>
+            <a:r>
+              <a:rPr lang="en-US" altLang="ko-KR" sz="1200" dirty="0">
+                <a:solidFill>
+                  <a:srgbClr val="0000FF"/>
+                </a:solidFill>
+                <a:latin typeface="돋움체" panose="020B0609000101010101" pitchFamily="49" charset="-127"/>
+                <a:ea typeface="돋움체" panose="020B0609000101010101" pitchFamily="49" charset="-127"/>
+              </a:rPr>
+              <a:t>float</a:t>
+            </a:r>
+            <a:r>
+              <a:rPr lang="en-US" altLang="ko-KR" sz="1200" dirty="0">
+                <a:solidFill>
+                  <a:srgbClr val="000000"/>
+                </a:solidFill>
+                <a:latin typeface="돋움체" panose="020B0609000101010101" pitchFamily="49" charset="-127"/>
+                <a:ea typeface="돋움체" panose="020B0609000101010101" pitchFamily="49" charset="-127"/>
+              </a:rPr>
+              <a:t> </a:t>
+            </a:r>
+            <a:r>
+              <a:rPr lang="en-US" altLang="ko-KR" sz="1200" dirty="0" err="1">
+                <a:solidFill>
+                  <a:srgbClr val="000000"/>
+                </a:solidFill>
+                <a:latin typeface="돋움체" panose="020B0609000101010101" pitchFamily="49" charset="-127"/>
+                <a:ea typeface="돋움체" panose="020B0609000101010101" pitchFamily="49" charset="-127"/>
+              </a:rPr>
+              <a:t>fShadowFactor</a:t>
+            </a:r>
+            <a:r>
+              <a:rPr lang="en-US" altLang="ko-KR" sz="1200" dirty="0">
+                <a:solidFill>
+                  <a:srgbClr val="000000"/>
+                </a:solidFill>
+                <a:latin typeface="돋움체" panose="020B0609000101010101" pitchFamily="49" charset="-127"/>
+                <a:ea typeface="돋움체" panose="020B0609000101010101" pitchFamily="49" charset="-127"/>
+              </a:rPr>
+              <a:t> = 1.0f;</a:t>
+            </a:r>
+          </a:p>
+          <a:p>
+            <a:r>
+              <a:rPr lang="en-US" altLang="ko-KR" sz="1200" dirty="0">
+                <a:solidFill>
+                  <a:srgbClr val="000000"/>
+                </a:solidFill>
+                <a:latin typeface="돋움체" panose="020B0609000101010101" pitchFamily="49" charset="-127"/>
+                <a:ea typeface="돋움체" panose="020B0609000101010101" pitchFamily="49" charset="-127"/>
+              </a:rPr>
+              <a:t>[unroll]</a:t>
+            </a:r>
+          </a:p>
+          <a:p>
+            <a:endParaRPr lang="ko-KR" altLang="en-US" sz="1200" dirty="0">
+              <a:solidFill>
+                <a:srgbClr val="000000"/>
+              </a:solidFill>
+              <a:latin typeface="돋움체" panose="020B0609000101010101" pitchFamily="49" charset="-127"/>
+              <a:ea typeface="돋움체" panose="020B0609000101010101" pitchFamily="49" charset="-127"/>
+            </a:endParaRPr>
+          </a:p>
+          <a:p>
+            <a:endParaRPr lang="ko-KR" altLang="en-US" sz="1200" dirty="0">
+              <a:solidFill>
+                <a:srgbClr val="000000"/>
+              </a:solidFill>
+              <a:latin typeface="돋움체" panose="020B0609000101010101" pitchFamily="49" charset="-127"/>
+              <a:ea typeface="돋움체" panose="020B0609000101010101" pitchFamily="49" charset="-127"/>
+            </a:endParaRPr>
+          </a:p>
+          <a:p>
+            <a:r>
+              <a:rPr lang="nn-NO" altLang="ko-KR" sz="1200" dirty="0">
+                <a:solidFill>
+                  <a:srgbClr val="0000FF"/>
+                </a:solidFill>
+                <a:latin typeface="돋움체" panose="020B0609000101010101" pitchFamily="49" charset="-127"/>
+                <a:ea typeface="돋움체" panose="020B0609000101010101" pitchFamily="49" charset="-127"/>
+              </a:rPr>
+              <a:t>for</a:t>
+            </a:r>
+            <a:r>
+              <a:rPr lang="nn-NO" altLang="ko-KR" sz="1200" dirty="0">
+                <a:solidFill>
+                  <a:srgbClr val="000000"/>
+                </a:solidFill>
+                <a:latin typeface="돋움체" panose="020B0609000101010101" pitchFamily="49" charset="-127"/>
+                <a:ea typeface="돋움체" panose="020B0609000101010101" pitchFamily="49" charset="-127"/>
+              </a:rPr>
+              <a:t> (</a:t>
+            </a:r>
+            <a:r>
+              <a:rPr lang="nn-NO" altLang="ko-KR" sz="1200" dirty="0">
+                <a:solidFill>
+                  <a:srgbClr val="0000FF"/>
+                </a:solidFill>
+                <a:latin typeface="돋움체" panose="020B0609000101010101" pitchFamily="49" charset="-127"/>
+                <a:ea typeface="돋움체" panose="020B0609000101010101" pitchFamily="49" charset="-127"/>
+              </a:rPr>
+              <a:t>int</a:t>
+            </a:r>
+            <a:r>
+              <a:rPr lang="nn-NO" altLang="ko-KR" sz="1200" dirty="0">
+                <a:solidFill>
+                  <a:srgbClr val="000000"/>
+                </a:solidFill>
+                <a:latin typeface="돋움체" panose="020B0609000101010101" pitchFamily="49" charset="-127"/>
+                <a:ea typeface="돋움체" panose="020B0609000101010101" pitchFamily="49" charset="-127"/>
+              </a:rPr>
+              <a:t> i = 0; i &lt; 1; i++)</a:t>
+            </a:r>
+          </a:p>
+          <a:p>
+            <a:r>
+              <a:rPr lang="en-US" altLang="ko-KR" sz="1200" dirty="0">
+                <a:solidFill>
+                  <a:srgbClr val="000000"/>
+                </a:solidFill>
+                <a:latin typeface="돋움체" panose="020B0609000101010101" pitchFamily="49" charset="-127"/>
+                <a:ea typeface="돋움체" panose="020B0609000101010101" pitchFamily="49" charset="-127"/>
+              </a:rPr>
+              <a:t>{</a:t>
+            </a:r>
+          </a:p>
+          <a:p>
+            <a:r>
+              <a:rPr lang="en-US" altLang="ko-KR" sz="1200" dirty="0">
+                <a:solidFill>
+                  <a:srgbClr val="0000FF"/>
+                </a:solidFill>
+                <a:latin typeface="돋움체" panose="020B0609000101010101" pitchFamily="49" charset="-127"/>
+                <a:ea typeface="돋움체" panose="020B0609000101010101" pitchFamily="49" charset="-127"/>
+              </a:rPr>
+              <a:t>if</a:t>
+            </a:r>
+            <a:r>
+              <a:rPr lang="en-US" altLang="ko-KR" sz="1200" dirty="0">
+                <a:solidFill>
+                  <a:srgbClr val="000000"/>
+                </a:solidFill>
+                <a:latin typeface="돋움체" panose="020B0609000101010101" pitchFamily="49" charset="-127"/>
+                <a:ea typeface="돋움체" panose="020B0609000101010101" pitchFamily="49" charset="-127"/>
+              </a:rPr>
+              <a:t> (</a:t>
+            </a:r>
+            <a:r>
+              <a:rPr lang="en-US" altLang="ko-KR" sz="1200" dirty="0" err="1">
+                <a:solidFill>
+                  <a:srgbClr val="000000"/>
+                </a:solidFill>
+                <a:latin typeface="돋움체" panose="020B0609000101010101" pitchFamily="49" charset="-127"/>
+                <a:ea typeface="돋움체" panose="020B0609000101010101" pitchFamily="49" charset="-127"/>
+              </a:rPr>
+              <a:t>gLights</a:t>
+            </a:r>
+            <a:r>
+              <a:rPr lang="en-US" altLang="ko-KR" sz="1200" dirty="0">
+                <a:solidFill>
+                  <a:srgbClr val="000000"/>
+                </a:solidFill>
+                <a:latin typeface="돋움체" panose="020B0609000101010101" pitchFamily="49" charset="-127"/>
+                <a:ea typeface="돋움체" panose="020B0609000101010101" pitchFamily="49" charset="-127"/>
+              </a:rPr>
+              <a:t>[</a:t>
+            </a:r>
+            <a:r>
+              <a:rPr lang="en-US" altLang="ko-KR" sz="1200" dirty="0" err="1">
+                <a:solidFill>
+                  <a:srgbClr val="000000"/>
+                </a:solidFill>
+                <a:latin typeface="돋움체" panose="020B0609000101010101" pitchFamily="49" charset="-127"/>
+                <a:ea typeface="돋움체" panose="020B0609000101010101" pitchFamily="49" charset="-127"/>
+              </a:rPr>
+              <a:t>i</a:t>
+            </a:r>
+            <a:r>
+              <a:rPr lang="en-US" altLang="ko-KR" sz="1200" dirty="0">
+                <a:solidFill>
+                  <a:srgbClr val="000000"/>
+                </a:solidFill>
+                <a:latin typeface="돋움체" panose="020B0609000101010101" pitchFamily="49" charset="-127"/>
+                <a:ea typeface="돋움체" panose="020B0609000101010101" pitchFamily="49" charset="-127"/>
+              </a:rPr>
+              <a:t>].</a:t>
+            </a:r>
+            <a:r>
+              <a:rPr lang="en-US" altLang="ko-KR" sz="1200" dirty="0" err="1">
+                <a:solidFill>
+                  <a:srgbClr val="000000"/>
+                </a:solidFill>
+                <a:latin typeface="돋움체" panose="020B0609000101010101" pitchFamily="49" charset="-127"/>
+                <a:ea typeface="돋움체" panose="020B0609000101010101" pitchFamily="49" charset="-127"/>
+              </a:rPr>
+              <a:t>m_bEnable</a:t>
+            </a:r>
+            <a:r>
+              <a:rPr lang="en-US" altLang="ko-KR" sz="1200" dirty="0">
+                <a:solidFill>
+                  <a:srgbClr val="000000"/>
+                </a:solidFill>
+                <a:latin typeface="돋움체" panose="020B0609000101010101" pitchFamily="49" charset="-127"/>
+                <a:ea typeface="돋움체" panose="020B0609000101010101" pitchFamily="49" charset="-127"/>
+              </a:rPr>
+              <a:t>)</a:t>
+            </a:r>
+          </a:p>
+          <a:p>
+            <a:r>
+              <a:rPr lang="en-US" altLang="ko-KR" sz="1200" dirty="0">
+                <a:solidFill>
+                  <a:srgbClr val="000000"/>
+                </a:solidFill>
+                <a:latin typeface="돋움체" panose="020B0609000101010101" pitchFamily="49" charset="-127"/>
+                <a:ea typeface="돋움체" panose="020B0609000101010101" pitchFamily="49" charset="-127"/>
+              </a:rPr>
+              <a:t>{</a:t>
+            </a:r>
+          </a:p>
+          <a:p>
+            <a:endParaRPr lang="ko-KR" altLang="en-US" sz="1200" dirty="0">
+              <a:solidFill>
+                <a:srgbClr val="000000"/>
+              </a:solidFill>
+              <a:latin typeface="돋움체" panose="020B0609000101010101" pitchFamily="49" charset="-127"/>
+              <a:ea typeface="돋움체" panose="020B0609000101010101" pitchFamily="49" charset="-127"/>
+            </a:endParaRPr>
+          </a:p>
+          <a:p>
+            <a:r>
+              <a:rPr lang="en-US" altLang="ko-KR" sz="1200" dirty="0">
+                <a:solidFill>
+                  <a:srgbClr val="808080"/>
+                </a:solidFill>
+                <a:latin typeface="돋움체" panose="020B0609000101010101" pitchFamily="49" charset="-127"/>
+                <a:ea typeface="돋움체" panose="020B0609000101010101" pitchFamily="49" charset="-127"/>
+              </a:rPr>
+              <a:t>#ifdef</a:t>
+            </a:r>
+            <a:r>
+              <a:rPr lang="en-US" altLang="ko-KR" sz="1200" dirty="0">
+                <a:solidFill>
+                  <a:srgbClr val="000000"/>
+                </a:solidFill>
+                <a:latin typeface="돋움체" panose="020B0609000101010101" pitchFamily="49" charset="-127"/>
+                <a:ea typeface="돋움체" panose="020B0609000101010101" pitchFamily="49" charset="-127"/>
+              </a:rPr>
+              <a:t> _WITH_PCF_FILTERING</a:t>
+            </a:r>
+          </a:p>
+          <a:p>
+            <a:r>
+              <a:rPr lang="en-US" altLang="ko-KR" sz="1200" dirty="0">
+                <a:solidFill>
+                  <a:srgbClr val="0000FF"/>
+                </a:solidFill>
+                <a:latin typeface="돋움체" panose="020B0609000101010101" pitchFamily="49" charset="-127"/>
+                <a:ea typeface="돋움체" panose="020B0609000101010101" pitchFamily="49" charset="-127"/>
+              </a:rPr>
+              <a:t>if</a:t>
+            </a:r>
+            <a:r>
+              <a:rPr lang="en-US" altLang="ko-KR" sz="1200" dirty="0">
+                <a:solidFill>
+                  <a:srgbClr val="000000"/>
+                </a:solidFill>
+                <a:latin typeface="돋움체" panose="020B0609000101010101" pitchFamily="49" charset="-127"/>
+                <a:ea typeface="돋움체" panose="020B0609000101010101" pitchFamily="49" charset="-127"/>
+              </a:rPr>
+              <a:t> (</a:t>
+            </a:r>
+            <a:r>
+              <a:rPr lang="en-US" altLang="ko-KR" sz="1200" dirty="0" err="1">
+                <a:solidFill>
+                  <a:srgbClr val="000000"/>
+                </a:solidFill>
+                <a:latin typeface="돋움체" panose="020B0609000101010101" pitchFamily="49" charset="-127"/>
+                <a:ea typeface="돋움체" panose="020B0609000101010101" pitchFamily="49" charset="-127"/>
+              </a:rPr>
+              <a:t>bShadow</a:t>
+            </a:r>
+            <a:r>
+              <a:rPr lang="en-US" altLang="ko-KR" sz="1200" dirty="0">
+                <a:solidFill>
+                  <a:srgbClr val="000000"/>
+                </a:solidFill>
+                <a:latin typeface="돋움체" panose="020B0609000101010101" pitchFamily="49" charset="-127"/>
+                <a:ea typeface="돋움체" panose="020B0609000101010101" pitchFamily="49" charset="-127"/>
+              </a:rPr>
+              <a:t>) </a:t>
+            </a:r>
+            <a:r>
+              <a:rPr lang="en-US" altLang="ko-KR" sz="1200" dirty="0" err="1">
+                <a:solidFill>
+                  <a:srgbClr val="000000"/>
+                </a:solidFill>
+                <a:latin typeface="돋움체" panose="020B0609000101010101" pitchFamily="49" charset="-127"/>
+                <a:ea typeface="돋움체" panose="020B0609000101010101" pitchFamily="49" charset="-127"/>
+              </a:rPr>
+              <a:t>fShadowFactor</a:t>
+            </a:r>
+            <a:r>
+              <a:rPr lang="en-US" altLang="ko-KR" sz="1200" dirty="0">
+                <a:solidFill>
+                  <a:srgbClr val="000000"/>
+                </a:solidFill>
+                <a:latin typeface="돋움체" panose="020B0609000101010101" pitchFamily="49" charset="-127"/>
+                <a:ea typeface="돋움체" panose="020B0609000101010101" pitchFamily="49" charset="-127"/>
+              </a:rPr>
+              <a:t> = Compute3x3ShadowFactor(</a:t>
+            </a:r>
+            <a:r>
+              <a:rPr lang="en-US" altLang="ko-KR" sz="1200" dirty="0" err="1">
+                <a:solidFill>
+                  <a:srgbClr val="000000"/>
+                </a:solidFill>
+                <a:latin typeface="돋움체" panose="020B0609000101010101" pitchFamily="49" charset="-127"/>
+                <a:ea typeface="돋움체" panose="020B0609000101010101" pitchFamily="49" charset="-127"/>
+              </a:rPr>
+              <a:t>uvs</a:t>
+            </a:r>
+            <a:r>
+              <a:rPr lang="en-US" altLang="ko-KR" sz="1200" dirty="0">
+                <a:solidFill>
+                  <a:srgbClr val="000000"/>
+                </a:solidFill>
+                <a:latin typeface="돋움체" panose="020B0609000101010101" pitchFamily="49" charset="-127"/>
+                <a:ea typeface="돋움체" panose="020B0609000101010101" pitchFamily="49" charset="-127"/>
+              </a:rPr>
+              <a:t>[</a:t>
+            </a:r>
+            <a:r>
+              <a:rPr lang="en-US" altLang="ko-KR" sz="1200" dirty="0" err="1">
+                <a:solidFill>
+                  <a:srgbClr val="000000"/>
+                </a:solidFill>
+                <a:latin typeface="돋움체" panose="020B0609000101010101" pitchFamily="49" charset="-127"/>
+                <a:ea typeface="돋움체" panose="020B0609000101010101" pitchFamily="49" charset="-127"/>
+              </a:rPr>
+              <a:t>i</a:t>
+            </a:r>
+            <a:r>
+              <a:rPr lang="en-US" altLang="ko-KR" sz="1200" dirty="0">
+                <a:solidFill>
+                  <a:srgbClr val="000000"/>
+                </a:solidFill>
+                <a:latin typeface="돋움체" panose="020B0609000101010101" pitchFamily="49" charset="-127"/>
+                <a:ea typeface="돋움체" panose="020B0609000101010101" pitchFamily="49" charset="-127"/>
+              </a:rPr>
+              <a:t>].</a:t>
+            </a:r>
+            <a:r>
+              <a:rPr lang="en-US" altLang="ko-KR" sz="1200" dirty="0" err="1">
+                <a:solidFill>
+                  <a:srgbClr val="000000"/>
+                </a:solidFill>
+                <a:latin typeface="돋움체" panose="020B0609000101010101" pitchFamily="49" charset="-127"/>
+                <a:ea typeface="돋움체" panose="020B0609000101010101" pitchFamily="49" charset="-127"/>
+              </a:rPr>
+              <a:t>xy</a:t>
+            </a:r>
+            <a:r>
+              <a:rPr lang="en-US" altLang="ko-KR" sz="1200" dirty="0">
+                <a:solidFill>
+                  <a:srgbClr val="000000"/>
+                </a:solidFill>
+                <a:latin typeface="돋움체" panose="020B0609000101010101" pitchFamily="49" charset="-127"/>
+                <a:ea typeface="돋움체" panose="020B0609000101010101" pitchFamily="49" charset="-127"/>
+              </a:rPr>
+              <a:t> / </a:t>
+            </a:r>
+            <a:r>
+              <a:rPr lang="en-US" altLang="ko-KR" sz="1200" dirty="0" err="1">
+                <a:solidFill>
+                  <a:srgbClr val="000000"/>
+                </a:solidFill>
+                <a:latin typeface="돋움체" panose="020B0609000101010101" pitchFamily="49" charset="-127"/>
+                <a:ea typeface="돋움체" panose="020B0609000101010101" pitchFamily="49" charset="-127"/>
+              </a:rPr>
+              <a:t>uvs</a:t>
+            </a:r>
+            <a:r>
+              <a:rPr lang="en-US" altLang="ko-KR" sz="1200" dirty="0">
+                <a:solidFill>
+                  <a:srgbClr val="000000"/>
+                </a:solidFill>
+                <a:latin typeface="돋움체" panose="020B0609000101010101" pitchFamily="49" charset="-127"/>
+                <a:ea typeface="돋움체" panose="020B0609000101010101" pitchFamily="49" charset="-127"/>
+              </a:rPr>
+              <a:t>[</a:t>
+            </a:r>
+            <a:r>
+              <a:rPr lang="en-US" altLang="ko-KR" sz="1200" dirty="0" err="1">
+                <a:solidFill>
+                  <a:srgbClr val="000000"/>
+                </a:solidFill>
+                <a:latin typeface="돋움체" panose="020B0609000101010101" pitchFamily="49" charset="-127"/>
+                <a:ea typeface="돋움체" panose="020B0609000101010101" pitchFamily="49" charset="-127"/>
+              </a:rPr>
+              <a:t>i</a:t>
+            </a:r>
+            <a:r>
+              <a:rPr lang="en-US" altLang="ko-KR" sz="1200" dirty="0">
+                <a:solidFill>
+                  <a:srgbClr val="000000"/>
+                </a:solidFill>
+                <a:latin typeface="돋움체" panose="020B0609000101010101" pitchFamily="49" charset="-127"/>
+                <a:ea typeface="돋움체" panose="020B0609000101010101" pitchFamily="49" charset="-127"/>
+              </a:rPr>
+              <a:t>].ww, </a:t>
+            </a:r>
+            <a:r>
+              <a:rPr lang="en-US" altLang="ko-KR" sz="1200" dirty="0" err="1">
+                <a:solidFill>
+                  <a:srgbClr val="000000"/>
+                </a:solidFill>
+                <a:latin typeface="돋움체" panose="020B0609000101010101" pitchFamily="49" charset="-127"/>
+                <a:ea typeface="돋움체" panose="020B0609000101010101" pitchFamily="49" charset="-127"/>
+              </a:rPr>
+              <a:t>uvs</a:t>
+            </a:r>
+            <a:r>
+              <a:rPr lang="en-US" altLang="ko-KR" sz="1200" dirty="0">
+                <a:solidFill>
+                  <a:srgbClr val="000000"/>
+                </a:solidFill>
+                <a:latin typeface="돋움체" panose="020B0609000101010101" pitchFamily="49" charset="-127"/>
+                <a:ea typeface="돋움체" panose="020B0609000101010101" pitchFamily="49" charset="-127"/>
+              </a:rPr>
+              <a:t>[</a:t>
+            </a:r>
+            <a:r>
+              <a:rPr lang="en-US" altLang="ko-KR" sz="1200" dirty="0" err="1">
+                <a:solidFill>
+                  <a:srgbClr val="000000"/>
+                </a:solidFill>
+                <a:latin typeface="돋움체" panose="020B0609000101010101" pitchFamily="49" charset="-127"/>
+                <a:ea typeface="돋움체" panose="020B0609000101010101" pitchFamily="49" charset="-127"/>
+              </a:rPr>
+              <a:t>i</a:t>
+            </a:r>
+            <a:r>
+              <a:rPr lang="en-US" altLang="ko-KR" sz="1200" dirty="0">
+                <a:solidFill>
+                  <a:srgbClr val="000000"/>
+                </a:solidFill>
+                <a:latin typeface="돋움체" panose="020B0609000101010101" pitchFamily="49" charset="-127"/>
+                <a:ea typeface="돋움체" panose="020B0609000101010101" pitchFamily="49" charset="-127"/>
+              </a:rPr>
+              <a:t>].z / </a:t>
+            </a:r>
+            <a:r>
+              <a:rPr lang="en-US" altLang="ko-KR" sz="1200" dirty="0" err="1">
+                <a:solidFill>
+                  <a:srgbClr val="000000"/>
+                </a:solidFill>
+                <a:latin typeface="돋움체" panose="020B0609000101010101" pitchFamily="49" charset="-127"/>
+                <a:ea typeface="돋움체" panose="020B0609000101010101" pitchFamily="49" charset="-127"/>
+              </a:rPr>
+              <a:t>uvs</a:t>
+            </a:r>
+            <a:r>
+              <a:rPr lang="en-US" altLang="ko-KR" sz="1200" dirty="0">
+                <a:solidFill>
+                  <a:srgbClr val="000000"/>
+                </a:solidFill>
+                <a:latin typeface="돋움체" panose="020B0609000101010101" pitchFamily="49" charset="-127"/>
+                <a:ea typeface="돋움체" panose="020B0609000101010101" pitchFamily="49" charset="-127"/>
+              </a:rPr>
+              <a:t>[</a:t>
+            </a:r>
+            <a:r>
+              <a:rPr lang="en-US" altLang="ko-KR" sz="1200" dirty="0" err="1">
+                <a:solidFill>
+                  <a:srgbClr val="000000"/>
+                </a:solidFill>
+                <a:latin typeface="돋움체" panose="020B0609000101010101" pitchFamily="49" charset="-127"/>
+                <a:ea typeface="돋움체" panose="020B0609000101010101" pitchFamily="49" charset="-127"/>
+              </a:rPr>
+              <a:t>i</a:t>
+            </a:r>
+            <a:r>
+              <a:rPr lang="en-US" altLang="ko-KR" sz="1200" dirty="0">
+                <a:solidFill>
+                  <a:srgbClr val="000000"/>
+                </a:solidFill>
+                <a:latin typeface="돋움체" panose="020B0609000101010101" pitchFamily="49" charset="-127"/>
+                <a:ea typeface="돋움체" panose="020B0609000101010101" pitchFamily="49" charset="-127"/>
+              </a:rPr>
+              <a:t>].w, </a:t>
+            </a:r>
+            <a:r>
+              <a:rPr lang="en-US" altLang="ko-KR" sz="1200" dirty="0" err="1">
+                <a:solidFill>
+                  <a:srgbClr val="000000"/>
+                </a:solidFill>
+                <a:latin typeface="돋움체" panose="020B0609000101010101" pitchFamily="49" charset="-127"/>
+                <a:ea typeface="돋움체" panose="020B0609000101010101" pitchFamily="49" charset="-127"/>
+              </a:rPr>
+              <a:t>i</a:t>
+            </a:r>
+            <a:r>
+              <a:rPr lang="en-US" altLang="ko-KR" sz="1200" dirty="0">
+                <a:solidFill>
+                  <a:srgbClr val="000000"/>
+                </a:solidFill>
+                <a:latin typeface="돋움체" panose="020B0609000101010101" pitchFamily="49" charset="-127"/>
+                <a:ea typeface="돋움체" panose="020B0609000101010101" pitchFamily="49" charset="-127"/>
+              </a:rPr>
+              <a:t>);</a:t>
+            </a:r>
+          </a:p>
+          <a:p>
+            <a:r>
+              <a:rPr lang="en-US" altLang="ko-KR" sz="1200" dirty="0">
+                <a:solidFill>
+                  <a:srgbClr val="808080"/>
+                </a:solidFill>
+                <a:latin typeface="돋움체" panose="020B0609000101010101" pitchFamily="49" charset="-127"/>
+                <a:ea typeface="돋움체" panose="020B0609000101010101" pitchFamily="49" charset="-127"/>
+              </a:rPr>
+              <a:t>#else</a:t>
+            </a:r>
+            <a:endParaRPr lang="en-US" altLang="ko-KR" sz="1200" dirty="0">
+              <a:solidFill>
+                <a:srgbClr val="000000"/>
+              </a:solidFill>
+              <a:latin typeface="돋움체" panose="020B0609000101010101" pitchFamily="49" charset="-127"/>
+              <a:ea typeface="돋움체" panose="020B0609000101010101" pitchFamily="49" charset="-127"/>
+            </a:endParaRPr>
+          </a:p>
+          <a:p>
+            <a:r>
+              <a:rPr lang="en-US" altLang="ko-KR" sz="1200" dirty="0">
+                <a:solidFill>
+                  <a:srgbClr val="0000FF"/>
+                </a:solidFill>
+                <a:latin typeface="돋움체" panose="020B0609000101010101" pitchFamily="49" charset="-127"/>
+                <a:ea typeface="돋움체" panose="020B0609000101010101" pitchFamily="49" charset="-127"/>
+              </a:rPr>
+              <a:t>if</a:t>
+            </a:r>
+            <a:r>
+              <a:rPr lang="en-US" altLang="ko-KR" sz="1200" dirty="0">
+                <a:solidFill>
+                  <a:srgbClr val="000000"/>
+                </a:solidFill>
+                <a:latin typeface="돋움체" panose="020B0609000101010101" pitchFamily="49" charset="-127"/>
+                <a:ea typeface="돋움체" panose="020B0609000101010101" pitchFamily="49" charset="-127"/>
+              </a:rPr>
+              <a:t> (</a:t>
+            </a:r>
+            <a:r>
+              <a:rPr lang="en-US" altLang="ko-KR" sz="1200" dirty="0" err="1">
+                <a:solidFill>
+                  <a:srgbClr val="000000"/>
+                </a:solidFill>
+                <a:latin typeface="돋움체" panose="020B0609000101010101" pitchFamily="49" charset="-127"/>
+                <a:ea typeface="돋움체" panose="020B0609000101010101" pitchFamily="49" charset="-127"/>
+              </a:rPr>
+              <a:t>bShadow</a:t>
+            </a:r>
+            <a:r>
+              <a:rPr lang="en-US" altLang="ko-KR" sz="1200" dirty="0">
+                <a:solidFill>
+                  <a:srgbClr val="000000"/>
+                </a:solidFill>
+                <a:latin typeface="돋움체" panose="020B0609000101010101" pitchFamily="49" charset="-127"/>
+                <a:ea typeface="돋움체" panose="020B0609000101010101" pitchFamily="49" charset="-127"/>
+              </a:rPr>
+              <a:t>) </a:t>
+            </a:r>
+            <a:r>
+              <a:rPr lang="en-US" altLang="ko-KR" sz="1200" dirty="0" err="1">
+                <a:solidFill>
+                  <a:srgbClr val="000000"/>
+                </a:solidFill>
+                <a:latin typeface="돋움체" panose="020B0609000101010101" pitchFamily="49" charset="-127"/>
+                <a:ea typeface="돋움체" panose="020B0609000101010101" pitchFamily="49" charset="-127"/>
+              </a:rPr>
+              <a:t>fShadowFactor</a:t>
+            </a:r>
+            <a:r>
+              <a:rPr lang="en-US" altLang="ko-KR" sz="1200" dirty="0">
+                <a:solidFill>
+                  <a:srgbClr val="000000"/>
+                </a:solidFill>
+                <a:latin typeface="돋움체" panose="020B0609000101010101" pitchFamily="49" charset="-127"/>
+                <a:ea typeface="돋움체" panose="020B0609000101010101" pitchFamily="49" charset="-127"/>
+              </a:rPr>
+              <a:t> = </a:t>
+            </a:r>
+            <a:r>
+              <a:rPr lang="en-US" altLang="ko-KR" sz="1200" dirty="0" err="1">
+                <a:solidFill>
+                  <a:srgbClr val="000000"/>
+                </a:solidFill>
+                <a:latin typeface="돋움체" panose="020B0609000101010101" pitchFamily="49" charset="-127"/>
+                <a:ea typeface="돋움체" panose="020B0609000101010101" pitchFamily="49" charset="-127"/>
+              </a:rPr>
+              <a:t>gtxtDepthTextures</a:t>
+            </a:r>
+            <a:r>
+              <a:rPr lang="en-US" altLang="ko-KR" sz="1200" dirty="0">
+                <a:solidFill>
+                  <a:srgbClr val="000000"/>
+                </a:solidFill>
+                <a:latin typeface="돋움체" panose="020B0609000101010101" pitchFamily="49" charset="-127"/>
+                <a:ea typeface="돋움체" panose="020B0609000101010101" pitchFamily="49" charset="-127"/>
+              </a:rPr>
+              <a:t>[</a:t>
+            </a:r>
+            <a:r>
+              <a:rPr lang="en-US" altLang="ko-KR" sz="1200" dirty="0" err="1">
+                <a:solidFill>
+                  <a:srgbClr val="000000"/>
+                </a:solidFill>
+                <a:latin typeface="돋움체" panose="020B0609000101010101" pitchFamily="49" charset="-127"/>
+                <a:ea typeface="돋움체" panose="020B0609000101010101" pitchFamily="49" charset="-127"/>
+              </a:rPr>
+              <a:t>i</a:t>
+            </a:r>
+            <a:r>
+              <a:rPr lang="en-US" altLang="ko-KR" sz="1200" dirty="0">
+                <a:solidFill>
+                  <a:srgbClr val="000000"/>
+                </a:solidFill>
+                <a:latin typeface="돋움체" panose="020B0609000101010101" pitchFamily="49" charset="-127"/>
+                <a:ea typeface="돋움체" panose="020B0609000101010101" pitchFamily="49" charset="-127"/>
+              </a:rPr>
+              <a:t>].</a:t>
+            </a:r>
+            <a:r>
+              <a:rPr lang="en-US" altLang="ko-KR" sz="1200" dirty="0" err="1">
+                <a:solidFill>
+                  <a:srgbClr val="000000"/>
+                </a:solidFill>
+                <a:latin typeface="돋움체" panose="020B0609000101010101" pitchFamily="49" charset="-127"/>
+                <a:ea typeface="돋움체" panose="020B0609000101010101" pitchFamily="49" charset="-127"/>
+              </a:rPr>
+              <a:t>SampleCmpLevelZero</a:t>
+            </a:r>
+            <a:r>
+              <a:rPr lang="en-US" altLang="ko-KR" sz="1200" dirty="0">
+                <a:solidFill>
+                  <a:srgbClr val="000000"/>
+                </a:solidFill>
+                <a:latin typeface="돋움체" panose="020B0609000101010101" pitchFamily="49" charset="-127"/>
+                <a:ea typeface="돋움체" panose="020B0609000101010101" pitchFamily="49" charset="-127"/>
+              </a:rPr>
+              <a:t>(</a:t>
+            </a:r>
+            <a:r>
+              <a:rPr lang="en-US" altLang="ko-KR" sz="1200" dirty="0" err="1">
+                <a:solidFill>
+                  <a:srgbClr val="000000"/>
+                </a:solidFill>
+                <a:latin typeface="돋움체" panose="020B0609000101010101" pitchFamily="49" charset="-127"/>
+                <a:ea typeface="돋움체" panose="020B0609000101010101" pitchFamily="49" charset="-127"/>
+              </a:rPr>
+              <a:t>gssComparisonPCFShadow</a:t>
+            </a:r>
+            <a:r>
+              <a:rPr lang="en-US" altLang="ko-KR" sz="1200" dirty="0">
+                <a:solidFill>
+                  <a:srgbClr val="000000"/>
+                </a:solidFill>
+                <a:latin typeface="돋움체" panose="020B0609000101010101" pitchFamily="49" charset="-127"/>
+                <a:ea typeface="돋움체" panose="020B0609000101010101" pitchFamily="49" charset="-127"/>
+              </a:rPr>
+              <a:t>, </a:t>
+            </a:r>
+            <a:r>
+              <a:rPr lang="en-US" altLang="ko-KR" sz="1200" dirty="0" err="1">
+                <a:solidFill>
+                  <a:srgbClr val="000000"/>
+                </a:solidFill>
+                <a:latin typeface="돋움체" panose="020B0609000101010101" pitchFamily="49" charset="-127"/>
+                <a:ea typeface="돋움체" panose="020B0609000101010101" pitchFamily="49" charset="-127"/>
+              </a:rPr>
+              <a:t>uvs</a:t>
+            </a:r>
+            <a:r>
+              <a:rPr lang="en-US" altLang="ko-KR" sz="1200" dirty="0">
+                <a:solidFill>
+                  <a:srgbClr val="000000"/>
+                </a:solidFill>
+                <a:latin typeface="돋움체" panose="020B0609000101010101" pitchFamily="49" charset="-127"/>
+                <a:ea typeface="돋움체" panose="020B0609000101010101" pitchFamily="49" charset="-127"/>
+              </a:rPr>
+              <a:t>[</a:t>
+            </a:r>
+            <a:r>
+              <a:rPr lang="en-US" altLang="ko-KR" sz="1200" dirty="0" err="1">
+                <a:solidFill>
+                  <a:srgbClr val="000000"/>
+                </a:solidFill>
+                <a:latin typeface="돋움체" panose="020B0609000101010101" pitchFamily="49" charset="-127"/>
+                <a:ea typeface="돋움체" panose="020B0609000101010101" pitchFamily="49" charset="-127"/>
+              </a:rPr>
+              <a:t>i</a:t>
+            </a:r>
+            <a:r>
+              <a:rPr lang="en-US" altLang="ko-KR" sz="1200" dirty="0">
+                <a:solidFill>
+                  <a:srgbClr val="000000"/>
+                </a:solidFill>
+                <a:latin typeface="돋움체" panose="020B0609000101010101" pitchFamily="49" charset="-127"/>
+                <a:ea typeface="돋움체" panose="020B0609000101010101" pitchFamily="49" charset="-127"/>
+              </a:rPr>
+              <a:t>].</a:t>
+            </a:r>
+            <a:r>
+              <a:rPr lang="en-US" altLang="ko-KR" sz="1200" dirty="0" err="1">
+                <a:solidFill>
+                  <a:srgbClr val="000000"/>
+                </a:solidFill>
+                <a:latin typeface="돋움체" panose="020B0609000101010101" pitchFamily="49" charset="-127"/>
+                <a:ea typeface="돋움체" panose="020B0609000101010101" pitchFamily="49" charset="-127"/>
+              </a:rPr>
+              <a:t>xy</a:t>
+            </a:r>
+            <a:r>
+              <a:rPr lang="en-US" altLang="ko-KR" sz="1200" dirty="0">
+                <a:solidFill>
+                  <a:srgbClr val="000000"/>
+                </a:solidFill>
+                <a:latin typeface="돋움체" panose="020B0609000101010101" pitchFamily="49" charset="-127"/>
+                <a:ea typeface="돋움체" panose="020B0609000101010101" pitchFamily="49" charset="-127"/>
+              </a:rPr>
+              <a:t> / </a:t>
+            </a:r>
+            <a:r>
+              <a:rPr lang="en-US" altLang="ko-KR" sz="1200" dirty="0" err="1">
+                <a:solidFill>
+                  <a:srgbClr val="000000"/>
+                </a:solidFill>
+                <a:latin typeface="돋움체" panose="020B0609000101010101" pitchFamily="49" charset="-127"/>
+                <a:ea typeface="돋움체" panose="020B0609000101010101" pitchFamily="49" charset="-127"/>
+              </a:rPr>
+              <a:t>uvs</a:t>
+            </a:r>
+            <a:r>
+              <a:rPr lang="en-US" altLang="ko-KR" sz="1200" dirty="0">
+                <a:solidFill>
+                  <a:srgbClr val="000000"/>
+                </a:solidFill>
+                <a:latin typeface="돋움체" panose="020B0609000101010101" pitchFamily="49" charset="-127"/>
+                <a:ea typeface="돋움체" panose="020B0609000101010101" pitchFamily="49" charset="-127"/>
+              </a:rPr>
+              <a:t>[</a:t>
+            </a:r>
+            <a:r>
+              <a:rPr lang="en-US" altLang="ko-KR" sz="1200" dirty="0" err="1">
+                <a:solidFill>
+                  <a:srgbClr val="000000"/>
+                </a:solidFill>
+                <a:latin typeface="돋움체" panose="020B0609000101010101" pitchFamily="49" charset="-127"/>
+                <a:ea typeface="돋움체" panose="020B0609000101010101" pitchFamily="49" charset="-127"/>
+              </a:rPr>
+              <a:t>i</a:t>
+            </a:r>
+            <a:r>
+              <a:rPr lang="en-US" altLang="ko-KR" sz="1200" dirty="0">
+                <a:solidFill>
+                  <a:srgbClr val="000000"/>
+                </a:solidFill>
+                <a:latin typeface="돋움체" panose="020B0609000101010101" pitchFamily="49" charset="-127"/>
+                <a:ea typeface="돋움체" panose="020B0609000101010101" pitchFamily="49" charset="-127"/>
+              </a:rPr>
+              <a:t>].ww, </a:t>
+            </a:r>
+            <a:r>
+              <a:rPr lang="en-US" altLang="ko-KR" sz="1200" dirty="0" err="1">
+                <a:solidFill>
+                  <a:srgbClr val="000000"/>
+                </a:solidFill>
+                <a:latin typeface="돋움체" panose="020B0609000101010101" pitchFamily="49" charset="-127"/>
+                <a:ea typeface="돋움체" panose="020B0609000101010101" pitchFamily="49" charset="-127"/>
+              </a:rPr>
+              <a:t>uvs</a:t>
+            </a:r>
+            <a:r>
+              <a:rPr lang="en-US" altLang="ko-KR" sz="1200" dirty="0">
+                <a:solidFill>
+                  <a:srgbClr val="000000"/>
+                </a:solidFill>
+                <a:latin typeface="돋움체" panose="020B0609000101010101" pitchFamily="49" charset="-127"/>
+                <a:ea typeface="돋움체" panose="020B0609000101010101" pitchFamily="49" charset="-127"/>
+              </a:rPr>
+              <a:t>[</a:t>
+            </a:r>
+            <a:r>
+              <a:rPr lang="en-US" altLang="ko-KR" sz="1200" dirty="0" err="1">
+                <a:solidFill>
+                  <a:srgbClr val="000000"/>
+                </a:solidFill>
+                <a:latin typeface="돋움체" panose="020B0609000101010101" pitchFamily="49" charset="-127"/>
+                <a:ea typeface="돋움체" panose="020B0609000101010101" pitchFamily="49" charset="-127"/>
+              </a:rPr>
+              <a:t>i</a:t>
+            </a:r>
+            <a:r>
+              <a:rPr lang="en-US" altLang="ko-KR" sz="1200" dirty="0">
+                <a:solidFill>
+                  <a:srgbClr val="000000"/>
+                </a:solidFill>
+                <a:latin typeface="돋움체" panose="020B0609000101010101" pitchFamily="49" charset="-127"/>
+                <a:ea typeface="돋움체" panose="020B0609000101010101" pitchFamily="49" charset="-127"/>
+              </a:rPr>
+              <a:t>].z / </a:t>
+            </a:r>
+            <a:r>
+              <a:rPr lang="en-US" altLang="ko-KR" sz="1200" dirty="0" err="1">
+                <a:solidFill>
+                  <a:srgbClr val="000000"/>
+                </a:solidFill>
+                <a:latin typeface="돋움체" panose="020B0609000101010101" pitchFamily="49" charset="-127"/>
+                <a:ea typeface="돋움체" panose="020B0609000101010101" pitchFamily="49" charset="-127"/>
+              </a:rPr>
+              <a:t>uvs</a:t>
+            </a:r>
+            <a:r>
+              <a:rPr lang="en-US" altLang="ko-KR" sz="1200" dirty="0">
+                <a:solidFill>
+                  <a:srgbClr val="000000"/>
+                </a:solidFill>
+                <a:latin typeface="돋움체" panose="020B0609000101010101" pitchFamily="49" charset="-127"/>
+                <a:ea typeface="돋움체" panose="020B0609000101010101" pitchFamily="49" charset="-127"/>
+              </a:rPr>
+              <a:t>[</a:t>
+            </a:r>
+            <a:r>
+              <a:rPr lang="en-US" altLang="ko-KR" sz="1200" dirty="0" err="1">
+                <a:solidFill>
+                  <a:srgbClr val="000000"/>
+                </a:solidFill>
+                <a:latin typeface="돋움체" panose="020B0609000101010101" pitchFamily="49" charset="-127"/>
+                <a:ea typeface="돋움체" panose="020B0609000101010101" pitchFamily="49" charset="-127"/>
+              </a:rPr>
+              <a:t>i</a:t>
+            </a:r>
+            <a:r>
+              <a:rPr lang="en-US" altLang="ko-KR" sz="1200" dirty="0">
+                <a:solidFill>
+                  <a:srgbClr val="000000"/>
+                </a:solidFill>
+                <a:latin typeface="돋움체" panose="020B0609000101010101" pitchFamily="49" charset="-127"/>
+                <a:ea typeface="돋움체" panose="020B0609000101010101" pitchFamily="49" charset="-127"/>
+              </a:rPr>
+              <a:t>].w).r;</a:t>
+            </a:r>
+          </a:p>
+          <a:p>
+            <a:r>
+              <a:rPr lang="en-US" altLang="ko-KR" sz="1200" dirty="0">
+                <a:solidFill>
+                  <a:srgbClr val="808080"/>
+                </a:solidFill>
+                <a:latin typeface="돋움체" panose="020B0609000101010101" pitchFamily="49" charset="-127"/>
+                <a:ea typeface="돋움체" panose="020B0609000101010101" pitchFamily="49" charset="-127"/>
+              </a:rPr>
+              <a:t>#endif</a:t>
+            </a:r>
+            <a:endParaRPr lang="en-US" altLang="ko-KR" sz="1200" dirty="0">
+              <a:solidFill>
+                <a:srgbClr val="000000"/>
+              </a:solidFill>
+              <a:latin typeface="돋움체" panose="020B0609000101010101" pitchFamily="49" charset="-127"/>
+              <a:ea typeface="돋움체" panose="020B0609000101010101" pitchFamily="49" charset="-127"/>
+            </a:endParaRPr>
+          </a:p>
+          <a:p>
+            <a:endParaRPr lang="ko-KR" altLang="en-US" sz="1200" dirty="0">
+              <a:solidFill>
+                <a:srgbClr val="000000"/>
+              </a:solidFill>
+              <a:latin typeface="돋움체" panose="020B0609000101010101" pitchFamily="49" charset="-127"/>
+              <a:ea typeface="돋움체" panose="020B0609000101010101" pitchFamily="49" charset="-127"/>
+            </a:endParaRPr>
+          </a:p>
+          <a:p>
+            <a:r>
+              <a:rPr lang="en-US" altLang="ko-KR" sz="1200" dirty="0">
+                <a:solidFill>
+                  <a:srgbClr val="0000FF"/>
+                </a:solidFill>
+                <a:latin typeface="돋움체" panose="020B0609000101010101" pitchFamily="49" charset="-127"/>
+                <a:ea typeface="돋움체" panose="020B0609000101010101" pitchFamily="49" charset="-127"/>
+              </a:rPr>
+              <a:t>float4</a:t>
+            </a:r>
+            <a:r>
+              <a:rPr lang="en-US" altLang="ko-KR" sz="1200" dirty="0">
+                <a:solidFill>
+                  <a:srgbClr val="000000"/>
+                </a:solidFill>
+                <a:latin typeface="돋움체" panose="020B0609000101010101" pitchFamily="49" charset="-127"/>
+                <a:ea typeface="돋움체" panose="020B0609000101010101" pitchFamily="49" charset="-127"/>
+              </a:rPr>
+              <a:t> </a:t>
+            </a:r>
+            <a:r>
+              <a:rPr lang="en-US" altLang="ko-KR" sz="1200" dirty="0" err="1">
+                <a:solidFill>
+                  <a:srgbClr val="000000"/>
+                </a:solidFill>
+                <a:latin typeface="돋움체" panose="020B0609000101010101" pitchFamily="49" charset="-127"/>
+                <a:ea typeface="돋움체" panose="020B0609000101010101" pitchFamily="49" charset="-127"/>
+              </a:rPr>
+              <a:t>shadowColor</a:t>
+            </a:r>
+            <a:r>
+              <a:rPr lang="en-US" altLang="ko-KR" sz="1200" dirty="0">
+                <a:solidFill>
+                  <a:srgbClr val="000000"/>
+                </a:solidFill>
+                <a:latin typeface="돋움체" panose="020B0609000101010101" pitchFamily="49" charset="-127"/>
+                <a:ea typeface="돋움체" panose="020B0609000101010101" pitchFamily="49" charset="-127"/>
+              </a:rPr>
+              <a:t> = </a:t>
+            </a:r>
+            <a:r>
+              <a:rPr lang="en-US" altLang="ko-KR" sz="1200" dirty="0">
+                <a:solidFill>
+                  <a:srgbClr val="0000FF"/>
+                </a:solidFill>
+                <a:latin typeface="돋움체" panose="020B0609000101010101" pitchFamily="49" charset="-127"/>
+                <a:ea typeface="돋움체" panose="020B0609000101010101" pitchFamily="49" charset="-127"/>
+              </a:rPr>
+              <a:t>float4</a:t>
+            </a:r>
+            <a:r>
+              <a:rPr lang="en-US" altLang="ko-KR" sz="1200" dirty="0">
+                <a:solidFill>
+                  <a:srgbClr val="000000"/>
+                </a:solidFill>
+                <a:latin typeface="돋움체" panose="020B0609000101010101" pitchFamily="49" charset="-127"/>
+                <a:ea typeface="돋움체" panose="020B0609000101010101" pitchFamily="49" charset="-127"/>
+              </a:rPr>
+              <a:t>(0.0f, 0.0f, 0.0f, 1.0f);</a:t>
+            </a:r>
+          </a:p>
+          <a:p>
+            <a:endParaRPr lang="ko-KR" altLang="en-US" sz="1200" dirty="0">
+              <a:solidFill>
+                <a:srgbClr val="000000"/>
+              </a:solidFill>
+              <a:latin typeface="돋움체" panose="020B0609000101010101" pitchFamily="49" charset="-127"/>
+              <a:ea typeface="돋움체" panose="020B0609000101010101" pitchFamily="49" charset="-127"/>
+            </a:endParaRPr>
+          </a:p>
+          <a:p>
+            <a:r>
+              <a:rPr lang="en-US" altLang="ko-KR" sz="1200" dirty="0">
+                <a:solidFill>
+                  <a:srgbClr val="0000FF"/>
+                </a:solidFill>
+                <a:latin typeface="돋움체" panose="020B0609000101010101" pitchFamily="49" charset="-127"/>
+                <a:ea typeface="돋움체" panose="020B0609000101010101" pitchFamily="49" charset="-127"/>
+              </a:rPr>
+              <a:t>if</a:t>
+            </a:r>
+            <a:r>
+              <a:rPr lang="en-US" altLang="ko-KR" sz="1200" dirty="0">
+                <a:solidFill>
+                  <a:srgbClr val="000000"/>
+                </a:solidFill>
+                <a:latin typeface="돋움체" panose="020B0609000101010101" pitchFamily="49" charset="-127"/>
+                <a:ea typeface="돋움체" panose="020B0609000101010101" pitchFamily="49" charset="-127"/>
+              </a:rPr>
+              <a:t> (</a:t>
+            </a:r>
+            <a:r>
+              <a:rPr lang="en-US" altLang="ko-KR" sz="1200" dirty="0" err="1">
+                <a:solidFill>
+                  <a:srgbClr val="000000"/>
+                </a:solidFill>
+                <a:latin typeface="돋움체" panose="020B0609000101010101" pitchFamily="49" charset="-127"/>
+                <a:ea typeface="돋움체" panose="020B0609000101010101" pitchFamily="49" charset="-127"/>
+              </a:rPr>
+              <a:t>gLights</a:t>
+            </a:r>
+            <a:r>
+              <a:rPr lang="en-US" altLang="ko-KR" sz="1200" dirty="0">
+                <a:solidFill>
+                  <a:srgbClr val="000000"/>
+                </a:solidFill>
+                <a:latin typeface="돋움체" panose="020B0609000101010101" pitchFamily="49" charset="-127"/>
+                <a:ea typeface="돋움체" panose="020B0609000101010101" pitchFamily="49" charset="-127"/>
+              </a:rPr>
+              <a:t>[</a:t>
+            </a:r>
+            <a:r>
+              <a:rPr lang="en-US" altLang="ko-KR" sz="1200" dirty="0" err="1">
+                <a:solidFill>
+                  <a:srgbClr val="000000"/>
+                </a:solidFill>
+                <a:latin typeface="돋움체" panose="020B0609000101010101" pitchFamily="49" charset="-127"/>
+                <a:ea typeface="돋움체" panose="020B0609000101010101" pitchFamily="49" charset="-127"/>
+              </a:rPr>
+              <a:t>i</a:t>
+            </a:r>
+            <a:r>
+              <a:rPr lang="en-US" altLang="ko-KR" sz="1200" dirty="0">
+                <a:solidFill>
+                  <a:srgbClr val="000000"/>
+                </a:solidFill>
+                <a:latin typeface="돋움체" panose="020B0609000101010101" pitchFamily="49" charset="-127"/>
+                <a:ea typeface="돋움체" panose="020B0609000101010101" pitchFamily="49" charset="-127"/>
+              </a:rPr>
+              <a:t>].</a:t>
+            </a:r>
+            <a:r>
+              <a:rPr lang="en-US" altLang="ko-KR" sz="1200" dirty="0" err="1">
+                <a:solidFill>
+                  <a:srgbClr val="000000"/>
+                </a:solidFill>
+                <a:latin typeface="돋움체" panose="020B0609000101010101" pitchFamily="49" charset="-127"/>
+                <a:ea typeface="돋움체" panose="020B0609000101010101" pitchFamily="49" charset="-127"/>
+              </a:rPr>
+              <a:t>m_nType</a:t>
+            </a:r>
+            <a:r>
+              <a:rPr lang="en-US" altLang="ko-KR" sz="1200" dirty="0">
+                <a:solidFill>
+                  <a:srgbClr val="000000"/>
+                </a:solidFill>
+                <a:latin typeface="돋움체" panose="020B0609000101010101" pitchFamily="49" charset="-127"/>
+                <a:ea typeface="돋움체" panose="020B0609000101010101" pitchFamily="49" charset="-127"/>
+              </a:rPr>
+              <a:t> == DIRECTIONAL_LIGHT)</a:t>
+            </a:r>
+          </a:p>
+          <a:p>
+            <a:r>
+              <a:rPr lang="en-US" altLang="ko-KR" sz="1200" dirty="0">
+                <a:solidFill>
+                  <a:srgbClr val="000000"/>
+                </a:solidFill>
+                <a:latin typeface="돋움체" panose="020B0609000101010101" pitchFamily="49" charset="-127"/>
+                <a:ea typeface="돋움체" panose="020B0609000101010101" pitchFamily="49" charset="-127"/>
+              </a:rPr>
+              <a:t>{</a:t>
+            </a:r>
+          </a:p>
+          <a:p>
+            <a:r>
+              <a:rPr lang="en-US" altLang="ko-KR" sz="1200" dirty="0">
+                <a:solidFill>
+                  <a:srgbClr val="0000FF"/>
+                </a:solidFill>
+                <a:latin typeface="돋움체" panose="020B0609000101010101" pitchFamily="49" charset="-127"/>
+                <a:ea typeface="돋움체" panose="020B0609000101010101" pitchFamily="49" charset="-127"/>
+              </a:rPr>
+              <a:t>if</a:t>
+            </a:r>
+            <a:r>
+              <a:rPr lang="en-US" altLang="ko-KR" sz="1200" dirty="0">
+                <a:solidFill>
+                  <a:srgbClr val="000000"/>
+                </a:solidFill>
+                <a:latin typeface="돋움체" panose="020B0609000101010101" pitchFamily="49" charset="-127"/>
+                <a:ea typeface="돋움체" panose="020B0609000101010101" pitchFamily="49" charset="-127"/>
+              </a:rPr>
+              <a:t> (</a:t>
+            </a:r>
+            <a:r>
+              <a:rPr lang="en-US" altLang="ko-KR" sz="1200" dirty="0" err="1">
+                <a:solidFill>
+                  <a:srgbClr val="000000"/>
+                </a:solidFill>
+                <a:latin typeface="돋움체" panose="020B0609000101010101" pitchFamily="49" charset="-127"/>
+                <a:ea typeface="돋움체" panose="020B0609000101010101" pitchFamily="49" charset="-127"/>
+              </a:rPr>
+              <a:t>fShadowFactor</a:t>
+            </a:r>
+            <a:r>
+              <a:rPr lang="en-US" altLang="ko-KR" sz="1200" dirty="0">
+                <a:solidFill>
+                  <a:srgbClr val="000000"/>
+                </a:solidFill>
+                <a:latin typeface="돋움체" panose="020B0609000101010101" pitchFamily="49" charset="-127"/>
+                <a:ea typeface="돋움체" panose="020B0609000101010101" pitchFamily="49" charset="-127"/>
+              </a:rPr>
+              <a:t> != 0.f)</a:t>
+            </a:r>
+            <a:r>
+              <a:rPr lang="en-US" altLang="ko-KR" sz="1200" dirty="0">
+                <a:solidFill>
+                  <a:srgbClr val="008000"/>
+                </a:solidFill>
+                <a:latin typeface="돋움체" panose="020B0609000101010101" pitchFamily="49" charset="-127"/>
+                <a:ea typeface="돋움체" panose="020B0609000101010101" pitchFamily="49" charset="-127"/>
+              </a:rPr>
+              <a:t>//</a:t>
+            </a:r>
+            <a:r>
+              <a:rPr lang="ko-KR" altLang="en-US" sz="1200" dirty="0">
+                <a:solidFill>
+                  <a:srgbClr val="008000"/>
+                </a:solidFill>
+                <a:latin typeface="돋움체" panose="020B0609000101010101" pitchFamily="49" charset="-127"/>
+                <a:ea typeface="돋움체" panose="020B0609000101010101" pitchFamily="49" charset="-127"/>
+              </a:rPr>
+              <a:t>그림자 영역</a:t>
+            </a:r>
+            <a:endParaRPr lang="ko-KR" altLang="en-US" sz="1200" dirty="0">
+              <a:solidFill>
+                <a:srgbClr val="000000"/>
+              </a:solidFill>
+              <a:latin typeface="돋움체" panose="020B0609000101010101" pitchFamily="49" charset="-127"/>
+              <a:ea typeface="돋움체" panose="020B0609000101010101" pitchFamily="49" charset="-127"/>
+            </a:endParaRPr>
+          </a:p>
+          <a:p>
+            <a:r>
+              <a:rPr lang="en-US" altLang="ko-KR" sz="1200" dirty="0">
+                <a:solidFill>
+                  <a:srgbClr val="000000"/>
+                </a:solidFill>
+                <a:latin typeface="돋움체" panose="020B0609000101010101" pitchFamily="49" charset="-127"/>
+                <a:ea typeface="돋움체" panose="020B0609000101010101" pitchFamily="49" charset="-127"/>
+              </a:rPr>
+              <a:t>{</a:t>
+            </a:r>
+          </a:p>
+          <a:p>
+            <a:r>
+              <a:rPr lang="en-US" altLang="ko-KR" sz="1200" dirty="0" err="1">
+                <a:solidFill>
+                  <a:srgbClr val="000000"/>
+                </a:solidFill>
+                <a:latin typeface="돋움체" panose="020B0609000101010101" pitchFamily="49" charset="-127"/>
+                <a:ea typeface="돋움체" panose="020B0609000101010101" pitchFamily="49" charset="-127"/>
+              </a:rPr>
+              <a:t>cColor</a:t>
+            </a:r>
+            <a:r>
+              <a:rPr lang="en-US" altLang="ko-KR" sz="1200" dirty="0">
+                <a:solidFill>
+                  <a:srgbClr val="000000"/>
+                </a:solidFill>
+                <a:latin typeface="돋움체" panose="020B0609000101010101" pitchFamily="49" charset="-127"/>
+                <a:ea typeface="돋움체" panose="020B0609000101010101" pitchFamily="49" charset="-127"/>
+              </a:rPr>
+              <a:t> = </a:t>
+            </a:r>
+            <a:r>
+              <a:rPr lang="en-US" altLang="ko-KR" sz="1200" dirty="0">
+                <a:solidFill>
+                  <a:srgbClr val="0000FF"/>
+                </a:solidFill>
+                <a:latin typeface="돋움체" panose="020B0609000101010101" pitchFamily="49" charset="-127"/>
+                <a:ea typeface="돋움체" panose="020B0609000101010101" pitchFamily="49" charset="-127"/>
+              </a:rPr>
+              <a:t>float4</a:t>
+            </a:r>
+            <a:r>
+              <a:rPr lang="en-US" altLang="ko-KR" sz="1200" dirty="0">
+                <a:solidFill>
+                  <a:srgbClr val="000000"/>
+                </a:solidFill>
+                <a:latin typeface="돋움체" panose="020B0609000101010101" pitchFamily="49" charset="-127"/>
+                <a:ea typeface="돋움체" panose="020B0609000101010101" pitchFamily="49" charset="-127"/>
+              </a:rPr>
+              <a:t>(0.0f, 0.0f, 0.0f, 1.0f);</a:t>
+            </a:r>
+          </a:p>
+          <a:p>
+            <a:r>
+              <a:rPr lang="en-US" altLang="ko-KR" sz="1200" dirty="0" err="1">
+                <a:solidFill>
+                  <a:srgbClr val="000000"/>
+                </a:solidFill>
+                <a:latin typeface="돋움체" panose="020B0609000101010101" pitchFamily="49" charset="-127"/>
+                <a:ea typeface="돋움체" panose="020B0609000101010101" pitchFamily="49" charset="-127"/>
+              </a:rPr>
+              <a:t>cColor</a:t>
+            </a:r>
+            <a:r>
+              <a:rPr lang="en-US" altLang="ko-KR" sz="1200" dirty="0">
+                <a:solidFill>
+                  <a:srgbClr val="000000"/>
+                </a:solidFill>
+                <a:latin typeface="돋움체" panose="020B0609000101010101" pitchFamily="49" charset="-127"/>
+                <a:ea typeface="돋움체" panose="020B0609000101010101" pitchFamily="49" charset="-127"/>
+              </a:rPr>
+              <a:t> += </a:t>
+            </a:r>
+            <a:r>
+              <a:rPr lang="en-US" altLang="ko-KR" sz="1200" dirty="0" err="1">
+                <a:solidFill>
+                  <a:srgbClr val="000000"/>
+                </a:solidFill>
+                <a:latin typeface="돋움체" panose="020B0609000101010101" pitchFamily="49" charset="-127"/>
+                <a:ea typeface="돋움체" panose="020B0609000101010101" pitchFamily="49" charset="-127"/>
+              </a:rPr>
+              <a:t>DirectionalLight</a:t>
+            </a:r>
+            <a:r>
+              <a:rPr lang="en-US" altLang="ko-KR" sz="1200" dirty="0">
+                <a:solidFill>
+                  <a:srgbClr val="000000"/>
+                </a:solidFill>
+                <a:latin typeface="돋움체" panose="020B0609000101010101" pitchFamily="49" charset="-127"/>
+                <a:ea typeface="돋움체" panose="020B0609000101010101" pitchFamily="49" charset="-127"/>
+              </a:rPr>
+              <a:t>(</a:t>
+            </a:r>
+            <a:r>
+              <a:rPr lang="en-US" altLang="ko-KR" sz="1200" dirty="0" err="1">
+                <a:solidFill>
+                  <a:srgbClr val="000000"/>
+                </a:solidFill>
+                <a:latin typeface="돋움체" panose="020B0609000101010101" pitchFamily="49" charset="-127"/>
+                <a:ea typeface="돋움체" panose="020B0609000101010101" pitchFamily="49" charset="-127"/>
+              </a:rPr>
+              <a:t>i</a:t>
+            </a:r>
+            <a:r>
+              <a:rPr lang="en-US" altLang="ko-KR" sz="1200" dirty="0">
+                <a:solidFill>
+                  <a:srgbClr val="000000"/>
+                </a:solidFill>
+                <a:latin typeface="돋움체" panose="020B0609000101010101" pitchFamily="49" charset="-127"/>
+                <a:ea typeface="돋움체" panose="020B0609000101010101" pitchFamily="49" charset="-127"/>
+              </a:rPr>
+              <a:t>, </a:t>
+            </a:r>
+            <a:r>
+              <a:rPr lang="en-US" altLang="ko-KR" sz="1200" dirty="0" err="1">
+                <a:solidFill>
+                  <a:srgbClr val="000000"/>
+                </a:solidFill>
+                <a:latin typeface="돋움체" panose="020B0609000101010101" pitchFamily="49" charset="-127"/>
+                <a:ea typeface="돋움체" panose="020B0609000101010101" pitchFamily="49" charset="-127"/>
+              </a:rPr>
+              <a:t>vNormal</a:t>
+            </a:r>
+            <a:r>
+              <a:rPr lang="en-US" altLang="ko-KR" sz="1200" dirty="0">
+                <a:solidFill>
+                  <a:srgbClr val="000000"/>
+                </a:solidFill>
+                <a:latin typeface="돋움체" panose="020B0609000101010101" pitchFamily="49" charset="-127"/>
+                <a:ea typeface="돋움체" panose="020B0609000101010101" pitchFamily="49" charset="-127"/>
+              </a:rPr>
+              <a:t>, </a:t>
+            </a:r>
+            <a:r>
+              <a:rPr lang="en-US" altLang="ko-KR" sz="1200" dirty="0" err="1">
+                <a:solidFill>
+                  <a:srgbClr val="000000"/>
+                </a:solidFill>
+                <a:latin typeface="돋움체" panose="020B0609000101010101" pitchFamily="49" charset="-127"/>
+                <a:ea typeface="돋움체" panose="020B0609000101010101" pitchFamily="49" charset="-127"/>
+              </a:rPr>
+              <a:t>vToCamera</a:t>
+            </a:r>
+            <a:r>
+              <a:rPr lang="en-US" altLang="ko-KR" sz="1200" dirty="0">
+                <a:solidFill>
+                  <a:srgbClr val="000000"/>
+                </a:solidFill>
+                <a:latin typeface="돋움체" panose="020B0609000101010101" pitchFamily="49" charset="-127"/>
+                <a:ea typeface="돋움체" panose="020B0609000101010101" pitchFamily="49" charset="-127"/>
+              </a:rPr>
+              <a:t>) * </a:t>
+            </a:r>
+            <a:r>
+              <a:rPr lang="en-US" altLang="ko-KR" sz="1200" dirty="0" err="1">
+                <a:solidFill>
+                  <a:srgbClr val="000000"/>
+                </a:solidFill>
+                <a:latin typeface="돋움체" panose="020B0609000101010101" pitchFamily="49" charset="-127"/>
+                <a:ea typeface="돋움체" panose="020B0609000101010101" pitchFamily="49" charset="-127"/>
+              </a:rPr>
+              <a:t>shadowColor</a:t>
+            </a:r>
+            <a:r>
+              <a:rPr lang="en-US" altLang="ko-KR" sz="1200" dirty="0">
+                <a:solidFill>
+                  <a:srgbClr val="000000"/>
+                </a:solidFill>
+                <a:latin typeface="돋움체" panose="020B0609000101010101" pitchFamily="49" charset="-127"/>
+                <a:ea typeface="돋움체" panose="020B0609000101010101" pitchFamily="49" charset="-127"/>
+              </a:rPr>
+              <a:t> * </a:t>
+            </a:r>
+            <a:r>
+              <a:rPr lang="en-US" altLang="ko-KR" sz="1200" dirty="0" err="1">
+                <a:solidFill>
+                  <a:srgbClr val="000000"/>
+                </a:solidFill>
+                <a:latin typeface="돋움체" panose="020B0609000101010101" pitchFamily="49" charset="-127"/>
+                <a:ea typeface="돋움체" panose="020B0609000101010101" pitchFamily="49" charset="-127"/>
+              </a:rPr>
+              <a:t>fShadowFactor</a:t>
+            </a:r>
+            <a:r>
+              <a:rPr lang="en-US" altLang="ko-KR" sz="1200" dirty="0">
+                <a:solidFill>
+                  <a:srgbClr val="000000"/>
+                </a:solidFill>
+                <a:latin typeface="돋움체" panose="020B0609000101010101" pitchFamily="49" charset="-127"/>
+                <a:ea typeface="돋움체" panose="020B0609000101010101" pitchFamily="49" charset="-127"/>
+              </a:rPr>
+              <a:t>;</a:t>
+            </a:r>
+          </a:p>
+          <a:p>
+            <a:r>
+              <a:rPr lang="en-US" altLang="ko-KR" sz="1200" dirty="0">
+                <a:solidFill>
+                  <a:srgbClr val="000000"/>
+                </a:solidFill>
+                <a:latin typeface="돋움체" panose="020B0609000101010101" pitchFamily="49" charset="-127"/>
+                <a:ea typeface="돋움체" panose="020B0609000101010101" pitchFamily="49" charset="-127"/>
+              </a:rPr>
+              <a:t>}</a:t>
+            </a:r>
+          </a:p>
+          <a:p>
+            <a:r>
+              <a:rPr lang="en-US" altLang="ko-KR" sz="1200" dirty="0">
+                <a:solidFill>
+                  <a:srgbClr val="0000FF"/>
+                </a:solidFill>
+                <a:latin typeface="돋움체" panose="020B0609000101010101" pitchFamily="49" charset="-127"/>
+                <a:ea typeface="돋움체" panose="020B0609000101010101" pitchFamily="49" charset="-127"/>
+              </a:rPr>
+              <a:t>else</a:t>
+            </a:r>
+            <a:r>
+              <a:rPr lang="en-US" altLang="ko-KR" sz="1200" dirty="0">
+                <a:solidFill>
+                  <a:srgbClr val="008000"/>
+                </a:solidFill>
+                <a:latin typeface="돋움체" panose="020B0609000101010101" pitchFamily="49" charset="-127"/>
+                <a:ea typeface="돋움체" panose="020B0609000101010101" pitchFamily="49" charset="-127"/>
+              </a:rPr>
+              <a:t>//</a:t>
+            </a:r>
+            <a:r>
+              <a:rPr lang="ko-KR" altLang="en-US" sz="1200" dirty="0">
+                <a:solidFill>
+                  <a:srgbClr val="008000"/>
+                </a:solidFill>
+                <a:latin typeface="돋움체" panose="020B0609000101010101" pitchFamily="49" charset="-127"/>
+                <a:ea typeface="돋움체" panose="020B0609000101010101" pitchFamily="49" charset="-127"/>
+              </a:rPr>
+              <a:t>그림자</a:t>
+            </a:r>
+            <a:r>
+              <a:rPr lang="en-US" altLang="ko-KR" sz="1200" dirty="0">
+                <a:solidFill>
+                  <a:srgbClr val="008000"/>
+                </a:solidFill>
+                <a:latin typeface="돋움체" panose="020B0609000101010101" pitchFamily="49" charset="-127"/>
+                <a:ea typeface="돋움체" panose="020B0609000101010101" pitchFamily="49" charset="-127"/>
+              </a:rPr>
+              <a:t>x</a:t>
+            </a:r>
+            <a:endParaRPr lang="en-US" altLang="ko-KR" sz="1200" dirty="0">
+              <a:solidFill>
+                <a:srgbClr val="000000"/>
+              </a:solidFill>
+              <a:latin typeface="돋움체" panose="020B0609000101010101" pitchFamily="49" charset="-127"/>
+              <a:ea typeface="돋움체" panose="020B0609000101010101" pitchFamily="49" charset="-127"/>
+            </a:endParaRPr>
+          </a:p>
+          <a:p>
+            <a:r>
+              <a:rPr lang="en-US" altLang="ko-KR" sz="1200" dirty="0" err="1">
+                <a:solidFill>
+                  <a:srgbClr val="000000"/>
+                </a:solidFill>
+                <a:latin typeface="돋움체" panose="020B0609000101010101" pitchFamily="49" charset="-127"/>
+                <a:ea typeface="돋움체" panose="020B0609000101010101" pitchFamily="49" charset="-127"/>
+              </a:rPr>
+              <a:t>cColor</a:t>
+            </a:r>
+            <a:r>
+              <a:rPr lang="en-US" altLang="ko-KR" sz="1200" dirty="0">
+                <a:solidFill>
+                  <a:srgbClr val="000000"/>
+                </a:solidFill>
+                <a:latin typeface="돋움체" panose="020B0609000101010101" pitchFamily="49" charset="-127"/>
+                <a:ea typeface="돋움체" panose="020B0609000101010101" pitchFamily="49" charset="-127"/>
+              </a:rPr>
+              <a:t> = </a:t>
+            </a:r>
+            <a:r>
+              <a:rPr lang="en-US" altLang="ko-KR" sz="1200" dirty="0">
+                <a:solidFill>
+                  <a:srgbClr val="0000FF"/>
+                </a:solidFill>
+                <a:latin typeface="돋움체" panose="020B0609000101010101" pitchFamily="49" charset="-127"/>
+                <a:ea typeface="돋움체" panose="020B0609000101010101" pitchFamily="49" charset="-127"/>
+              </a:rPr>
+              <a:t>float4</a:t>
+            </a:r>
+            <a:r>
+              <a:rPr lang="en-US" altLang="ko-KR" sz="1200" dirty="0">
+                <a:solidFill>
+                  <a:srgbClr val="000000"/>
+                </a:solidFill>
+                <a:latin typeface="돋움체" panose="020B0609000101010101" pitchFamily="49" charset="-127"/>
+                <a:ea typeface="돋움체" panose="020B0609000101010101" pitchFamily="49" charset="-127"/>
+              </a:rPr>
+              <a:t>(0.15f, 0.15f, 0.15f, 1.0f);</a:t>
+            </a:r>
+          </a:p>
+          <a:p>
+            <a:r>
+              <a:rPr lang="en-US" altLang="ko-KR" sz="1200" dirty="0">
+                <a:solidFill>
+                  <a:srgbClr val="000000"/>
+                </a:solidFill>
+                <a:latin typeface="돋움체" panose="020B0609000101010101" pitchFamily="49" charset="-127"/>
+                <a:ea typeface="돋움체" panose="020B0609000101010101" pitchFamily="49" charset="-127"/>
+              </a:rPr>
+              <a:t>}</a:t>
+            </a:r>
+          </a:p>
+          <a:p>
+            <a:r>
+              <a:rPr lang="en-US" altLang="ko-KR" sz="1200" dirty="0">
+                <a:solidFill>
+                  <a:srgbClr val="0000FF"/>
+                </a:solidFill>
+                <a:latin typeface="돋움체" panose="020B0609000101010101" pitchFamily="49" charset="-127"/>
+                <a:ea typeface="돋움체" panose="020B0609000101010101" pitchFamily="49" charset="-127"/>
+              </a:rPr>
+              <a:t>else</a:t>
+            </a:r>
+            <a:r>
+              <a:rPr lang="en-US" altLang="ko-KR" sz="1200" dirty="0">
+                <a:solidFill>
+                  <a:srgbClr val="000000"/>
+                </a:solidFill>
+                <a:latin typeface="돋움체" panose="020B0609000101010101" pitchFamily="49" charset="-127"/>
+                <a:ea typeface="돋움체" panose="020B0609000101010101" pitchFamily="49" charset="-127"/>
+              </a:rPr>
+              <a:t> </a:t>
+            </a:r>
+            <a:r>
+              <a:rPr lang="en-US" altLang="ko-KR" sz="1200" dirty="0">
+                <a:solidFill>
+                  <a:srgbClr val="0000FF"/>
+                </a:solidFill>
+                <a:latin typeface="돋움체" panose="020B0609000101010101" pitchFamily="49" charset="-127"/>
+                <a:ea typeface="돋움체" panose="020B0609000101010101" pitchFamily="49" charset="-127"/>
+              </a:rPr>
+              <a:t>if</a:t>
+            </a:r>
+            <a:r>
+              <a:rPr lang="en-US" altLang="ko-KR" sz="1200" dirty="0">
+                <a:solidFill>
+                  <a:srgbClr val="000000"/>
+                </a:solidFill>
+                <a:latin typeface="돋움체" panose="020B0609000101010101" pitchFamily="49" charset="-127"/>
+                <a:ea typeface="돋움체" panose="020B0609000101010101" pitchFamily="49" charset="-127"/>
+              </a:rPr>
+              <a:t> (</a:t>
+            </a:r>
+            <a:r>
+              <a:rPr lang="en-US" altLang="ko-KR" sz="1200" dirty="0" err="1">
+                <a:solidFill>
+                  <a:srgbClr val="000000"/>
+                </a:solidFill>
+                <a:latin typeface="돋움체" panose="020B0609000101010101" pitchFamily="49" charset="-127"/>
+                <a:ea typeface="돋움체" panose="020B0609000101010101" pitchFamily="49" charset="-127"/>
+              </a:rPr>
+              <a:t>gLights</a:t>
+            </a:r>
+            <a:r>
+              <a:rPr lang="en-US" altLang="ko-KR" sz="1200" dirty="0">
+                <a:solidFill>
+                  <a:srgbClr val="000000"/>
+                </a:solidFill>
+                <a:latin typeface="돋움체" panose="020B0609000101010101" pitchFamily="49" charset="-127"/>
+                <a:ea typeface="돋움체" panose="020B0609000101010101" pitchFamily="49" charset="-127"/>
+              </a:rPr>
+              <a:t>[</a:t>
+            </a:r>
+            <a:r>
+              <a:rPr lang="en-US" altLang="ko-KR" sz="1200" dirty="0" err="1">
+                <a:solidFill>
+                  <a:srgbClr val="000000"/>
+                </a:solidFill>
+                <a:latin typeface="돋움체" panose="020B0609000101010101" pitchFamily="49" charset="-127"/>
+                <a:ea typeface="돋움체" panose="020B0609000101010101" pitchFamily="49" charset="-127"/>
+              </a:rPr>
+              <a:t>i</a:t>
+            </a:r>
+            <a:r>
+              <a:rPr lang="en-US" altLang="ko-KR" sz="1200" dirty="0">
+                <a:solidFill>
+                  <a:srgbClr val="000000"/>
+                </a:solidFill>
+                <a:latin typeface="돋움체" panose="020B0609000101010101" pitchFamily="49" charset="-127"/>
+                <a:ea typeface="돋움체" panose="020B0609000101010101" pitchFamily="49" charset="-127"/>
+              </a:rPr>
+              <a:t>].</a:t>
+            </a:r>
+            <a:r>
+              <a:rPr lang="en-US" altLang="ko-KR" sz="1200" dirty="0" err="1">
+                <a:solidFill>
+                  <a:srgbClr val="000000"/>
+                </a:solidFill>
+                <a:latin typeface="돋움체" panose="020B0609000101010101" pitchFamily="49" charset="-127"/>
+                <a:ea typeface="돋움체" panose="020B0609000101010101" pitchFamily="49" charset="-127"/>
+              </a:rPr>
+              <a:t>m_nType</a:t>
+            </a:r>
+            <a:r>
+              <a:rPr lang="en-US" altLang="ko-KR" sz="1200" dirty="0">
+                <a:solidFill>
+                  <a:srgbClr val="000000"/>
+                </a:solidFill>
+                <a:latin typeface="돋움체" panose="020B0609000101010101" pitchFamily="49" charset="-127"/>
+                <a:ea typeface="돋움체" panose="020B0609000101010101" pitchFamily="49" charset="-127"/>
+              </a:rPr>
+              <a:t> == SPOT_LIGHT)</a:t>
+            </a:r>
+          </a:p>
+          <a:p>
+            <a:r>
+              <a:rPr lang="en-US" altLang="ko-KR" sz="1200" dirty="0">
+                <a:solidFill>
+                  <a:srgbClr val="000000"/>
+                </a:solidFill>
+                <a:latin typeface="돋움체" panose="020B0609000101010101" pitchFamily="49" charset="-127"/>
+                <a:ea typeface="돋움체" panose="020B0609000101010101" pitchFamily="49" charset="-127"/>
+              </a:rPr>
+              <a:t>{</a:t>
+            </a:r>
+          </a:p>
+          <a:p>
+            <a:r>
+              <a:rPr lang="en-US" altLang="ko-KR" sz="1200" dirty="0">
+                <a:solidFill>
+                  <a:srgbClr val="0000FF"/>
+                </a:solidFill>
+                <a:latin typeface="돋움체" panose="020B0609000101010101" pitchFamily="49" charset="-127"/>
+                <a:ea typeface="돋움체" panose="020B0609000101010101" pitchFamily="49" charset="-127"/>
+              </a:rPr>
+              <a:t>if</a:t>
+            </a:r>
+            <a:r>
+              <a:rPr lang="en-US" altLang="ko-KR" sz="1200" dirty="0">
+                <a:solidFill>
+                  <a:srgbClr val="000000"/>
+                </a:solidFill>
+                <a:latin typeface="돋움체" panose="020B0609000101010101" pitchFamily="49" charset="-127"/>
+                <a:ea typeface="돋움체" panose="020B0609000101010101" pitchFamily="49" charset="-127"/>
+              </a:rPr>
+              <a:t> (</a:t>
+            </a:r>
+            <a:r>
+              <a:rPr lang="en-US" altLang="ko-KR" sz="1200" dirty="0" err="1">
+                <a:solidFill>
+                  <a:srgbClr val="000000"/>
+                </a:solidFill>
+                <a:latin typeface="돋움체" panose="020B0609000101010101" pitchFamily="49" charset="-127"/>
+                <a:ea typeface="돋움체" panose="020B0609000101010101" pitchFamily="49" charset="-127"/>
+              </a:rPr>
+              <a:t>fShadowFactor</a:t>
+            </a:r>
+            <a:r>
+              <a:rPr lang="en-US" altLang="ko-KR" sz="1200" dirty="0">
+                <a:solidFill>
+                  <a:srgbClr val="000000"/>
+                </a:solidFill>
+                <a:latin typeface="돋움체" panose="020B0609000101010101" pitchFamily="49" charset="-127"/>
+                <a:ea typeface="돋움체" panose="020B0609000101010101" pitchFamily="49" charset="-127"/>
+              </a:rPr>
+              <a:t> != 0.f)</a:t>
+            </a:r>
+          </a:p>
+          <a:p>
+            <a:r>
+              <a:rPr lang="en-US" altLang="ko-KR" sz="1200" dirty="0">
+                <a:solidFill>
+                  <a:srgbClr val="000000"/>
+                </a:solidFill>
+                <a:latin typeface="돋움체" panose="020B0609000101010101" pitchFamily="49" charset="-127"/>
+                <a:ea typeface="돋움체" panose="020B0609000101010101" pitchFamily="49" charset="-127"/>
+              </a:rPr>
+              <a:t>{</a:t>
+            </a:r>
+          </a:p>
+          <a:p>
+            <a:r>
+              <a:rPr lang="en-US" altLang="ko-KR" sz="1200" dirty="0" err="1">
+                <a:solidFill>
+                  <a:srgbClr val="000000"/>
+                </a:solidFill>
+                <a:latin typeface="돋움체" panose="020B0609000101010101" pitchFamily="49" charset="-127"/>
+                <a:ea typeface="돋움체" panose="020B0609000101010101" pitchFamily="49" charset="-127"/>
+              </a:rPr>
+              <a:t>cColor</a:t>
+            </a:r>
+            <a:r>
+              <a:rPr lang="en-US" altLang="ko-KR" sz="1200" dirty="0">
+                <a:solidFill>
+                  <a:srgbClr val="000000"/>
+                </a:solidFill>
+                <a:latin typeface="돋움체" panose="020B0609000101010101" pitchFamily="49" charset="-127"/>
+                <a:ea typeface="돋움체" panose="020B0609000101010101" pitchFamily="49" charset="-127"/>
+              </a:rPr>
+              <a:t> = </a:t>
+            </a:r>
+            <a:r>
+              <a:rPr lang="en-US" altLang="ko-KR" sz="1200" dirty="0">
+                <a:solidFill>
+                  <a:srgbClr val="0000FF"/>
+                </a:solidFill>
+                <a:latin typeface="돋움체" panose="020B0609000101010101" pitchFamily="49" charset="-127"/>
+                <a:ea typeface="돋움체" panose="020B0609000101010101" pitchFamily="49" charset="-127"/>
+              </a:rPr>
+              <a:t>float4</a:t>
+            </a:r>
+            <a:r>
+              <a:rPr lang="en-US" altLang="ko-KR" sz="1200" dirty="0">
+                <a:solidFill>
+                  <a:srgbClr val="000000"/>
+                </a:solidFill>
+                <a:latin typeface="돋움체" panose="020B0609000101010101" pitchFamily="49" charset="-127"/>
+                <a:ea typeface="돋움체" panose="020B0609000101010101" pitchFamily="49" charset="-127"/>
+              </a:rPr>
+              <a:t>(0.0f, 0.0f, 0.0f, 1.0f);</a:t>
+            </a:r>
+          </a:p>
+          <a:p>
+            <a:r>
+              <a:rPr lang="en-US" altLang="ko-KR" sz="1200" dirty="0" err="1">
+                <a:solidFill>
+                  <a:srgbClr val="000000"/>
+                </a:solidFill>
+                <a:latin typeface="돋움체" panose="020B0609000101010101" pitchFamily="49" charset="-127"/>
+                <a:ea typeface="돋움체" panose="020B0609000101010101" pitchFamily="49" charset="-127"/>
+              </a:rPr>
+              <a:t>cColor</a:t>
+            </a:r>
+            <a:r>
+              <a:rPr lang="en-US" altLang="ko-KR" sz="1200" dirty="0">
+                <a:solidFill>
+                  <a:srgbClr val="000000"/>
+                </a:solidFill>
+                <a:latin typeface="돋움체" panose="020B0609000101010101" pitchFamily="49" charset="-127"/>
+                <a:ea typeface="돋움체" panose="020B0609000101010101" pitchFamily="49" charset="-127"/>
+              </a:rPr>
+              <a:t> += </a:t>
+            </a:r>
+            <a:r>
+              <a:rPr lang="en-US" altLang="ko-KR" sz="1200" dirty="0" err="1">
+                <a:solidFill>
+                  <a:srgbClr val="000000"/>
+                </a:solidFill>
+                <a:latin typeface="돋움체" panose="020B0609000101010101" pitchFamily="49" charset="-127"/>
+                <a:ea typeface="돋움체" panose="020B0609000101010101" pitchFamily="49" charset="-127"/>
+              </a:rPr>
+              <a:t>SpotLight</a:t>
+            </a:r>
+            <a:r>
+              <a:rPr lang="en-US" altLang="ko-KR" sz="1200" dirty="0">
+                <a:solidFill>
+                  <a:srgbClr val="000000"/>
+                </a:solidFill>
+                <a:latin typeface="돋움체" panose="020B0609000101010101" pitchFamily="49" charset="-127"/>
+                <a:ea typeface="돋움체" panose="020B0609000101010101" pitchFamily="49" charset="-127"/>
+              </a:rPr>
+              <a:t>(</a:t>
+            </a:r>
+            <a:r>
+              <a:rPr lang="en-US" altLang="ko-KR" sz="1200" dirty="0" err="1">
+                <a:solidFill>
+                  <a:srgbClr val="000000"/>
+                </a:solidFill>
+                <a:latin typeface="돋움체" panose="020B0609000101010101" pitchFamily="49" charset="-127"/>
+                <a:ea typeface="돋움체" panose="020B0609000101010101" pitchFamily="49" charset="-127"/>
+              </a:rPr>
+              <a:t>i</a:t>
+            </a:r>
+            <a:r>
+              <a:rPr lang="en-US" altLang="ko-KR" sz="1200" dirty="0">
+                <a:solidFill>
+                  <a:srgbClr val="000000"/>
+                </a:solidFill>
+                <a:latin typeface="돋움체" panose="020B0609000101010101" pitchFamily="49" charset="-127"/>
+                <a:ea typeface="돋움체" panose="020B0609000101010101" pitchFamily="49" charset="-127"/>
+              </a:rPr>
+              <a:t>, </a:t>
+            </a:r>
+            <a:r>
+              <a:rPr lang="en-US" altLang="ko-KR" sz="1200" dirty="0" err="1">
+                <a:solidFill>
+                  <a:srgbClr val="000000"/>
+                </a:solidFill>
+                <a:latin typeface="돋움체" panose="020B0609000101010101" pitchFamily="49" charset="-127"/>
+                <a:ea typeface="돋움체" panose="020B0609000101010101" pitchFamily="49" charset="-127"/>
+              </a:rPr>
+              <a:t>vPosition</a:t>
+            </a:r>
+            <a:r>
+              <a:rPr lang="en-US" altLang="ko-KR" sz="1200" dirty="0">
+                <a:solidFill>
+                  <a:srgbClr val="000000"/>
+                </a:solidFill>
+                <a:latin typeface="돋움체" panose="020B0609000101010101" pitchFamily="49" charset="-127"/>
+                <a:ea typeface="돋움체" panose="020B0609000101010101" pitchFamily="49" charset="-127"/>
+              </a:rPr>
+              <a:t>, </a:t>
+            </a:r>
+            <a:r>
+              <a:rPr lang="en-US" altLang="ko-KR" sz="1200" dirty="0" err="1">
+                <a:solidFill>
+                  <a:srgbClr val="000000"/>
+                </a:solidFill>
+                <a:latin typeface="돋움체" panose="020B0609000101010101" pitchFamily="49" charset="-127"/>
+                <a:ea typeface="돋움체" panose="020B0609000101010101" pitchFamily="49" charset="-127"/>
+              </a:rPr>
+              <a:t>vNormal</a:t>
+            </a:r>
+            <a:r>
+              <a:rPr lang="en-US" altLang="ko-KR" sz="1200" dirty="0">
+                <a:solidFill>
+                  <a:srgbClr val="000000"/>
+                </a:solidFill>
+                <a:latin typeface="돋움체" panose="020B0609000101010101" pitchFamily="49" charset="-127"/>
+                <a:ea typeface="돋움체" panose="020B0609000101010101" pitchFamily="49" charset="-127"/>
+              </a:rPr>
+              <a:t>, </a:t>
+            </a:r>
+            <a:r>
+              <a:rPr lang="en-US" altLang="ko-KR" sz="1200" dirty="0" err="1">
+                <a:solidFill>
+                  <a:srgbClr val="000000"/>
+                </a:solidFill>
+                <a:latin typeface="돋움체" panose="020B0609000101010101" pitchFamily="49" charset="-127"/>
+                <a:ea typeface="돋움체" panose="020B0609000101010101" pitchFamily="49" charset="-127"/>
+              </a:rPr>
+              <a:t>vToCamera</a:t>
+            </a:r>
+            <a:r>
+              <a:rPr lang="en-US" altLang="ko-KR" sz="1200" dirty="0">
+                <a:solidFill>
+                  <a:srgbClr val="000000"/>
+                </a:solidFill>
+                <a:latin typeface="돋움체" panose="020B0609000101010101" pitchFamily="49" charset="-127"/>
+                <a:ea typeface="돋움체" panose="020B0609000101010101" pitchFamily="49" charset="-127"/>
+              </a:rPr>
+              <a:t>) * </a:t>
+            </a:r>
+            <a:r>
+              <a:rPr lang="en-US" altLang="ko-KR" sz="1200" dirty="0" err="1">
+                <a:solidFill>
+                  <a:srgbClr val="000000"/>
+                </a:solidFill>
+                <a:latin typeface="돋움체" panose="020B0609000101010101" pitchFamily="49" charset="-127"/>
+                <a:ea typeface="돋움체" panose="020B0609000101010101" pitchFamily="49" charset="-127"/>
+              </a:rPr>
+              <a:t>shadowColor</a:t>
+            </a:r>
+            <a:r>
+              <a:rPr lang="en-US" altLang="ko-KR" sz="1200" dirty="0">
+                <a:solidFill>
+                  <a:srgbClr val="000000"/>
+                </a:solidFill>
+                <a:latin typeface="돋움체" panose="020B0609000101010101" pitchFamily="49" charset="-127"/>
+                <a:ea typeface="돋움체" panose="020B0609000101010101" pitchFamily="49" charset="-127"/>
+              </a:rPr>
+              <a:t> * </a:t>
+            </a:r>
+            <a:r>
+              <a:rPr lang="en-US" altLang="ko-KR" sz="1200" dirty="0" err="1">
+                <a:solidFill>
+                  <a:srgbClr val="000000"/>
+                </a:solidFill>
+                <a:latin typeface="돋움체" panose="020B0609000101010101" pitchFamily="49" charset="-127"/>
+                <a:ea typeface="돋움체" panose="020B0609000101010101" pitchFamily="49" charset="-127"/>
+              </a:rPr>
+              <a:t>fShadowFactor</a:t>
+            </a:r>
+            <a:r>
+              <a:rPr lang="en-US" altLang="ko-KR" sz="1200" dirty="0">
+                <a:solidFill>
+                  <a:srgbClr val="000000"/>
+                </a:solidFill>
+                <a:latin typeface="돋움체" panose="020B0609000101010101" pitchFamily="49" charset="-127"/>
+                <a:ea typeface="돋움체" panose="020B0609000101010101" pitchFamily="49" charset="-127"/>
+              </a:rPr>
+              <a:t>;</a:t>
+            </a:r>
+          </a:p>
+          <a:p>
+            <a:r>
+              <a:rPr lang="en-US" altLang="ko-KR" sz="1200" dirty="0">
+                <a:solidFill>
+                  <a:srgbClr val="000000"/>
+                </a:solidFill>
+                <a:latin typeface="돋움체" panose="020B0609000101010101" pitchFamily="49" charset="-127"/>
+                <a:ea typeface="돋움체" panose="020B0609000101010101" pitchFamily="49" charset="-127"/>
+              </a:rPr>
+              <a:t>}</a:t>
+            </a:r>
+          </a:p>
+          <a:p>
+            <a:r>
+              <a:rPr lang="en-US" altLang="ko-KR" sz="1200" dirty="0">
+                <a:solidFill>
+                  <a:srgbClr val="0000FF"/>
+                </a:solidFill>
+                <a:latin typeface="돋움체" panose="020B0609000101010101" pitchFamily="49" charset="-127"/>
+                <a:ea typeface="돋움체" panose="020B0609000101010101" pitchFamily="49" charset="-127"/>
+              </a:rPr>
+              <a:t>else</a:t>
+            </a:r>
+            <a:endParaRPr lang="en-US" altLang="ko-KR" sz="1200" dirty="0">
+              <a:solidFill>
+                <a:srgbClr val="000000"/>
+              </a:solidFill>
+              <a:latin typeface="돋움체" panose="020B0609000101010101" pitchFamily="49" charset="-127"/>
+              <a:ea typeface="돋움체" panose="020B0609000101010101" pitchFamily="49" charset="-127"/>
+            </a:endParaRPr>
+          </a:p>
+          <a:p>
+            <a:r>
+              <a:rPr lang="en-US" altLang="ko-KR" sz="1200" dirty="0" err="1">
+                <a:solidFill>
+                  <a:srgbClr val="000000"/>
+                </a:solidFill>
+                <a:latin typeface="돋움체" panose="020B0609000101010101" pitchFamily="49" charset="-127"/>
+                <a:ea typeface="돋움체" panose="020B0609000101010101" pitchFamily="49" charset="-127"/>
+              </a:rPr>
+              <a:t>cColor</a:t>
+            </a:r>
+            <a:r>
+              <a:rPr lang="en-US" altLang="ko-KR" sz="1200" dirty="0">
+                <a:solidFill>
+                  <a:srgbClr val="000000"/>
+                </a:solidFill>
+                <a:latin typeface="돋움체" panose="020B0609000101010101" pitchFamily="49" charset="-127"/>
+                <a:ea typeface="돋움체" panose="020B0609000101010101" pitchFamily="49" charset="-127"/>
+              </a:rPr>
+              <a:t> = </a:t>
+            </a:r>
+            <a:r>
+              <a:rPr lang="en-US" altLang="ko-KR" sz="1200" dirty="0">
+                <a:solidFill>
+                  <a:srgbClr val="0000FF"/>
+                </a:solidFill>
+                <a:latin typeface="돋움체" panose="020B0609000101010101" pitchFamily="49" charset="-127"/>
+                <a:ea typeface="돋움체" panose="020B0609000101010101" pitchFamily="49" charset="-127"/>
+              </a:rPr>
+              <a:t>float4</a:t>
+            </a:r>
+            <a:r>
+              <a:rPr lang="en-US" altLang="ko-KR" sz="1200" dirty="0">
+                <a:solidFill>
+                  <a:srgbClr val="000000"/>
+                </a:solidFill>
+                <a:latin typeface="돋움체" panose="020B0609000101010101" pitchFamily="49" charset="-127"/>
+                <a:ea typeface="돋움체" panose="020B0609000101010101" pitchFamily="49" charset="-127"/>
+              </a:rPr>
+              <a:t>(0.15f, 0.15f, 0.15f, 1.0f);</a:t>
+            </a:r>
+          </a:p>
+          <a:p>
+            <a:r>
+              <a:rPr lang="en-US" altLang="ko-KR" sz="1200" dirty="0">
+                <a:solidFill>
+                  <a:srgbClr val="000000"/>
+                </a:solidFill>
+                <a:latin typeface="돋움체" panose="020B0609000101010101" pitchFamily="49" charset="-127"/>
+                <a:ea typeface="돋움체" panose="020B0609000101010101" pitchFamily="49" charset="-127"/>
+              </a:rPr>
+              <a:t>}</a:t>
+            </a:r>
+          </a:p>
+          <a:p>
+            <a:r>
+              <a:rPr lang="it-IT" altLang="ko-KR" sz="1200" dirty="0">
+                <a:solidFill>
+                  <a:srgbClr val="000000"/>
+                </a:solidFill>
+                <a:latin typeface="돋움체" panose="020B0609000101010101" pitchFamily="49" charset="-127"/>
+                <a:ea typeface="돋움체" panose="020B0609000101010101" pitchFamily="49" charset="-127"/>
+              </a:rPr>
+              <a:t>cColor += gLights[i].m_cAmbient * gMaterial.m_cAmbient;</a:t>
+            </a:r>
+          </a:p>
+          <a:p>
+            <a:r>
+              <a:rPr lang="en-US" altLang="ko-KR" sz="1200" dirty="0">
+                <a:solidFill>
+                  <a:srgbClr val="000000"/>
+                </a:solidFill>
+                <a:latin typeface="돋움체" panose="020B0609000101010101" pitchFamily="49" charset="-127"/>
+                <a:ea typeface="돋움체" panose="020B0609000101010101" pitchFamily="49" charset="-127"/>
+              </a:rPr>
+              <a:t>}</a:t>
+            </a:r>
+          </a:p>
+          <a:p>
+            <a:r>
+              <a:rPr lang="en-US" altLang="ko-KR" sz="1200" dirty="0">
+                <a:solidFill>
+                  <a:srgbClr val="000000"/>
+                </a:solidFill>
+                <a:latin typeface="돋움체" panose="020B0609000101010101" pitchFamily="49" charset="-127"/>
+                <a:ea typeface="돋움체" panose="020B0609000101010101" pitchFamily="49" charset="-127"/>
+              </a:rPr>
+              <a:t>}</a:t>
+            </a:r>
+          </a:p>
+          <a:p>
+            <a:endParaRPr lang="ko-KR" altLang="en-US" sz="1200" dirty="0">
+              <a:solidFill>
+                <a:srgbClr val="000000"/>
+              </a:solidFill>
+              <a:latin typeface="돋움체" panose="020B0609000101010101" pitchFamily="49" charset="-127"/>
+              <a:ea typeface="돋움체" panose="020B0609000101010101" pitchFamily="49" charset="-127"/>
+            </a:endParaRPr>
+          </a:p>
+          <a:p>
+            <a:r>
+              <a:rPr lang="en-US" altLang="ko-KR" sz="1200" dirty="0" err="1">
+                <a:solidFill>
+                  <a:srgbClr val="000000"/>
+                </a:solidFill>
+                <a:latin typeface="돋움체" panose="020B0609000101010101" pitchFamily="49" charset="-127"/>
+                <a:ea typeface="돋움체" panose="020B0609000101010101" pitchFamily="49" charset="-127"/>
+              </a:rPr>
+              <a:t>cColor</a:t>
+            </a:r>
+            <a:r>
+              <a:rPr lang="en-US" altLang="ko-KR" sz="1200" dirty="0">
+                <a:solidFill>
+                  <a:srgbClr val="000000"/>
+                </a:solidFill>
+                <a:latin typeface="돋움체" panose="020B0609000101010101" pitchFamily="49" charset="-127"/>
+                <a:ea typeface="돋움체" panose="020B0609000101010101" pitchFamily="49" charset="-127"/>
+              </a:rPr>
+              <a:t> += (</a:t>
+            </a:r>
+            <a:r>
+              <a:rPr lang="en-US" altLang="ko-KR" sz="1200" dirty="0" err="1">
+                <a:solidFill>
+                  <a:srgbClr val="000000"/>
+                </a:solidFill>
+                <a:latin typeface="돋움체" panose="020B0609000101010101" pitchFamily="49" charset="-127"/>
+                <a:ea typeface="돋움체" panose="020B0609000101010101" pitchFamily="49" charset="-127"/>
+              </a:rPr>
+              <a:t>gcGlobalAmbientLight</a:t>
+            </a:r>
+            <a:r>
+              <a:rPr lang="en-US" altLang="ko-KR" sz="1200" dirty="0">
+                <a:solidFill>
+                  <a:srgbClr val="000000"/>
+                </a:solidFill>
+                <a:latin typeface="돋움체" panose="020B0609000101010101" pitchFamily="49" charset="-127"/>
+                <a:ea typeface="돋움체" panose="020B0609000101010101" pitchFamily="49" charset="-127"/>
+              </a:rPr>
+              <a:t> * </a:t>
+            </a:r>
+            <a:r>
+              <a:rPr lang="en-US" altLang="ko-KR" sz="1200" dirty="0" err="1">
+                <a:solidFill>
+                  <a:srgbClr val="000000"/>
+                </a:solidFill>
+                <a:latin typeface="돋움체" panose="020B0609000101010101" pitchFamily="49" charset="-127"/>
+                <a:ea typeface="돋움체" panose="020B0609000101010101" pitchFamily="49" charset="-127"/>
+              </a:rPr>
+              <a:t>gMaterial.m_cAmbient</a:t>
+            </a:r>
+            <a:r>
+              <a:rPr lang="en-US" altLang="ko-KR" sz="1200" dirty="0">
+                <a:solidFill>
+                  <a:srgbClr val="000000"/>
+                </a:solidFill>
+                <a:latin typeface="돋움체" panose="020B0609000101010101" pitchFamily="49" charset="-127"/>
+                <a:ea typeface="돋움체" panose="020B0609000101010101" pitchFamily="49" charset="-127"/>
+              </a:rPr>
+              <a:t>);</a:t>
+            </a:r>
+          </a:p>
+          <a:p>
+            <a:r>
+              <a:rPr lang="en-US" altLang="ko-KR" sz="1200" dirty="0" err="1">
+                <a:solidFill>
+                  <a:srgbClr val="000000"/>
+                </a:solidFill>
+                <a:latin typeface="돋움체" panose="020B0609000101010101" pitchFamily="49" charset="-127"/>
+                <a:ea typeface="돋움체" panose="020B0609000101010101" pitchFamily="49" charset="-127"/>
+              </a:rPr>
+              <a:t>cColor.a</a:t>
+            </a:r>
+            <a:r>
+              <a:rPr lang="en-US" altLang="ko-KR" sz="1200" dirty="0">
+                <a:solidFill>
+                  <a:srgbClr val="000000"/>
+                </a:solidFill>
+                <a:latin typeface="돋움체" panose="020B0609000101010101" pitchFamily="49" charset="-127"/>
+                <a:ea typeface="돋움체" panose="020B0609000101010101" pitchFamily="49" charset="-127"/>
+              </a:rPr>
+              <a:t> = </a:t>
+            </a:r>
+            <a:r>
+              <a:rPr lang="en-US" altLang="ko-KR" sz="1200" dirty="0" err="1">
+                <a:solidFill>
+                  <a:srgbClr val="000000"/>
+                </a:solidFill>
+                <a:latin typeface="돋움체" panose="020B0609000101010101" pitchFamily="49" charset="-127"/>
+                <a:ea typeface="돋움체" panose="020B0609000101010101" pitchFamily="49" charset="-127"/>
+              </a:rPr>
+              <a:t>gMaterial.m_cDiffuse.a</a:t>
+            </a:r>
+            <a:r>
+              <a:rPr lang="en-US" altLang="ko-KR" sz="1200" dirty="0">
+                <a:solidFill>
+                  <a:srgbClr val="000000"/>
+                </a:solidFill>
+                <a:latin typeface="돋움체" panose="020B0609000101010101" pitchFamily="49" charset="-127"/>
+                <a:ea typeface="돋움체" panose="020B0609000101010101" pitchFamily="49" charset="-127"/>
+              </a:rPr>
+              <a:t>;</a:t>
+            </a:r>
+          </a:p>
+          <a:p>
+            <a:endParaRPr lang="ko-KR" altLang="en-US" sz="1200" dirty="0">
+              <a:solidFill>
+                <a:srgbClr val="000000"/>
+              </a:solidFill>
+              <a:latin typeface="돋움체" panose="020B0609000101010101" pitchFamily="49" charset="-127"/>
+              <a:ea typeface="돋움체" panose="020B0609000101010101" pitchFamily="49" charset="-127"/>
+            </a:endParaRPr>
+          </a:p>
+          <a:p>
+            <a:r>
+              <a:rPr lang="en-US" altLang="ko-KR" sz="1200" dirty="0">
+                <a:solidFill>
+                  <a:srgbClr val="0000FF"/>
+                </a:solidFill>
+                <a:latin typeface="돋움체" panose="020B0609000101010101" pitchFamily="49" charset="-127"/>
+                <a:ea typeface="돋움체" panose="020B0609000101010101" pitchFamily="49" charset="-127"/>
+              </a:rPr>
+              <a:t>return</a:t>
+            </a:r>
+            <a:r>
+              <a:rPr lang="en-US" altLang="ko-KR" sz="1200" dirty="0">
+                <a:solidFill>
+                  <a:srgbClr val="000000"/>
+                </a:solidFill>
+                <a:latin typeface="돋움체" panose="020B0609000101010101" pitchFamily="49" charset="-127"/>
+                <a:ea typeface="돋움체" panose="020B0609000101010101" pitchFamily="49" charset="-127"/>
+              </a:rPr>
+              <a:t> (lerp(cColor,</a:t>
+            </a:r>
+            <a:r>
+              <a:rPr lang="en-US" altLang="ko-KR" sz="1200" dirty="0">
+                <a:solidFill>
+                  <a:srgbClr val="0000FF"/>
+                </a:solidFill>
+                <a:latin typeface="돋움체" panose="020B0609000101010101" pitchFamily="49" charset="-127"/>
+                <a:ea typeface="돋움체" panose="020B0609000101010101" pitchFamily="49" charset="-127"/>
+              </a:rPr>
+              <a:t>float4</a:t>
+            </a:r>
+            <a:r>
+              <a:rPr lang="en-US" altLang="ko-KR" sz="1200" dirty="0">
+                <a:solidFill>
+                  <a:srgbClr val="000000"/>
+                </a:solidFill>
+                <a:latin typeface="돋움체" panose="020B0609000101010101" pitchFamily="49" charset="-127"/>
+                <a:ea typeface="돋움체" panose="020B0609000101010101" pitchFamily="49" charset="-127"/>
+              </a:rPr>
+              <a:t>(0.1f,0.1f,0.1f,1.0f),0.3f));</a:t>
+            </a:r>
+          </a:p>
+          <a:p>
+            <a:r>
+              <a:rPr lang="en-US" altLang="ko-KR" sz="1200" dirty="0">
+                <a:solidFill>
+                  <a:srgbClr val="000000"/>
+                </a:solidFill>
+                <a:latin typeface="돋움체" panose="020B0609000101010101" pitchFamily="49" charset="-127"/>
+                <a:ea typeface="돋움체" panose="020B0609000101010101" pitchFamily="49" charset="-127"/>
+              </a:rPr>
+              <a:t>}</a:t>
+            </a:r>
+            <a:endParaRPr lang="ko-KR" altLang="en-US" sz="1200" dirty="0"/>
+          </a:p>
+          <a:p>
+            <a:endParaRPr lang="en-US" altLang="ko-KR" sz="1200" dirty="0">
+              <a:solidFill>
+                <a:srgbClr val="000000"/>
+              </a:solidFill>
+              <a:latin typeface="돋움체" panose="020B0609000101010101" pitchFamily="49" charset="-127"/>
+              <a:ea typeface="돋움체" panose="020B0609000101010101" pitchFamily="49" charset="-127"/>
+            </a:endParaRPr>
+          </a:p>
+        </p:txBody>
+      </p:sp>
+    </p:spTree>
+  </p:cSld>
+  <p:clrMapOvr>
+    <a:masterClrMapping/>
+  </p:clrMapOvr>
+</p:sld>
+</file>
+
+<file path=ppt/slides/slide5.xml><?xml version="1.0" encoding="utf-8"?>
+<p:sld xmlns:a="http://schemas.openxmlformats.org/drawingml/2006/main" xmlns:r="http://schemas.openxmlformats.org/officeDocument/2006/relationships" xmlns:p="http://schemas.openxmlformats.org/presentationml/2006/main">
+  <p:cSld name="Slide 5">
+    <p:bg>
+      <p:bgPr>
+        <a:solidFill>
+          <a:srgbClr val="FFFFFF"/>
+        </a:solidFill>
+        <a:effectLst/>
+      </p:bgPr>
+    </p:bg>
+    <p:spTree>
+      <p:nvGrpSpPr>
+        <p:cNvPr id="1" name=""/>
+        <p:cNvGrpSpPr/>
+        <p:nvPr/>
+      </p:nvGrpSpPr>
+      <p:grpSpPr>
+        <a:xfrm>
+          <a:off x="0" y="0"/>
+          <a:ext cx="0" cy="0"/>
+          <a:chOff x="0" y="0"/>
+          <a:chExt cx="0" cy="0"/>
+        </a:xfrm>
+      </p:grpSpPr>
+      <p:sp>
+        <p:nvSpPr>
+          <p:cNvPr id="2" name="Object 2"/>
+          <p:cNvSpPr txBox="1"/>
+          <p:nvPr/>
+        </p:nvSpPr>
+        <p:spPr>
+          <a:xfrm>
             <a:off x="829036" y="3749792"/>
             <a:ext cx="6776874" cy="629006"/>
           </a:xfrm>
@@ -3327,8 +6843,8 @@
         </p:nvSpPr>
         <p:spPr>
           <a:xfrm>
-            <a:off x="260684" y="7485490"/>
-            <a:ext cx="9457079" cy="984885"/>
+            <a:off x="873145" y="7182826"/>
+            <a:ext cx="9457079" cy="923330"/>
           </a:xfrm>
           <a:prstGeom prst="rect">
             <a:avLst/>
@@ -3342,7 +6858,7 @@
           <a:lstStyle/>
           <a:p>
             <a:r>
-              <a:rPr lang="en-US" sz="2000" dirty="0">
+              <a:rPr lang="en-US" sz="1800" dirty="0">
                 <a:solidFill>
                   <a:srgbClr val="595959"/>
                 </a:solidFill>
@@ -3354,47 +6870,17 @@
           </a:p>
           <a:p>
             <a:r>
-              <a:rPr lang="en-US" sz="2000" dirty="0">
+              <a:rPr lang="en-US" sz="1800" dirty="0" err="1">
                 <a:solidFill>
                   <a:srgbClr val="595959"/>
                 </a:solidFill>
                 <a:latin typeface="Caviar Dreams" pitchFamily="34" charset="0"/>
                 <a:cs typeface="Caviar Dreams" pitchFamily="34" charset="0"/>
               </a:rPr>
-              <a:t>씬 </a:t>
-            </a:r>
-            <a:r>
-              <a:rPr lang="en-US" sz="2000" dirty="0" err="1">
-                <a:solidFill>
-                  <a:srgbClr val="595959"/>
-                </a:solidFill>
-                <a:latin typeface="Caviar Dreams" pitchFamily="34" charset="0"/>
-                <a:cs typeface="Caviar Dreams" pitchFamily="34" charset="0"/>
-              </a:rPr>
-              <a:t>전환</a:t>
-            </a:r>
-            <a:r>
-              <a:rPr lang="en-US" sz="2000" dirty="0">
-                <a:solidFill>
-                  <a:srgbClr val="595959"/>
-                </a:solidFill>
-                <a:latin typeface="Caviar Dreams" pitchFamily="34" charset="0"/>
-                <a:cs typeface="Caviar Dreams" pitchFamily="34" charset="0"/>
-              </a:rPr>
-              <a:t> </a:t>
-            </a:r>
-            <a:r>
-              <a:rPr lang="en-US" sz="2000" dirty="0" err="1">
-                <a:solidFill>
-                  <a:srgbClr val="595959"/>
-                </a:solidFill>
-                <a:latin typeface="Caviar Dreams" pitchFamily="34" charset="0"/>
-                <a:cs typeface="Caviar Dreams" pitchFamily="34" charset="0"/>
-              </a:rPr>
-              <a:t>등을</a:t>
-            </a:r>
-            <a:r>
-              <a:rPr lang="en-US" sz="2000" dirty="0">
+              <a:t>씬전환등을</a:t>
+            </a:r>
+            <a:r>
+              <a:rPr lang="en-US" sz="1800" dirty="0">
                 <a:solidFill>
                   <a:srgbClr val="595959"/>
                 </a:solidFill>
@@ -3475,8 +6961,8 @@
         </p:nvSpPr>
         <p:spPr>
           <a:xfrm>
-            <a:off x="228600" y="4378798"/>
-            <a:ext cx="9828508" cy="3447098"/>
+            <a:off x="809989" y="4273962"/>
+            <a:ext cx="9828508" cy="3139321"/>
           </a:xfrm>
           <a:prstGeom prst="rect">
             <a:avLst/>
@@ -3490,198 +6976,118 @@
           <a:lstStyle/>
           <a:p>
             <a:r>
-              <a:rPr lang="en-US" sz="2000" b="1" dirty="0">
+              <a:rPr lang="en-US" sz="1800" dirty="0">
                 <a:solidFill>
                   <a:srgbClr val="595959"/>
                 </a:solidFill>
                 <a:latin typeface="Caviar Dreams" pitchFamily="34" charset="0"/>
                 <a:cs typeface="Caviar Dreams" pitchFamily="34" charset="0"/>
               </a:rPr>
-              <a:t>제작 인원</a:t>
-            </a:r>
-            <a:r>
-              <a:rPr lang="en-US" sz="2000" dirty="0">
+              <a:t>제작 인원: 2명 </a:t>
+            </a:r>
+          </a:p>
+          <a:p>
+            <a:r>
+              <a:rPr lang="en-US" sz="1800" dirty="0">
                 <a:solidFill>
                   <a:srgbClr val="595959"/>
                 </a:solidFill>
                 <a:latin typeface="Caviar Dreams" pitchFamily="34" charset="0"/>
                 <a:cs typeface="Caviar Dreams" pitchFamily="34" charset="0"/>
               </a:rPr>
-              <a:t>: 2명 </a:t>
-            </a:r>
-          </a:p>
-          <a:p>
-            <a:r>
-              <a:rPr lang="en-US" sz="2000" b="1" dirty="0">
+              <a:t>사용 언어: C</a:t>
+            </a:r>
+          </a:p>
+          <a:p>
+            <a:r>
+              <a:rPr lang="en-US" sz="1800" dirty="0">
                 <a:solidFill>
                   <a:srgbClr val="595959"/>
                 </a:solidFill>
                 <a:latin typeface="Caviar Dreams" pitchFamily="34" charset="0"/>
                 <a:cs typeface="Caviar Dreams" pitchFamily="34" charset="0"/>
               </a:rPr>
-              <a:t>사용 언어: </a:t>
-            </a:r>
-            <a:r>
-              <a:rPr lang="en-US" sz="2000" dirty="0">
+              <a:t>개발 환경: Visual Studio 2019, Win32 API, FMOD</a:t>
+            </a:r>
+          </a:p>
+          <a:p>
+            <a:r>
+              <a:rPr lang="en-US" sz="1800" dirty="0">
                 <a:solidFill>
                   <a:srgbClr val="595959"/>
                 </a:solidFill>
                 <a:latin typeface="Caviar Dreams" pitchFamily="34" charset="0"/>
                 <a:cs typeface="Caviar Dreams" pitchFamily="34" charset="0"/>
               </a:rPr>
-              <a:t>C</a:t>
-            </a:r>
-          </a:p>
-          <a:p>
-            <a:r>
-              <a:rPr lang="en-US" sz="2000" b="1" dirty="0">
+              <a:t>역할: 클라이언트 </a:t>
+            </a:r>
+          </a:p>
+          <a:p>
+            <a:r>
+              <a:rPr lang="en-US" sz="1800" dirty="0">
                 <a:solidFill>
                   <a:srgbClr val="595959"/>
                 </a:solidFill>
                 <a:latin typeface="Caviar Dreams" pitchFamily="34" charset="0"/>
                 <a:cs typeface="Caviar Dreams" pitchFamily="34" charset="0"/>
               </a:rPr>
-              <a:t>개발 환경: </a:t>
-            </a:r>
-            <a:r>
-              <a:rPr lang="en-US" sz="2000" dirty="0">
+              <a:t>게임 내용: </a:t>
+            </a:r>
+          </a:p>
+          <a:p>
+            <a:r>
+              <a:rPr lang="en-US" sz="1800" dirty="0">
                 <a:solidFill>
                   <a:srgbClr val="595959"/>
                 </a:solidFill>
                 <a:latin typeface="Caviar Dreams" pitchFamily="34" charset="0"/>
                 <a:cs typeface="Caviar Dreams" pitchFamily="34" charset="0"/>
               </a:rPr>
-              <a:t>Visual Studio 2019, Win32 API, FMOD</a:t>
-            </a:r>
-          </a:p>
-          <a:p>
-            <a:r>
-              <a:rPr lang="en-US" sz="2000" b="1" dirty="0">
+              <a:t>기존 "점프킹" 게임을 2차원 윈도우 회면으로 모작하였습니다. </a:t>
+            </a:r>
+          </a:p>
+          <a:p>
+            <a:r>
+              <a:rPr lang="en-US" sz="1800" dirty="0">
                 <a:solidFill>
                   <a:srgbClr val="595959"/>
                 </a:solidFill>
                 <a:latin typeface="Caviar Dreams" pitchFamily="34" charset="0"/>
                 <a:cs typeface="Caviar Dreams" pitchFamily="34" charset="0"/>
               </a:rPr>
-              <a:t>역할: </a:t>
-            </a:r>
-            <a:r>
-              <a:rPr lang="en-US" sz="2000" dirty="0">
+              <a:t>스페이스 바와 방향키 단 2개로 조작을 통해 변하는 </a:t>
+            </a:r>
+            <a:r>
+              <a:rPr lang="en-US" sz="1800" dirty="0" err="1">
                 <a:solidFill>
                   <a:srgbClr val="595959"/>
                 </a:solidFill>
                 <a:latin typeface="Caviar Dreams" pitchFamily="34" charset="0"/>
                 <a:cs typeface="Caviar Dreams" pitchFamily="34" charset="0"/>
               </a:rPr>
-              <a:t>클라이언트 </a:t>
-            </a:r>
-          </a:p>
-          <a:p>
-            <a:r>
-              <a:rPr lang="en-US" sz="2000" b="1" dirty="0">
+              <a:t>점프를</a:t>
+            </a:r>
+            <a:r>
+              <a:rPr lang="en-US" sz="1800" dirty="0">
                 <a:solidFill>
                   <a:srgbClr val="595959"/>
                 </a:solidFill>
                 <a:latin typeface="Caviar Dreams" pitchFamily="34" charset="0"/>
                 <a:cs typeface="Caviar Dreams" pitchFamily="34" charset="0"/>
               </a:rPr>
-              <a:t>게임 내용: </a:t>
-            </a:r>
-          </a:p>
-          <a:p>
-            <a:r>
-              <a:rPr lang="en-US" sz="2000" dirty="0">
+              <a:t> </a:t>
+            </a:r>
+            <a:r>
+              <a:rPr lang="en-US" sz="1800" dirty="0" err="1">
                 <a:solidFill>
                   <a:srgbClr val="595959"/>
                 </a:solidFill>
                 <a:latin typeface="Caviar Dreams" pitchFamily="34" charset="0"/>
                 <a:cs typeface="Caviar Dreams" pitchFamily="34" charset="0"/>
               </a:rPr>
-              <a:t>  </a:t>
-            </a:r>
-            <a:r>
-              <a:rPr lang="en-US" sz="2000" dirty="0" err="1">
-                <a:solidFill>
-                  <a:srgbClr val="595959"/>
-                </a:solidFill>
-                <a:latin typeface="Caviar Dreams" pitchFamily="34" charset="0"/>
-                <a:cs typeface="Caviar Dreams" pitchFamily="34" charset="0"/>
-              </a:rPr>
-              <a:t>기존</a:t>
-            </a:r>
-            <a:r>
-              <a:rPr lang="en-US" sz="2000" dirty="0">
-                <a:solidFill>
-                  <a:srgbClr val="595959"/>
-                </a:solidFill>
-                <a:latin typeface="Caviar Dreams" pitchFamily="34" charset="0"/>
-                <a:cs typeface="Caviar Dreams" pitchFamily="34" charset="0"/>
-              </a:rPr>
-              <a:t> "점프킹" 게임을 2차원 윈도우 회면으로 모작하였습니다. </a:t>
-            </a:r>
-          </a:p>
-          <a:p>
-            <a:r>
-              <a:rPr lang="en-US" sz="2000" dirty="0">
-                <a:solidFill>
-                  <a:srgbClr val="595959"/>
-                </a:solidFill>
-                <a:latin typeface="Caviar Dreams" pitchFamily="34" charset="0"/>
-                <a:cs typeface="Caviar Dreams" pitchFamily="34" charset="0"/>
-              </a:rPr>
-              <a:t> </a:t>
-            </a:r>
-            <a:r>
-              <a:rPr lang="en-US" sz="2000" dirty="0" err="1">
-                <a:solidFill>
-                  <a:srgbClr val="595959"/>
-                </a:solidFill>
-                <a:latin typeface="Caviar Dreams" pitchFamily="34" charset="0"/>
-                <a:cs typeface="Caviar Dreams" pitchFamily="34" charset="0"/>
-              </a:rPr>
-              <a:t>스페이스</a:t>
-            </a:r>
-            <a:r>
-              <a:rPr lang="en-US" sz="2000" dirty="0">
-                <a:solidFill>
-                  <a:srgbClr val="595959"/>
-                </a:solidFill>
-                <a:latin typeface="Caviar Dreams" pitchFamily="34" charset="0"/>
-                <a:cs typeface="Caviar Dreams" pitchFamily="34" charset="0"/>
-              </a:rPr>
-              <a:t> 바와 방향키 단 2개로 조작을 통해 변하는 </a:t>
-            </a:r>
-            <a:r>
-              <a:rPr lang="en-US" sz="2000" dirty="0" err="1">
-                <a:solidFill>
-                  <a:srgbClr val="595959"/>
-                </a:solidFill>
-                <a:latin typeface="Caviar Dreams" pitchFamily="34" charset="0"/>
-                <a:cs typeface="Caviar Dreams" pitchFamily="34" charset="0"/>
-              </a:rPr>
-              <a:t>점프를</a:t>
-            </a:r>
-            <a:r>
-              <a:rPr lang="en-US" sz="2000" dirty="0">
-                <a:solidFill>
-                  <a:srgbClr val="595959"/>
-                </a:solidFill>
-                <a:latin typeface="Caviar Dreams" pitchFamily="34" charset="0"/>
-                <a:cs typeface="Caviar Dreams" pitchFamily="34" charset="0"/>
-              </a:rPr>
-              <a:t> </a:t>
-            </a:r>
-            <a:r>
-              <a:rPr lang="en-US" sz="2000" dirty="0" err="1">
-                <a:solidFill>
-                  <a:srgbClr val="595959"/>
-                </a:solidFill>
-                <a:latin typeface="Caviar Dreams" pitchFamily="34" charset="0"/>
-                <a:cs typeface="Caviar Dreams" pitchFamily="34" charset="0"/>
-              </a:rPr>
               <a:t>하면서</a:t>
             </a:r>
-            <a:endParaRPr lang="en-US" sz="2000" dirty="0">
+            <a:endParaRPr lang="en-US" sz="1800" dirty="0">
               <a:solidFill>
                 <a:srgbClr val="595959"/>
               </a:solidFill>
@@ -3691,7 +7097,7 @@
           </a:p>
           <a:p>
             <a:r>
-              <a:rPr lang="en-US" sz="2000" dirty="0">
+              <a:rPr lang="en-US" sz="1800" dirty="0">
                 <a:solidFill>
                   <a:srgbClr val="595959"/>
                 </a:solidFill>
@@ -3702,7 +7108,7 @@
             </a:r>
           </a:p>
           <a:p>
-            <a:endParaRPr lang="en-US" sz="2000" dirty="0">
+            <a:endParaRPr lang="en-US" sz="1800" dirty="0">
               <a:solidFill>
                 <a:srgbClr val="595959"/>
               </a:solidFill>
@@ -3712,7 +7118,7 @@
           </a:p>
           <a:p>
             <a:r>
-              <a:rPr lang="en-US" sz="2000" b="1" dirty="0">
+              <a:rPr lang="en-US" sz="1800" dirty="0">
                 <a:solidFill>
                   <a:srgbClr val="595959"/>
                 </a:solidFill>
@@ -3735,9 +7141,9 @@
 </p:sld>
 </file>
 
-<file path=ppt/slides/slide3.xml><?xml version="1.0" encoding="utf-8"?>
+<file path=ppt/slides/slide6.xml><?xml version="1.0" encoding="utf-8"?>
 <p:sld xmlns:a="http://schemas.openxmlformats.org/drawingml/2006/main" xmlns:r="http://schemas.openxmlformats.org/officeDocument/2006/relationships" xmlns:p="http://schemas.openxmlformats.org/presentationml/2006/main">
-  <p:cSld name="Slide 3">
+  <p:cSld name="Slide 6">
     <p:bg>
       <p:bgPr>
         <a:solidFill>
@@ -3894,8 +7300,8 @@
         </p:nvSpPr>
         <p:spPr>
           <a:xfrm>
-            <a:off x="300464" y="7677641"/>
-            <a:ext cx="9516869" cy="707886"/>
+            <a:off x="902159" y="7747025"/>
+            <a:ext cx="9516869" cy="646331"/>
           </a:xfrm>
           <a:prstGeom prst="rect">
             <a:avLst/>
@@ -3909,48 +7315,38 @@
           <a:lstStyle/>
           <a:p>
             <a:r>
-              <a:rPr lang="en-US" sz="2000" dirty="0">
+              <a:rPr lang="en-US" sz="1800" dirty="0">
                 <a:solidFill>
                   <a:srgbClr val="595959"/>
                 </a:solidFill>
                 <a:latin typeface="Caviar Dreams" pitchFamily="34" charset="0"/>
                 <a:cs typeface="Caviar Dreams" pitchFamily="34" charset="0"/>
               </a:rPr>
-              <a:t>Python 을 이용하여 스프라이트 애니메이션, 충돌검사, </a:t>
-            </a:r>
-            <a:r>
-              <a:rPr lang="en-US" sz="2000" dirty="0" err="1">
+              <a:t>Python 을 이용하여 스프라이트 애니메이션, 충돌검사, 타일링, </a:t>
+            </a:r>
+          </a:p>
+          <a:p>
+            <a:r>
+              <a:rPr lang="en-US" sz="1800" dirty="0" err="1">
                 <a:solidFill>
                   <a:srgbClr val="595959"/>
                 </a:solidFill>
                 <a:latin typeface="Caviar Dreams" pitchFamily="34" charset="0"/>
                 <a:cs typeface="Caviar Dreams" pitchFamily="34" charset="0"/>
               </a:rPr>
-              <a:t>타일링</a:t>
-            </a:r>
-            <a:r>
-              <a:rPr lang="en-US" sz="2000" dirty="0">
+              <a:t>마우스</a:t>
+            </a:r>
+            <a:r>
+              <a:rPr lang="en-US" sz="1800" dirty="0">
                 <a:solidFill>
                   <a:srgbClr val="595959"/>
                 </a:solidFill>
                 <a:latin typeface="Caviar Dreams" pitchFamily="34" charset="0"/>
                 <a:cs typeface="Caviar Dreams" pitchFamily="34" charset="0"/>
               </a:rPr>
-              <a:t>,</a:t>
-            </a:r>
-          </a:p>
-          <a:p>
-            <a:r>
-              <a:rPr lang="en-US" sz="2000" dirty="0">
-                <a:solidFill>
-                  <a:srgbClr val="595959"/>
-                </a:solidFill>
-                <a:latin typeface="Caviar Dreams" pitchFamily="34" charset="0"/>
-                <a:cs typeface="Caviar Dreams" pitchFamily="34" charset="0"/>
-              </a:rPr>
-              <a:t> 마우스 입출력, 등의 기법을 이용하여 제작하였습니다. </a:t>
-            </a:r>
-            <a:endParaRPr lang="en-US" sz="2000" dirty="0"/>
+              <a:t> 입출력, 등의 기법을 이용하여 제작하였습니다. </a:t>
+            </a:r>
+            <a:endParaRPr lang="en-US" dirty="0"/>
           </a:p>
         </p:txBody>
       </p:sp>
@@ -4020,8 +7416,8 @@
         </p:nvSpPr>
         <p:spPr>
           <a:xfrm>
-            <a:off x="498350" y="3747643"/>
-            <a:ext cx="6614973" cy="629006"/>
+            <a:off x="829036" y="3707029"/>
+            <a:ext cx="9488298" cy="1156737"/>
           </a:xfrm>
           <a:prstGeom prst="rect">
             <a:avLst/>
@@ -4044,6 +7440,18 @@
               </a:rPr>
               <a:t>https://youtu.be/5R0z09ZBz7Q</a:t>
             </a:r>
+          </a:p>
+          <a:p>
+            <a:r>
+              <a:rPr lang="en-US" sz="2300" b="1" u="sng" kern="0" spc="100" dirty="0">
+                <a:solidFill>
+                  <a:srgbClr val="595959"/>
+                </a:solidFill>
+                <a:latin typeface="Caviar Dreams" pitchFamily="34" charset="0"/>
+                <a:cs typeface="Caviar Dreams" pitchFamily="34" charset="0"/>
+              </a:rPr>
+              <a:t>https://github.com/BackOwl/MakeProject</a:t>
+            </a:r>
             <a:endParaRPr lang="en-US" dirty="0"/>
           </a:p>
         </p:txBody>
@@ -4056,8 +7464,8 @@
         </p:nvSpPr>
         <p:spPr>
           <a:xfrm>
-            <a:off x="498350" y="4439042"/>
-            <a:ext cx="9828508" cy="3447098"/>
+            <a:off x="902159" y="4852337"/>
+            <a:ext cx="9828508" cy="6694975"/>
           </a:xfrm>
           <a:prstGeom prst="rect">
             <a:avLst/>
@@ -4071,142 +7479,102 @@
           <a:lstStyle/>
           <a:p>
             <a:r>
-              <a:rPr lang="en-US" sz="2000" b="1" dirty="0">
+              <a:rPr lang="en-US" sz="1800" dirty="0">
                 <a:solidFill>
                   <a:srgbClr val="595959"/>
                 </a:solidFill>
                 <a:latin typeface="Caviar Dreams" pitchFamily="34" charset="0"/>
                 <a:cs typeface="Caviar Dreams" pitchFamily="34" charset="0"/>
               </a:rPr>
-              <a:t>제작 인원: </a:t>
-            </a:r>
-            <a:r>
-              <a:rPr lang="en-US" sz="2000" dirty="0">
+              <a:t>제작 인원: 1명 </a:t>
+            </a:r>
+          </a:p>
+          <a:p>
+            <a:r>
+              <a:rPr lang="en-US" sz="1800" dirty="0">
                 <a:solidFill>
                   <a:srgbClr val="595959"/>
                 </a:solidFill>
                 <a:latin typeface="Caviar Dreams" pitchFamily="34" charset="0"/>
                 <a:cs typeface="Caviar Dreams" pitchFamily="34" charset="0"/>
               </a:rPr>
-              <a:t>1명 </a:t>
-            </a:r>
-          </a:p>
-          <a:p>
-            <a:r>
-              <a:rPr lang="en-US" sz="2000" b="1" dirty="0">
+              <a:t>사용 언어: Python</a:t>
+            </a:r>
+          </a:p>
+          <a:p>
+            <a:r>
+              <a:rPr lang="en-US" sz="1800" dirty="0">
                 <a:solidFill>
                   <a:srgbClr val="595959"/>
                 </a:solidFill>
                 <a:latin typeface="Caviar Dreams" pitchFamily="34" charset="0"/>
                 <a:cs typeface="Caviar Dreams" pitchFamily="34" charset="0"/>
               </a:rPr>
-              <a:t>사용 언어: </a:t>
-            </a:r>
-            <a:r>
-              <a:rPr lang="en-US" sz="2000" dirty="0">
+              <a:t>개발 환경: Pycham, Python 3.10</a:t>
+            </a:r>
+          </a:p>
+          <a:p>
+            <a:r>
+              <a:rPr lang="en-US" sz="1800" dirty="0">
                 <a:solidFill>
                   <a:srgbClr val="595959"/>
                 </a:solidFill>
                 <a:latin typeface="Caviar Dreams" pitchFamily="34" charset="0"/>
                 <a:cs typeface="Caviar Dreams" pitchFamily="34" charset="0"/>
               </a:rPr>
-              <a:t>Python</a:t>
-            </a:r>
-          </a:p>
-          <a:p>
-            <a:r>
-              <a:rPr lang="en-US" sz="2000" b="1" dirty="0">
+              <a:t>역할: 클라이언트 </a:t>
+            </a:r>
+          </a:p>
+          <a:p>
+            <a:r>
+              <a:rPr lang="en-US" sz="1800" dirty="0">
                 <a:solidFill>
                   <a:srgbClr val="595959"/>
                 </a:solidFill>
                 <a:latin typeface="Caviar Dreams" pitchFamily="34" charset="0"/>
                 <a:cs typeface="Caviar Dreams" pitchFamily="34" charset="0"/>
               </a:rPr>
-              <a:t>개발 환경: </a:t>
-            </a:r>
-            <a:r>
-              <a:rPr lang="en-US" sz="2000" dirty="0">
+              <a:t>게임 내용: </a:t>
+            </a:r>
+          </a:p>
+          <a:p>
+            <a:r>
+              <a:rPr lang="en-US" sz="1800" dirty="0">
                 <a:solidFill>
                   <a:srgbClr val="595959"/>
                 </a:solidFill>
                 <a:latin typeface="Caviar Dreams" pitchFamily="34" charset="0"/>
                 <a:cs typeface="Caviar Dreams" pitchFamily="34" charset="0"/>
               </a:rPr>
-              <a:t>Pycham, Python 3.10</a:t>
-            </a:r>
-          </a:p>
-          <a:p>
-            <a:r>
-              <a:rPr lang="en-US" sz="2000" b="1" dirty="0">
+              <a:t>기존 "Moonlight" 게임을 Python으로 모작하였습니다. </a:t>
+            </a:r>
+          </a:p>
+          <a:p>
+            <a:r>
+              <a:rPr lang="en-US" sz="1800" dirty="0">
                 <a:solidFill>
                   <a:srgbClr val="595959"/>
                 </a:solidFill>
                 <a:latin typeface="Caviar Dreams" pitchFamily="34" charset="0"/>
                 <a:cs typeface="Caviar Dreams" pitchFamily="34" charset="0"/>
               </a:rPr>
-              <a:t>역할: </a:t>
-            </a:r>
-            <a:r>
-              <a:rPr lang="en-US" sz="2000" dirty="0">
+              <a:t>쫒아오는 몬스터들을 굴러 피하고 두 가지 무기로 싸워 던전의 끝에 </a:t>
+            </a:r>
+          </a:p>
+          <a:p>
+            <a:r>
+              <a:rPr lang="en-US" sz="1800" dirty="0">
                 <a:solidFill>
                   <a:srgbClr val="595959"/>
                 </a:solidFill>
                 <a:latin typeface="Caviar Dreams" pitchFamily="34" charset="0"/>
                 <a:cs typeface="Caviar Dreams" pitchFamily="34" charset="0"/>
               </a:rPr>
-              <a:t>클라이언트 </a:t>
-            </a:r>
-          </a:p>
-          <a:p>
-            <a:r>
-              <a:rPr lang="en-US" sz="2000" b="1" dirty="0">
-                <a:solidFill>
-                  <a:srgbClr val="595959"/>
-                </a:solidFill>
-                <a:latin typeface="Caviar Dreams" pitchFamily="34" charset="0"/>
-                <a:cs typeface="Caviar Dreams" pitchFamily="34" charset="0"/>
-              </a:rPr>
-              <a:t>게임 내용: </a:t>
-            </a:r>
-          </a:p>
-          <a:p>
-            <a:r>
-              <a:rPr lang="en-US" sz="2000" dirty="0">
-                <a:solidFill>
-                  <a:srgbClr val="595959"/>
-                </a:solidFill>
-                <a:latin typeface="Caviar Dreams" pitchFamily="34" charset="0"/>
-                <a:cs typeface="Caviar Dreams" pitchFamily="34" charset="0"/>
-              </a:rPr>
-              <a:t>기존 "Moonlight" 게임을 Python으로 모작하였습니다. </a:t>
-            </a:r>
-          </a:p>
-          <a:p>
-            <a:r>
-              <a:rPr lang="en-US" sz="2000" dirty="0">
-                <a:solidFill>
-                  <a:srgbClr val="595959"/>
-                </a:solidFill>
-                <a:latin typeface="Caviar Dreams" pitchFamily="34" charset="0"/>
-                <a:cs typeface="Caviar Dreams" pitchFamily="34" charset="0"/>
-              </a:rPr>
-              <a:t>쫒아오는 몬스터들을 굴러 피하고 두 가지 무기로 싸워 던전의 끝에 </a:t>
-            </a:r>
-          </a:p>
-          <a:p>
-            <a:r>
-              <a:rPr lang="en-US" sz="2000" dirty="0">
-                <a:solidFill>
-                  <a:srgbClr val="595959"/>
-                </a:solidFill>
-                <a:latin typeface="Caviar Dreams" pitchFamily="34" charset="0"/>
-                <a:cs typeface="Caviar Dreams" pitchFamily="34" charset="0"/>
-              </a:rPr>
               <a:t>도달하는 게임</a:t>
             </a:r>
           </a:p>
           <a:p>
-            <a:endParaRPr lang="en-US" sz="2000" dirty="0">
+            <a:endParaRPr lang="en-US" sz="1800" dirty="0">
               <a:solidFill>
                 <a:srgbClr val="595959"/>
               </a:solidFill>
@@ -4216,7 +7584,7 @@
           </a:p>
           <a:p>
             <a:r>
-              <a:rPr lang="en-US" sz="2000" b="1" dirty="0">
+              <a:rPr lang="en-US" sz="1800" dirty="0">
                 <a:solidFill>
                   <a:srgbClr val="595959"/>
                 </a:solidFill>
@@ -4239,9 +7607,9 @@
 </p:sld>
 </file>
 
-<file path=ppt/slides/slide4.xml><?xml version="1.0" encoding="utf-8"?>
+<file path=ppt/slides/slide7.xml><?xml version="1.0" encoding="utf-8"?>
 <p:sld xmlns:a="http://schemas.openxmlformats.org/drawingml/2006/main" xmlns:r="http://schemas.openxmlformats.org/officeDocument/2006/relationships" xmlns:p="http://schemas.openxmlformats.org/presentationml/2006/main">
-  <p:cSld name="Slide 4">
+  <p:cSld name="Slide 7">
     <p:bg>
       <p:bgPr>
         <a:solidFill>
@@ -4272,10 +7640,10 @@
         </p:nvGrpSpPr>
         <p:grpSpPr>
           <a:xfrm>
-            <a:off x="6073742" y="527234"/>
-            <a:ext cx="13780506" cy="7156616"/>
-            <a:chOff x="6230029" y="1193925"/>
-            <a:chExt cx="12064514" cy="5718776"/>
+            <a:off x="6230029" y="1193924"/>
+            <a:ext cx="12064514" cy="7042167"/>
+            <a:chOff x="6230029" y="1193924"/>
+            <a:chExt cx="12064514" cy="7042167"/>
           </a:xfrm>
         </p:grpSpPr>
         <p:pic>
@@ -4286,15 +7654,16 @@
             </p:cNvPicPr>
             <p:nvPr/>
           </p:nvPicPr>
-          <p:blipFill rotWithShape="1">
+          <p:blipFill>
             <a:blip r:embed="rId2" cstate="print"/>
-            <a:srcRect b="18793"/>
-            <a:stretch/>
+            <a:stretch>
+              <a:fillRect/>
+            </a:stretch>
           </p:blipFill>
           <p:spPr>
             <a:xfrm>
-              <a:off x="6230029" y="1193925"/>
-              <a:ext cx="12064514" cy="5718776"/>
+              <a:off x="6230029" y="1193924"/>
+              <a:ext cx="12064514" cy="7042167"/>
             </a:xfrm>
             <a:prstGeom prst="rect">
               <a:avLst/>
@@ -4445,8 +7814,8 @@
         </p:nvSpPr>
         <p:spPr>
           <a:xfrm>
-            <a:off x="870139" y="6887038"/>
-            <a:ext cx="9831155" cy="984885"/>
+            <a:off x="870139" y="7734061"/>
+            <a:ext cx="9831155" cy="2345084"/>
           </a:xfrm>
           <a:prstGeom prst="rect">
             <a:avLst/>
@@ -4460,7 +7829,7 @@
           <a:lstStyle/>
           <a:p>
             <a:r>
-              <a:rPr lang="en-US" sz="2000" dirty="0">
+              <a:rPr lang="en-US" sz="1800" dirty="0">
                 <a:solidFill>
                   <a:srgbClr val="595959"/>
                 </a:solidFill>
@@ -4472,7 +7841,7 @@
           </a:p>
           <a:p>
             <a:r>
-              <a:rPr lang="en-US" sz="2000" dirty="0">
+              <a:rPr lang="en-US" sz="1800" dirty="0">
                 <a:solidFill>
                   <a:srgbClr val="595959"/>
                 </a:solidFill>
@@ -4554,7 +7923,7 @@
         <p:spPr>
           <a:xfrm>
             <a:off x="870139" y="4270733"/>
-            <a:ext cx="13780506" cy="2831544"/>
+            <a:ext cx="13780506" cy="5452134"/>
           </a:xfrm>
           <a:prstGeom prst="rect">
             <a:avLst/>
@@ -4568,218 +7937,78 @@
           <a:lstStyle/>
           <a:p>
             <a:r>
-              <a:rPr lang="en-US" sz="2000" b="1" dirty="0">
+              <a:rPr lang="en-US" sz="1800" dirty="0">
                 <a:solidFill>
                   <a:srgbClr val="595959"/>
                 </a:solidFill>
                 <a:latin typeface="Caviar Dreams" pitchFamily="34" charset="0"/>
                 <a:cs typeface="Caviar Dreams" pitchFamily="34" charset="0"/>
               </a:rPr>
-              <a:t>제작 인원</a:t>
-            </a:r>
-            <a:r>
-              <a:rPr lang="en-US" sz="2000" dirty="0">
+              <a:t>제작 인원: 1명 </a:t>
+            </a:r>
+          </a:p>
+          <a:p>
+            <a:r>
+              <a:rPr lang="en-US" sz="1800" dirty="0">
                 <a:solidFill>
                   <a:srgbClr val="595959"/>
                 </a:solidFill>
                 <a:latin typeface="Caviar Dreams" pitchFamily="34" charset="0"/>
                 <a:cs typeface="Caviar Dreams" pitchFamily="34" charset="0"/>
               </a:rPr>
-              <a:t>: 1명 </a:t>
-            </a:r>
-          </a:p>
-          <a:p>
-            <a:r>
-              <a:rPr lang="en-US" sz="2000" b="1" dirty="0">
+              <a:t>사용 언어: Python</a:t>
+            </a:r>
+          </a:p>
+          <a:p>
+            <a:r>
+              <a:rPr lang="en-US" sz="1800" dirty="0">
                 <a:solidFill>
                   <a:srgbClr val="595959"/>
                 </a:solidFill>
                 <a:latin typeface="Caviar Dreams" pitchFamily="34" charset="0"/>
                 <a:cs typeface="Caviar Dreams" pitchFamily="34" charset="0"/>
               </a:rPr>
-              <a:t>사용 언어: </a:t>
-            </a:r>
-            <a:r>
-              <a:rPr lang="en-US" sz="2000" dirty="0">
+              <a:t>개발 환경: Pycham, Python 3.10</a:t>
+            </a:r>
+          </a:p>
+          <a:p>
+            <a:r>
+              <a:rPr lang="en-US" sz="1800" dirty="0">
                 <a:solidFill>
                   <a:srgbClr val="595959"/>
                 </a:solidFill>
                 <a:latin typeface="Caviar Dreams" pitchFamily="34" charset="0"/>
                 <a:cs typeface="Caviar Dreams" pitchFamily="34" charset="0"/>
               </a:rPr>
-              <a:t>Python</a:t>
-            </a:r>
-          </a:p>
-          <a:p>
-            <a:r>
-              <a:rPr lang="en-US" sz="2000" b="1" dirty="0">
+              <a:t>역할: 클라이언트 </a:t>
+            </a:r>
+          </a:p>
+          <a:p>
+            <a:r>
+              <a:rPr lang="en-US" sz="1800" dirty="0">
                 <a:solidFill>
                   <a:srgbClr val="595959"/>
                 </a:solidFill>
                 <a:latin typeface="Caviar Dreams" pitchFamily="34" charset="0"/>
                 <a:cs typeface="Caviar Dreams" pitchFamily="34" charset="0"/>
               </a:rPr>
-              <a:t>개발 환경: </a:t>
-            </a:r>
-            <a:r>
-              <a:rPr lang="en-US" sz="2000" dirty="0">
+              <a:t>프로그램 내용: 인터넷 검색시 느낀 불편함을 해소하는 도움을 기반으로 파이썬 기능들을 </a:t>
+            </a:r>
+          </a:p>
+          <a:p>
+            <a:r>
+              <a:rPr lang="en-US" sz="1800" dirty="0">
                 <a:solidFill>
                   <a:srgbClr val="595959"/>
                 </a:solidFill>
                 <a:latin typeface="Caviar Dreams" pitchFamily="34" charset="0"/>
                 <a:cs typeface="Caviar Dreams" pitchFamily="34" charset="0"/>
               </a:rPr>
-              <a:t>Pycham, Python 3.10</a:t>
-            </a:r>
-          </a:p>
-          <a:p>
-            <a:r>
-              <a:rPr lang="en-US" sz="2000" b="1" dirty="0">
-                <a:solidFill>
-                  <a:srgbClr val="595959"/>
-                </a:solidFill>
-                <a:latin typeface="Caviar Dreams" pitchFamily="34" charset="0"/>
-                <a:cs typeface="Caviar Dreams" pitchFamily="34" charset="0"/>
-              </a:rPr>
-              <a:t>역할: </a:t>
-            </a:r>
-            <a:r>
-              <a:rPr lang="en-US" sz="2000" dirty="0">
-                <a:solidFill>
-                  <a:srgbClr val="595959"/>
-                </a:solidFill>
-                <a:latin typeface="Caviar Dreams" pitchFamily="34" charset="0"/>
-                <a:cs typeface="Caviar Dreams" pitchFamily="34" charset="0"/>
-              </a:rPr>
-              <a:t>클라이언트 </a:t>
-            </a:r>
-          </a:p>
-          <a:p>
-            <a:r>
-              <a:rPr lang="en-US" sz="2000" b="1" dirty="0">
-                <a:solidFill>
-                  <a:srgbClr val="595959"/>
-                </a:solidFill>
-                <a:latin typeface="Caviar Dreams" pitchFamily="34" charset="0"/>
-                <a:cs typeface="Caviar Dreams" pitchFamily="34" charset="0"/>
-              </a:rPr>
-              <a:t>프로그램 내용: </a:t>
-            </a:r>
-            <a:r>
-              <a:rPr lang="en-US" sz="2000" dirty="0">
-                <a:solidFill>
-                  <a:srgbClr val="595959"/>
-                </a:solidFill>
-                <a:latin typeface="Caviar Dreams" pitchFamily="34" charset="0"/>
-                <a:cs typeface="Caviar Dreams" pitchFamily="34" charset="0"/>
-              </a:rPr>
-              <a:t>인터넷 검색시 느낀 불편함을 해소하는 도움을 </a:t>
-            </a:r>
-            <a:r>
-              <a:rPr lang="en-US" sz="2000" dirty="0" err="1">
-                <a:solidFill>
-                  <a:srgbClr val="595959"/>
-                </a:solidFill>
-                <a:latin typeface="Caviar Dreams" pitchFamily="34" charset="0"/>
-                <a:cs typeface="Caviar Dreams" pitchFamily="34" charset="0"/>
-              </a:rPr>
-              <a:t>기반으로</a:t>
-            </a:r>
-            <a:r>
-              <a:rPr lang="en-US" sz="2000" dirty="0">
-                <a:solidFill>
-                  <a:srgbClr val="595959"/>
-                </a:solidFill>
-                <a:latin typeface="Caviar Dreams" pitchFamily="34" charset="0"/>
-                <a:cs typeface="Caviar Dreams" pitchFamily="34" charset="0"/>
-              </a:rPr>
-              <a:t> </a:t>
-            </a:r>
-          </a:p>
-          <a:p>
-            <a:r>
-              <a:rPr lang="en-US" sz="2000" dirty="0" err="1">
-                <a:solidFill>
-                  <a:srgbClr val="595959"/>
-                </a:solidFill>
-                <a:latin typeface="Caviar Dreams" pitchFamily="34" charset="0"/>
-                <a:cs typeface="Caviar Dreams" pitchFamily="34" charset="0"/>
-              </a:rPr>
-              <a:t>파이썬</a:t>
-            </a:r>
-            <a:r>
-              <a:rPr lang="en-US" sz="2000" dirty="0">
-                <a:solidFill>
-                  <a:srgbClr val="595959"/>
-                </a:solidFill>
-                <a:latin typeface="Caviar Dreams" pitchFamily="34" charset="0"/>
-                <a:cs typeface="Caviar Dreams" pitchFamily="34" charset="0"/>
-              </a:rPr>
-              <a:t> </a:t>
-            </a:r>
-            <a:r>
-              <a:rPr lang="en-US" sz="2000" dirty="0" err="1">
-                <a:solidFill>
-                  <a:srgbClr val="595959"/>
-                </a:solidFill>
-                <a:latin typeface="Caviar Dreams" pitchFamily="34" charset="0"/>
-                <a:cs typeface="Caviar Dreams" pitchFamily="34" charset="0"/>
-              </a:rPr>
-              <a:t>기능</a:t>
-            </a:r>
-            <a:r>
-              <a:rPr lang="en-US" sz="2000" dirty="0">
-                <a:solidFill>
-                  <a:srgbClr val="595959"/>
-                </a:solidFill>
-                <a:latin typeface="Caviar Dreams" pitchFamily="34" charset="0"/>
-                <a:cs typeface="Caviar Dreams" pitchFamily="34" charset="0"/>
-              </a:rPr>
-              <a:t> </a:t>
-            </a:r>
-            <a:r>
-              <a:rPr lang="en-US" sz="2000" dirty="0" err="1">
-                <a:solidFill>
-                  <a:srgbClr val="595959"/>
-                </a:solidFill>
-                <a:latin typeface="Caviar Dreams" pitchFamily="34" charset="0"/>
-                <a:cs typeface="Caviar Dreams" pitchFamily="34" charset="0"/>
-              </a:rPr>
-              <a:t>들을</a:t>
-            </a:r>
-            <a:r>
-              <a:rPr lang="en-US" sz="2000" dirty="0">
-                <a:solidFill>
-                  <a:srgbClr val="595959"/>
-                </a:solidFill>
-                <a:latin typeface="Caviar Dreams" pitchFamily="34" charset="0"/>
-                <a:cs typeface="Caviar Dreams" pitchFamily="34" charset="0"/>
-              </a:rPr>
-              <a:t> </a:t>
-            </a:r>
-            <a:r>
-              <a:rPr lang="en-US" sz="2000" dirty="0" err="1">
-                <a:solidFill>
-                  <a:srgbClr val="595959"/>
-                </a:solidFill>
-                <a:latin typeface="Caviar Dreams" pitchFamily="34" charset="0"/>
-                <a:cs typeface="Caviar Dreams" pitchFamily="34" charset="0"/>
-              </a:rPr>
-              <a:t>구현해본</a:t>
-            </a:r>
-            <a:r>
-              <a:rPr lang="en-US" sz="2000" dirty="0">
-                <a:solidFill>
-                  <a:srgbClr val="595959"/>
-                </a:solidFill>
-                <a:latin typeface="Caviar Dreams" pitchFamily="34" charset="0"/>
-                <a:cs typeface="Caviar Dreams" pitchFamily="34" charset="0"/>
-              </a:rPr>
-              <a:t> 프로그램 </a:t>
-            </a:r>
-          </a:p>
-          <a:p>
-            <a:endParaRPr lang="en-US" sz="2000" dirty="0">
+              <a:t>구현해본 프로그램 </a:t>
+            </a:r>
+          </a:p>
+          <a:p>
+            <a:endParaRPr lang="en-US" sz="1800" dirty="0">
               <a:solidFill>
                 <a:srgbClr val="595959"/>
               </a:solidFill>
@@ -4789,7 +8018,7 @@
           </a:p>
           <a:p>
             <a:r>
-              <a:rPr lang="en-US" sz="2000" b="1" dirty="0">
+              <a:rPr lang="en-US" sz="1800" dirty="0">
                 <a:solidFill>
                   <a:srgbClr val="595959"/>
                 </a:solidFill>
@@ -4800,877 +8029,6 @@
             </a:r>
           </a:p>
           <a:p>
-            <a:endParaRPr lang="en-US" dirty="0"/>
-          </a:p>
-        </p:txBody>
-      </p:sp>
-    </p:spTree>
-  </p:cSld>
-  <p:clrMapOvr>
-    <a:masterClrMapping/>
-  </p:clrMapOvr>
-</p:sld>
-</file>
-
-<file path=ppt/slides/slide5.xml><?xml version="1.0" encoding="utf-8"?>
-<p:sld xmlns:a="http://schemas.openxmlformats.org/drawingml/2006/main" xmlns:r="http://schemas.openxmlformats.org/officeDocument/2006/relationships" xmlns:p="http://schemas.openxmlformats.org/presentationml/2006/main">
-  <p:cSld name="Slide 5">
-    <p:bg>
-      <p:bgPr>
-        <a:solidFill>
-          <a:srgbClr val="FFFFFF"/>
-        </a:solidFill>
-        <a:effectLst/>
-      </p:bgPr>
-    </p:bg>
-    <p:spTree>
-      <p:nvGrpSpPr>
-        <p:cNvPr id="1" name=""/>
-        <p:cNvGrpSpPr/>
-        <p:nvPr/>
-      </p:nvGrpSpPr>
-      <p:grpSpPr>
-        <a:xfrm>
-          <a:off x="0" y="0"/>
-          <a:ext cx="0" cy="0"/>
-          <a:chOff x="0" y="0"/>
-          <a:chExt cx="0" cy="0"/>
-        </a:xfrm>
-      </p:grpSpPr>
-      <p:sp>
-        <p:nvSpPr>
-          <p:cNvPr id="2" name="Object 2"/>
-          <p:cNvSpPr txBox="1"/>
-          <p:nvPr/>
-        </p:nvSpPr>
-        <p:spPr>
-          <a:xfrm>
-            <a:off x="889187" y="3749792"/>
-            <a:ext cx="6517065" cy="629006"/>
-          </a:xfrm>
-          <a:prstGeom prst="rect">
-            <a:avLst/>
-          </a:prstGeom>
-          <a:noFill/>
-        </p:spPr>
-        <p:txBody>
-          <a:bodyPr wrap="square" rtlCol="0" anchor="ctr">
-            <a:spAutoFit/>
-          </a:bodyPr>
-          <a:lstStyle/>
-          <a:p>
-            <a:r>
-              <a:rPr lang="en-US" sz="2300" b="1" u="sng" kern="0" spc="100" dirty="0">
-                <a:solidFill>
-                  <a:srgbClr val="595959"/>
-                </a:solidFill>
-                <a:latin typeface="Caviar Dreams" pitchFamily="34" charset="0"/>
-                <a:cs typeface="Caviar Dreams" pitchFamily="34" charset="0"/>
-              </a:rPr>
-              <a:t>https://youtu.be/g3_3ekPcsl0</a:t>
-            </a:r>
-            <a:endParaRPr lang="en-US" dirty="0"/>
-          </a:p>
-        </p:txBody>
-      </p:sp>
-      <p:sp>
-        <p:nvSpPr>
-          <p:cNvPr id="3" name="Object 3"/>
-          <p:cNvSpPr txBox="1"/>
-          <p:nvPr/>
-        </p:nvSpPr>
-        <p:spPr>
-          <a:xfrm>
-            <a:off x="889187" y="1371241"/>
-            <a:ext cx="8120637" cy="2447867"/>
-          </a:xfrm>
-          <a:prstGeom prst="rect">
-            <a:avLst/>
-          </a:prstGeom>
-          <a:noFill/>
-        </p:spPr>
-        <p:txBody>
-          <a:bodyPr wrap="square" rtlCol="0" anchor="ctr">
-            <a:spAutoFit/>
-          </a:bodyPr>
-          <a:lstStyle/>
-          <a:p>
-            <a:r>
-              <a:rPr lang="en-US" sz="6100" kern="0" spc="200" dirty="0">
-                <a:solidFill>
-                  <a:srgbClr val="595959"/>
-                </a:solidFill>
-                <a:latin typeface="Caviar Dreams" pitchFamily="34" charset="0"/>
-                <a:cs typeface="Caviar Dreams" pitchFamily="34" charset="0"/>
-              </a:rPr>
-              <a:t>Star Giant</a:t>
-            </a:r>
-          </a:p>
-          <a:p>
-            <a:r>
-              <a:rPr lang="en-US" sz="3100" b="1" kern="0" spc="100" dirty="0">
-                <a:solidFill>
-                  <a:srgbClr val="595959"/>
-                </a:solidFill>
-                <a:latin typeface="Caviar Dreams" pitchFamily="34" charset="0"/>
-                <a:cs typeface="Caviar Dreams" pitchFamily="34" charset="0"/>
-              </a:rPr>
-              <a:t>2022.10 ~ 2023.8(약 11개월)</a:t>
-            </a:r>
-            <a:endParaRPr lang="en-US" dirty="0"/>
-          </a:p>
-        </p:txBody>
-      </p:sp>
-      <p:grpSp>
-        <p:nvGrpSpPr>
-          <p:cNvPr id="1001" name="그룹 1001"/>
-          <p:cNvGrpSpPr/>
-          <p:nvPr/>
-        </p:nvGrpSpPr>
-        <p:grpSpPr>
-          <a:xfrm>
-            <a:off x="889187" y="3781746"/>
-            <a:ext cx="375065" cy="72881"/>
-            <a:chOff x="889187" y="3781746"/>
-            <a:chExt cx="375065" cy="72881"/>
-          </a:xfrm>
-        </p:grpSpPr>
-        <p:pic>
-          <p:nvPicPr>
-            <p:cNvPr id="5" name="Object 4"/>
-            <p:cNvPicPr>
-              <a:picLocks noChangeAspect="1"/>
-            </p:cNvPicPr>
-            <p:nvPr/>
-          </p:nvPicPr>
-          <p:blipFill>
-            <a:blip r:embed="rId2" cstate="print"/>
-            <a:stretch>
-              <a:fillRect/>
-            </a:stretch>
-          </p:blipFill>
-          <p:spPr>
-            <a:xfrm>
-              <a:off x="889187" y="3781746"/>
-              <a:ext cx="375065" cy="72881"/>
-            </a:xfrm>
-            <a:prstGeom prst="rect">
-              <a:avLst/>
-            </a:prstGeom>
-          </p:spPr>
-        </p:pic>
-      </p:grpSp>
-      <p:grpSp>
-        <p:nvGrpSpPr>
-          <p:cNvPr id="1002" name="그룹 1002"/>
-          <p:cNvGrpSpPr/>
-          <p:nvPr/>
-        </p:nvGrpSpPr>
-        <p:grpSpPr>
-          <a:xfrm>
-            <a:off x="6776812" y="2016588"/>
-            <a:ext cx="11282882" cy="6214443"/>
-            <a:chOff x="6776812" y="2016588"/>
-            <a:chExt cx="11282882" cy="6214443"/>
-          </a:xfrm>
-        </p:grpSpPr>
-        <p:pic>
-          <p:nvPicPr>
-            <p:cNvPr id="8" name="Object 7"/>
-            <p:cNvPicPr>
-              <a:picLocks noChangeAspect="1"/>
-            </p:cNvPicPr>
-            <p:nvPr/>
-          </p:nvPicPr>
-          <p:blipFill>
-            <a:blip r:embed="rId3" cstate="print"/>
-            <a:stretch>
-              <a:fillRect/>
-            </a:stretch>
-          </p:blipFill>
-          <p:spPr>
-            <a:xfrm>
-              <a:off x="6776812" y="2016588"/>
-              <a:ext cx="11282882" cy="6214443"/>
-            </a:xfrm>
-            <a:prstGeom prst="rect">
-              <a:avLst/>
-            </a:prstGeom>
-          </p:spPr>
-        </p:pic>
-      </p:grpSp>
-      <p:sp>
-        <p:nvSpPr>
-          <p:cNvPr id="10" name="Object 10"/>
-          <p:cNvSpPr txBox="1"/>
-          <p:nvPr/>
-        </p:nvSpPr>
-        <p:spPr>
-          <a:xfrm>
-            <a:off x="889187" y="7080181"/>
-            <a:ext cx="5243039" cy="480845"/>
-          </a:xfrm>
-          <a:prstGeom prst="rect">
-            <a:avLst/>
-          </a:prstGeom>
-          <a:noFill/>
-        </p:spPr>
-        <p:txBody>
-          <a:bodyPr wrap="square" rtlCol="0" anchor="t">
-            <a:spAutoFit/>
-          </a:bodyPr>
-          <a:lstStyle/>
-          <a:p>
-            <a:r>
-              <a:rPr lang="en-US" sz="1800" dirty="0">
-                <a:solidFill>
-                  <a:srgbClr val="595959"/>
-                </a:solidFill>
-                <a:latin typeface="Caviar Dreams" pitchFamily="34" charset="0"/>
-                <a:cs typeface="Caviar Dreams" pitchFamily="34" charset="0"/>
-              </a:rPr>
-              <a:t>-------</a:t>
-            </a:r>
-            <a:endParaRPr lang="en-US" dirty="0"/>
-          </a:p>
-        </p:txBody>
-      </p:sp>
-      <p:sp>
-        <p:nvSpPr>
-          <p:cNvPr id="11" name="Object 11"/>
-          <p:cNvSpPr txBox="1"/>
-          <p:nvPr/>
-        </p:nvSpPr>
-        <p:spPr>
-          <a:xfrm>
-            <a:off x="17715235" y="527234"/>
-            <a:ext cx="840390" cy="3534912"/>
-          </a:xfrm>
-          <a:prstGeom prst="rect">
-            <a:avLst/>
-          </a:prstGeom>
-          <a:noFill/>
-        </p:spPr>
-        <p:txBody>
-          <a:bodyPr wrap="square" rtlCol="0" anchor="t">
-            <a:spAutoFit/>
-          </a:bodyPr>
-          <a:lstStyle/>
-          <a:p>
-            <a:r>
-              <a:rPr lang="en-US" sz="2100" b="1" kern="0" spc="1000" dirty="0">
-                <a:solidFill>
-                  <a:srgbClr val="FD8A69"/>
-                </a:solidFill>
-                <a:latin typeface="Caviar Dreams" pitchFamily="34" charset="0"/>
-                <a:cs typeface="Caviar Dreams" pitchFamily="34" charset="0"/>
-              </a:rPr>
-              <a:t>1 </a:t>
-            </a:r>
-            <a:r>
-              <a:rPr lang="en-US" sz="2100" b="1" kern="0" spc="1000" dirty="0">
-                <a:solidFill>
-                  <a:srgbClr val="FFFFFF"/>
-                </a:solidFill>
-                <a:latin typeface="Caviar Dreams" pitchFamily="34" charset="0"/>
-                <a:cs typeface="Caviar Dreams" pitchFamily="34" charset="0"/>
-              </a:rPr>
-              <a:t>2 3 4</a:t>
-            </a:r>
-          </a:p>
-          <a:p>
-            <a:r>
-              <a:rPr lang="en-US" sz="2100" b="1" kern="0" spc="1000" dirty="0">
-                <a:solidFill>
-                  <a:srgbClr val="FFFFFF"/>
-                </a:solidFill>
-                <a:latin typeface="Caviar Dreams" pitchFamily="34" charset="0"/>
-                <a:cs typeface="Caviar Dreams" pitchFamily="34" charset="0"/>
-              </a:rPr>
-              <a:t>5</a:t>
-            </a:r>
-            <a:endParaRPr lang="en-US" dirty="0"/>
-          </a:p>
-        </p:txBody>
-      </p:sp>
-      <p:sp>
-        <p:nvSpPr>
-          <p:cNvPr id="12" name="Object 12"/>
-          <p:cNvSpPr txBox="1"/>
-          <p:nvPr/>
-        </p:nvSpPr>
-        <p:spPr>
-          <a:xfrm>
-            <a:off x="889187" y="4273962"/>
-            <a:ext cx="8831438" cy="2523768"/>
-          </a:xfrm>
-          <a:prstGeom prst="rect">
-            <a:avLst/>
-          </a:prstGeom>
-          <a:noFill/>
-        </p:spPr>
-        <p:txBody>
-          <a:bodyPr wrap="square" rtlCol="0" anchor="t">
-            <a:spAutoFit/>
-          </a:bodyPr>
-          <a:lstStyle/>
-          <a:p>
-            <a:r>
-              <a:rPr lang="en-US" sz="2000" b="1" dirty="0">
-                <a:solidFill>
-                  <a:srgbClr val="595959"/>
-                </a:solidFill>
-                <a:latin typeface="Caviar Dreams" pitchFamily="34" charset="0"/>
-                <a:cs typeface="Caviar Dreams" pitchFamily="34" charset="0"/>
-              </a:rPr>
-              <a:t>제작 인원: </a:t>
-            </a:r>
-            <a:r>
-              <a:rPr lang="en-US" sz="2000" dirty="0">
-                <a:solidFill>
-                  <a:srgbClr val="595959"/>
-                </a:solidFill>
-                <a:latin typeface="Caviar Dreams" pitchFamily="34" charset="0"/>
-                <a:cs typeface="Caviar Dreams" pitchFamily="34" charset="0"/>
-              </a:rPr>
-              <a:t>3명 </a:t>
-            </a:r>
-          </a:p>
-          <a:p>
-            <a:r>
-              <a:rPr lang="en-US" sz="2000" b="1" dirty="0">
-                <a:solidFill>
-                  <a:srgbClr val="595959"/>
-                </a:solidFill>
-                <a:latin typeface="Caviar Dreams" pitchFamily="34" charset="0"/>
-                <a:cs typeface="Caviar Dreams" pitchFamily="34" charset="0"/>
-              </a:rPr>
-              <a:t>사용 언어: </a:t>
-            </a:r>
-            <a:r>
-              <a:rPr lang="en-US" sz="2000" dirty="0">
-                <a:solidFill>
-                  <a:srgbClr val="595959"/>
-                </a:solidFill>
-                <a:latin typeface="Caviar Dreams" pitchFamily="34" charset="0"/>
-                <a:cs typeface="Caviar Dreams" pitchFamily="34" charset="0"/>
-              </a:rPr>
-              <a:t>C++17</a:t>
-            </a:r>
-          </a:p>
-          <a:p>
-            <a:r>
-              <a:rPr lang="en-US" sz="2000" b="1" dirty="0">
-                <a:solidFill>
-                  <a:srgbClr val="595959"/>
-                </a:solidFill>
-                <a:latin typeface="Caviar Dreams" pitchFamily="34" charset="0"/>
-                <a:cs typeface="Caviar Dreams" pitchFamily="34" charset="0"/>
-              </a:rPr>
-              <a:t>개발 환경: </a:t>
-            </a:r>
-            <a:r>
-              <a:rPr lang="en-US" sz="2000" dirty="0">
-                <a:solidFill>
-                  <a:srgbClr val="595959"/>
-                </a:solidFill>
-                <a:latin typeface="Caviar Dreams" pitchFamily="34" charset="0"/>
-                <a:cs typeface="Caviar Dreams" pitchFamily="34" charset="0"/>
-              </a:rPr>
-              <a:t>Visual Studio 2022, DirectX12, FMOD</a:t>
-            </a:r>
-          </a:p>
-          <a:p>
-            <a:r>
-              <a:rPr lang="en-US" sz="2000" b="1" dirty="0">
-                <a:solidFill>
-                  <a:srgbClr val="595959"/>
-                </a:solidFill>
-                <a:latin typeface="Caviar Dreams" pitchFamily="34" charset="0"/>
-                <a:cs typeface="Caviar Dreams" pitchFamily="34" charset="0"/>
-              </a:rPr>
-              <a:t>역할: </a:t>
-            </a:r>
-            <a:r>
-              <a:rPr lang="en-US" sz="2000" dirty="0">
-                <a:solidFill>
-                  <a:srgbClr val="595959"/>
-                </a:solidFill>
-                <a:latin typeface="Caviar Dreams" pitchFamily="34" charset="0"/>
-                <a:cs typeface="Caviar Dreams" pitchFamily="34" charset="0"/>
-              </a:rPr>
-              <a:t>클라이언트 ( Direct3D를 이용한 그래픽 효과, 게임 </a:t>
-            </a:r>
-          </a:p>
-          <a:p>
-            <a:r>
-              <a:rPr lang="en-US" sz="2000" dirty="0">
-                <a:solidFill>
-                  <a:srgbClr val="595959"/>
-                </a:solidFill>
-                <a:latin typeface="Caviar Dreams" pitchFamily="34" charset="0"/>
-                <a:cs typeface="Caviar Dreams" pitchFamily="34" charset="0"/>
-              </a:rPr>
-              <a:t>시스템 구현)</a:t>
-            </a:r>
-          </a:p>
-          <a:p>
-            <a:endParaRPr lang="en-US" sz="2000" dirty="0">
-              <a:solidFill>
-                <a:srgbClr val="595959"/>
-              </a:solidFill>
-              <a:latin typeface="Caviar Dreams" pitchFamily="34" charset="0"/>
-              <a:cs typeface="Caviar Dreams" pitchFamily="34" charset="0"/>
-            </a:endParaRPr>
-          </a:p>
-          <a:p>
-            <a:r>
-              <a:rPr lang="en-US" sz="2000" b="1" dirty="0">
-                <a:solidFill>
-                  <a:srgbClr val="595959"/>
-                </a:solidFill>
-                <a:latin typeface="Caviar Dreams" pitchFamily="34" charset="0"/>
-                <a:cs typeface="Caviar Dreams" pitchFamily="34" charset="0"/>
-              </a:rPr>
-              <a:t>활동 내용:  </a:t>
-            </a:r>
-          </a:p>
-          <a:p>
-            <a:endParaRPr lang="en-US" dirty="0"/>
-          </a:p>
-        </p:txBody>
-      </p:sp>
-    </p:spTree>
-  </p:cSld>
-  <p:clrMapOvr>
-    <a:masterClrMapping/>
-  </p:clrMapOvr>
-</p:sld>
-</file>
-
-<file path=ppt/slides/slide6.xml><?xml version="1.0" encoding="utf-8"?>
-<p:sld xmlns:a="http://schemas.openxmlformats.org/drawingml/2006/main" xmlns:r="http://schemas.openxmlformats.org/officeDocument/2006/relationships" xmlns:p="http://schemas.openxmlformats.org/presentationml/2006/main">
-  <p:cSld name="Slide 6">
-    <p:bg>
-      <p:bgPr>
-        <a:solidFill>
-          <a:srgbClr val="FFFFFF"/>
-        </a:solidFill>
-        <a:effectLst/>
-      </p:bgPr>
-    </p:bg>
-    <p:spTree>
-      <p:nvGrpSpPr>
-        <p:cNvPr id="1" name=""/>
-        <p:cNvGrpSpPr/>
-        <p:nvPr/>
-      </p:nvGrpSpPr>
-      <p:grpSpPr>
-        <a:xfrm>
-          <a:off x="0" y="0"/>
-          <a:ext cx="0" cy="0"/>
-          <a:chOff x="0" y="0"/>
-          <a:chExt cx="0" cy="0"/>
-        </a:xfrm>
-      </p:grpSpPr>
-      <p:sp>
-        <p:nvSpPr>
-          <p:cNvPr id="2" name="Object 2"/>
-          <p:cNvSpPr txBox="1"/>
-          <p:nvPr/>
-        </p:nvSpPr>
-        <p:spPr>
-          <a:xfrm>
-            <a:off x="-301191" y="543554"/>
-            <a:ext cx="6747239" cy="1672474"/>
-          </a:xfrm>
-          <a:prstGeom prst="rect">
-            <a:avLst/>
-          </a:prstGeom>
-          <a:noFill/>
-        </p:spPr>
-        <p:txBody>
-          <a:bodyPr wrap="square" rtlCol="0" anchor="t">
-            <a:spAutoFit/>
-          </a:bodyPr>
-          <a:lstStyle/>
-          <a:p>
-            <a:pPr algn="ctr"/>
-            <a:r>
-              <a:rPr lang="en-US" sz="6300" dirty="0">
-                <a:solidFill>
-                  <a:srgbClr val="000000"/>
-                </a:solidFill>
-                <a:latin typeface="Noto Sans CJK KR Regular" pitchFamily="34" charset="0"/>
-                <a:cs typeface="Noto Sans CJK KR Regular" pitchFamily="34" charset="0"/>
-              </a:rPr>
-              <a:t>그림자....</a:t>
-            </a:r>
-            <a:endParaRPr lang="en-US" dirty="0"/>
-          </a:p>
-        </p:txBody>
-      </p:sp>
-      <p:grpSp>
-        <p:nvGrpSpPr>
-          <p:cNvPr id="1001" name="그룹 1001"/>
-          <p:cNvGrpSpPr/>
-          <p:nvPr/>
-        </p:nvGrpSpPr>
-        <p:grpSpPr>
-          <a:xfrm>
-            <a:off x="823349" y="2020906"/>
-            <a:ext cx="6278511" cy="3458110"/>
-            <a:chOff x="823349" y="2020906"/>
-            <a:chExt cx="6278511" cy="3458110"/>
-          </a:xfrm>
-        </p:grpSpPr>
-        <p:pic>
-          <p:nvPicPr>
-            <p:cNvPr id="4" name="Object 3"/>
-            <p:cNvPicPr>
-              <a:picLocks noChangeAspect="1"/>
-            </p:cNvPicPr>
-            <p:nvPr/>
-          </p:nvPicPr>
-          <p:blipFill>
-            <a:blip r:embed="rId2" cstate="print"/>
-            <a:stretch>
-              <a:fillRect/>
-            </a:stretch>
-          </p:blipFill>
-          <p:spPr>
-            <a:xfrm>
-              <a:off x="823349" y="2020906"/>
-              <a:ext cx="6278511" cy="3458110"/>
-            </a:xfrm>
-            <a:prstGeom prst="rect">
-              <a:avLst/>
-            </a:prstGeom>
-          </p:spPr>
-        </p:pic>
-      </p:grpSp>
-      <p:sp>
-        <p:nvSpPr>
-          <p:cNvPr id="6" name="Object 6"/>
-          <p:cNvSpPr txBox="1"/>
-          <p:nvPr/>
-        </p:nvSpPr>
-        <p:spPr>
-          <a:xfrm>
-            <a:off x="823349" y="5782841"/>
-            <a:ext cx="9831155" cy="1102258"/>
-          </a:xfrm>
-          <a:prstGeom prst="rect">
-            <a:avLst/>
-          </a:prstGeom>
-          <a:noFill/>
-        </p:spPr>
-        <p:txBody>
-          <a:bodyPr wrap="square" rtlCol="0" anchor="t">
-            <a:spAutoFit/>
-          </a:bodyPr>
-          <a:lstStyle/>
-          <a:p>
-            <a:r>
-              <a:rPr lang="en-US" sz="1800" dirty="0">
-                <a:solidFill>
-                  <a:srgbClr val="595959"/>
-                </a:solidFill>
-                <a:latin typeface="Caviar Dreams" pitchFamily="34" charset="0"/>
-                <a:cs typeface="Caviar Dreams" pitchFamily="34" charset="0"/>
-              </a:rPr>
-              <a:t>그림자 그려지는 모습 사진 </a:t>
-            </a:r>
-          </a:p>
-          <a:p>
-            <a:endParaRPr lang="en-US" dirty="0"/>
-          </a:p>
-        </p:txBody>
-      </p:sp>
-      <p:grpSp>
-        <p:nvGrpSpPr>
-          <p:cNvPr id="1002" name="그룹 1002"/>
-          <p:cNvGrpSpPr/>
-          <p:nvPr/>
-        </p:nvGrpSpPr>
-        <p:grpSpPr>
-          <a:xfrm>
-            <a:off x="8836237" y="1435540"/>
-            <a:ext cx="6278511" cy="3458110"/>
-            <a:chOff x="8836237" y="1435540"/>
-            <a:chExt cx="6278511" cy="3458110"/>
-          </a:xfrm>
-        </p:grpSpPr>
-        <p:pic>
-          <p:nvPicPr>
-            <p:cNvPr id="8" name="Object 7"/>
-            <p:cNvPicPr>
-              <a:picLocks noChangeAspect="1"/>
-            </p:cNvPicPr>
-            <p:nvPr/>
-          </p:nvPicPr>
-          <p:blipFill>
-            <a:blip r:embed="rId2" cstate="print"/>
-            <a:stretch>
-              <a:fillRect/>
-            </a:stretch>
-          </p:blipFill>
-          <p:spPr>
-            <a:xfrm>
-              <a:off x="8836237" y="1435540"/>
-              <a:ext cx="6278511" cy="3458110"/>
-            </a:xfrm>
-            <a:prstGeom prst="rect">
-              <a:avLst/>
-            </a:prstGeom>
-          </p:spPr>
-        </p:pic>
-      </p:grpSp>
-      <p:grpSp>
-        <p:nvGrpSpPr>
-          <p:cNvPr id="1003" name="그룹 1003"/>
-          <p:cNvGrpSpPr/>
-          <p:nvPr/>
-        </p:nvGrpSpPr>
-        <p:grpSpPr>
-          <a:xfrm>
-            <a:off x="8836237" y="5782841"/>
-            <a:ext cx="6278511" cy="3458110"/>
-            <a:chOff x="8836237" y="5782841"/>
-            <a:chExt cx="6278511" cy="3458110"/>
-          </a:xfrm>
-        </p:grpSpPr>
-        <p:pic>
-          <p:nvPicPr>
-            <p:cNvPr id="11" name="Object 10"/>
-            <p:cNvPicPr>
-              <a:picLocks noChangeAspect="1"/>
-            </p:cNvPicPr>
-            <p:nvPr/>
-          </p:nvPicPr>
-          <p:blipFill>
-            <a:blip r:embed="rId2" cstate="print"/>
-            <a:stretch>
-              <a:fillRect/>
-            </a:stretch>
-          </p:blipFill>
-          <p:spPr>
-            <a:xfrm>
-              <a:off x="8836237" y="5782841"/>
-              <a:ext cx="6278511" cy="3458110"/>
-            </a:xfrm>
-            <a:prstGeom prst="rect">
-              <a:avLst/>
-            </a:prstGeom>
-          </p:spPr>
-        </p:pic>
-      </p:grpSp>
-      <p:sp>
-        <p:nvSpPr>
-          <p:cNvPr id="13" name="Object 13"/>
-          <p:cNvSpPr txBox="1"/>
-          <p:nvPr/>
-        </p:nvSpPr>
-        <p:spPr>
-          <a:xfrm>
-            <a:off x="9142857" y="5048003"/>
-            <a:ext cx="9831155" cy="1102258"/>
-          </a:xfrm>
-          <a:prstGeom prst="rect">
-            <a:avLst/>
-          </a:prstGeom>
-          <a:noFill/>
-        </p:spPr>
-        <p:txBody>
-          <a:bodyPr wrap="square" rtlCol="0" anchor="t">
-            <a:spAutoFit/>
-          </a:bodyPr>
-          <a:lstStyle/>
-          <a:p>
-            <a:r>
-              <a:rPr lang="en-US" sz="1800" dirty="0">
-                <a:solidFill>
-                  <a:srgbClr val="595959"/>
-                </a:solidFill>
-                <a:latin typeface="Caviar Dreams" pitchFamily="34" charset="0"/>
-                <a:cs typeface="Caviar Dreams" pitchFamily="34" charset="0"/>
-              </a:rPr>
-              <a:t>깊이 버퍼 데이터 화면 사진 </a:t>
-            </a:r>
-          </a:p>
-          <a:p>
-            <a:endParaRPr lang="en-US" dirty="0"/>
-          </a:p>
-        </p:txBody>
-      </p:sp>
-      <p:sp>
-        <p:nvSpPr>
-          <p:cNvPr id="14" name="Object 14"/>
-          <p:cNvSpPr txBox="1"/>
-          <p:nvPr/>
-        </p:nvSpPr>
-        <p:spPr>
-          <a:xfrm>
-            <a:off x="823349" y="6461933"/>
-            <a:ext cx="9831155" cy="1102258"/>
-          </a:xfrm>
-          <a:prstGeom prst="rect">
-            <a:avLst/>
-          </a:prstGeom>
-          <a:noFill/>
-        </p:spPr>
-        <p:txBody>
-          <a:bodyPr wrap="square" rtlCol="0" anchor="t">
-            <a:spAutoFit/>
-          </a:bodyPr>
-          <a:lstStyle/>
-          <a:p>
-            <a:r>
-              <a:rPr lang="en-US" sz="1800" dirty="0">
-                <a:solidFill>
-                  <a:srgbClr val="595959"/>
-                </a:solidFill>
-                <a:latin typeface="Caviar Dreams" pitchFamily="34" charset="0"/>
-                <a:cs typeface="Caviar Dreams" pitchFamily="34" charset="0"/>
-              </a:rPr>
-              <a:t>설명 </a:t>
-            </a:r>
-          </a:p>
-          <a:p>
-            <a:endParaRPr lang="en-US" dirty="0"/>
-          </a:p>
-        </p:txBody>
-      </p:sp>
-      <p:sp>
-        <p:nvSpPr>
-          <p:cNvPr id="15" name="Object 15"/>
-          <p:cNvSpPr txBox="1"/>
-          <p:nvPr/>
-        </p:nvSpPr>
-        <p:spPr>
-          <a:xfrm>
-            <a:off x="8808362" y="9240952"/>
-            <a:ext cx="9831155" cy="1102258"/>
-          </a:xfrm>
-          <a:prstGeom prst="rect">
-            <a:avLst/>
-          </a:prstGeom>
-          <a:noFill/>
-        </p:spPr>
-        <p:txBody>
-          <a:bodyPr wrap="square" rtlCol="0" anchor="t">
-            <a:spAutoFit/>
-          </a:bodyPr>
-          <a:lstStyle/>
-          <a:p>
-            <a:r>
-              <a:rPr lang="en-US" sz="1800" dirty="0">
-                <a:solidFill>
-                  <a:srgbClr val="595959"/>
-                </a:solidFill>
-                <a:latin typeface="Caviar Dreams" pitchFamily="34" charset="0"/>
-                <a:cs typeface="Caviar Dreams" pitchFamily="34" charset="0"/>
-              </a:rPr>
-              <a:t>그림자 맵 만들어져서 씌어지는 알고리즘 사진 </a:t>
-            </a:r>
-          </a:p>
-          <a:p>
-            <a:endParaRPr lang="en-US" dirty="0"/>
-          </a:p>
-        </p:txBody>
-      </p:sp>
-    </p:spTree>
-  </p:cSld>
-  <p:clrMapOvr>
-    <a:masterClrMapping/>
-  </p:clrMapOvr>
-</p:sld>
-</file>
-
-<file path=ppt/slides/slide7.xml><?xml version="1.0" encoding="utf-8"?>
-<p:sld xmlns:a="http://schemas.openxmlformats.org/drawingml/2006/main" xmlns:r="http://schemas.openxmlformats.org/officeDocument/2006/relationships" xmlns:p="http://schemas.openxmlformats.org/presentationml/2006/main">
-  <p:cSld name="Slide 7">
-    <p:bg>
-      <p:bgPr>
-        <a:solidFill>
-          <a:srgbClr val="FFFFFF"/>
-        </a:solidFill>
-        <a:effectLst/>
-      </p:bgPr>
-    </p:bg>
-    <p:spTree>
-      <p:nvGrpSpPr>
-        <p:cNvPr id="1" name=""/>
-        <p:cNvGrpSpPr/>
-        <p:nvPr/>
-      </p:nvGrpSpPr>
-      <p:grpSpPr>
-        <a:xfrm>
-          <a:off x="0" y="0"/>
-          <a:ext cx="0" cy="0"/>
-          <a:chOff x="0" y="0"/>
-          <a:chExt cx="0" cy="0"/>
-        </a:xfrm>
-      </p:grpSpPr>
-      <p:sp>
-        <p:nvSpPr>
-          <p:cNvPr id="2" name="Object 2"/>
-          <p:cNvSpPr txBox="1"/>
-          <p:nvPr/>
-        </p:nvSpPr>
-        <p:spPr>
-          <a:xfrm>
-            <a:off x="1681561" y="1658537"/>
-            <a:ext cx="3792184" cy="2166963"/>
-          </a:xfrm>
-          <a:prstGeom prst="rect">
-            <a:avLst/>
-          </a:prstGeom>
-          <a:noFill/>
-        </p:spPr>
-        <p:txBody>
-          <a:bodyPr wrap="square" rtlCol="0" anchor="t">
-            <a:spAutoFit/>
-          </a:bodyPr>
-          <a:lstStyle/>
-          <a:p>
-            <a:pPr algn="ctr"/>
-            <a:r>
-              <a:rPr lang="en-US" sz="2700" dirty="0">
-                <a:solidFill>
-                  <a:srgbClr val="000000"/>
-                </a:solidFill>
-                <a:latin typeface="Noto Sans CJK KR Regular" pitchFamily="34" charset="0"/>
-                <a:cs typeface="Noto Sans CJK KR Regular" pitchFamily="34" charset="0"/>
-              </a:rPr>
-              <a:t>세부사항, </a:t>
-            </a:r>
-          </a:p>
-          <a:p>
-            <a:pPr algn="ctr"/>
-            <a:r>
-              <a:rPr lang="en-US" sz="2700" dirty="0">
-                <a:solidFill>
-                  <a:srgbClr val="000000"/>
-                </a:solidFill>
-                <a:latin typeface="Noto Sans CJK KR Regular" pitchFamily="34" charset="0"/>
-                <a:cs typeface="Noto Sans CJK KR Regular" pitchFamily="34" charset="0"/>
-              </a:rPr>
-              <a:t>구현 작업 설명, </a:t>
-            </a:r>
-          </a:p>
-          <a:p>
-            <a:pPr algn="ctr"/>
-            <a:r>
-              <a:rPr lang="en-US" sz="2700" dirty="0">
-                <a:solidFill>
-                  <a:srgbClr val="000000"/>
-                </a:solidFill>
-                <a:latin typeface="Noto Sans CJK KR Regular" pitchFamily="34" charset="0"/>
-                <a:cs typeface="Noto Sans CJK KR Regular" pitchFamily="34" charset="0"/>
-              </a:rPr>
-              <a:t>어려웠던 점 추가 </a:t>
-            </a:r>
             <a:endParaRPr lang="en-US" dirty="0"/>
           </a:p>
         </p:txBody>

--- a/포트폴리오/최유진 포트폴리오.pptx
+++ b/포트폴리오/최유진 포트폴리오.pptx
@@ -4022,7 +4022,7 @@
         <p:spPr>
           <a:xfrm>
             <a:off x="381000" y="0"/>
-            <a:ext cx="14325600" cy="10064294"/>
+            <a:ext cx="14325600" cy="9510296"/>
           </a:xfrm>
           <a:prstGeom prst="rect">
             <a:avLst/>
@@ -4266,7 +4266,7 @@
                 <a:latin typeface="돋움체" panose="020B0609000101010101" pitchFamily="49" charset="-127"/>
                 <a:ea typeface="돋움체" panose="020B0609000101010101" pitchFamily="49" charset="-127"/>
               </a:rPr>
-              <a:t>float3</a:t>
+              <a:t>   float3</a:t>
             </a:r>
             <a:r>
               <a:rPr lang="en-US" altLang="ko-KR" sz="1200" dirty="0">
@@ -4596,6 +4596,137 @@
             </a:endParaRPr>
           </a:p>
           <a:p>
+            <a:r>
+              <a:rPr lang="nn-NO" altLang="ko-KR" sz="1200" dirty="0">
+                <a:solidFill>
+                  <a:srgbClr val="0000FF"/>
+                </a:solidFill>
+                <a:latin typeface="돋움체" panose="020B0609000101010101" pitchFamily="49" charset="-127"/>
+                <a:ea typeface="돋움체" panose="020B0609000101010101" pitchFamily="49" charset="-127"/>
+              </a:rPr>
+              <a:t>for</a:t>
+            </a:r>
+            <a:r>
+              <a:rPr lang="nn-NO" altLang="ko-KR" sz="1200" dirty="0">
+                <a:solidFill>
+                  <a:srgbClr val="000000"/>
+                </a:solidFill>
+                <a:latin typeface="돋움체" panose="020B0609000101010101" pitchFamily="49" charset="-127"/>
+                <a:ea typeface="돋움체" panose="020B0609000101010101" pitchFamily="49" charset="-127"/>
+              </a:rPr>
+              <a:t> (</a:t>
+            </a:r>
+            <a:r>
+              <a:rPr lang="nn-NO" altLang="ko-KR" sz="1200" dirty="0">
+                <a:solidFill>
+                  <a:srgbClr val="0000FF"/>
+                </a:solidFill>
+                <a:latin typeface="돋움체" panose="020B0609000101010101" pitchFamily="49" charset="-127"/>
+                <a:ea typeface="돋움체" panose="020B0609000101010101" pitchFamily="49" charset="-127"/>
+              </a:rPr>
+              <a:t>int</a:t>
+            </a:r>
+            <a:r>
+              <a:rPr lang="nn-NO" altLang="ko-KR" sz="1200" dirty="0">
+                <a:solidFill>
+                  <a:srgbClr val="000000"/>
+                </a:solidFill>
+                <a:latin typeface="돋움체" panose="020B0609000101010101" pitchFamily="49" charset="-127"/>
+                <a:ea typeface="돋움체" panose="020B0609000101010101" pitchFamily="49" charset="-127"/>
+              </a:rPr>
+              <a:t> i = 0; i &lt; 1; i++)</a:t>
+            </a:r>
+            <a:endParaRPr lang="en-US" altLang="ko-KR" sz="1200" dirty="0">
+              <a:solidFill>
+                <a:srgbClr val="000000"/>
+              </a:solidFill>
+              <a:latin typeface="돋움체" panose="020B0609000101010101" pitchFamily="49" charset="-127"/>
+              <a:ea typeface="돋움체" panose="020B0609000101010101" pitchFamily="49" charset="-127"/>
+            </a:endParaRPr>
+          </a:p>
+          <a:p>
+            <a:r>
+              <a:rPr lang="en-US" altLang="ko-KR" sz="1200" dirty="0">
+                <a:solidFill>
+                  <a:srgbClr val="0000FF"/>
+                </a:solidFill>
+                <a:latin typeface="돋움체" panose="020B0609000101010101" pitchFamily="49" charset="-127"/>
+                <a:ea typeface="돋움체" panose="020B0609000101010101" pitchFamily="49" charset="-127"/>
+              </a:rPr>
+              <a:t>   if</a:t>
+            </a:r>
+            <a:r>
+              <a:rPr lang="en-US" altLang="ko-KR" sz="1200" dirty="0">
+                <a:solidFill>
+                  <a:srgbClr val="000000"/>
+                </a:solidFill>
+                <a:latin typeface="돋움체" panose="020B0609000101010101" pitchFamily="49" charset="-127"/>
+                <a:ea typeface="돋움체" panose="020B0609000101010101" pitchFamily="49" charset="-127"/>
+              </a:rPr>
+              <a:t> (</a:t>
+            </a:r>
+            <a:r>
+              <a:rPr lang="en-US" altLang="ko-KR" sz="1200" dirty="0" err="1">
+                <a:solidFill>
+                  <a:srgbClr val="000000"/>
+                </a:solidFill>
+                <a:latin typeface="돋움체" panose="020B0609000101010101" pitchFamily="49" charset="-127"/>
+                <a:ea typeface="돋움체" panose="020B0609000101010101" pitchFamily="49" charset="-127"/>
+              </a:rPr>
+              <a:t>gLights</a:t>
+            </a:r>
+            <a:r>
+              <a:rPr lang="en-US" altLang="ko-KR" sz="1200" dirty="0">
+                <a:solidFill>
+                  <a:srgbClr val="000000"/>
+                </a:solidFill>
+                <a:latin typeface="돋움체" panose="020B0609000101010101" pitchFamily="49" charset="-127"/>
+                <a:ea typeface="돋움체" panose="020B0609000101010101" pitchFamily="49" charset="-127"/>
+              </a:rPr>
+              <a:t>[</a:t>
+            </a:r>
+            <a:r>
+              <a:rPr lang="en-US" altLang="ko-KR" sz="1200" dirty="0" err="1">
+                <a:solidFill>
+                  <a:srgbClr val="000000"/>
+                </a:solidFill>
+                <a:latin typeface="돋움체" panose="020B0609000101010101" pitchFamily="49" charset="-127"/>
+                <a:ea typeface="돋움체" panose="020B0609000101010101" pitchFamily="49" charset="-127"/>
+              </a:rPr>
+              <a:t>i</a:t>
+            </a:r>
+            <a:r>
+              <a:rPr lang="en-US" altLang="ko-KR" sz="1200" dirty="0">
+                <a:solidFill>
+                  <a:srgbClr val="000000"/>
+                </a:solidFill>
+                <a:latin typeface="돋움체" panose="020B0609000101010101" pitchFamily="49" charset="-127"/>
+                <a:ea typeface="돋움체" panose="020B0609000101010101" pitchFamily="49" charset="-127"/>
+              </a:rPr>
+              <a:t>].</a:t>
+            </a:r>
+            <a:r>
+              <a:rPr lang="en-US" altLang="ko-KR" sz="1200" dirty="0" err="1">
+                <a:solidFill>
+                  <a:srgbClr val="000000"/>
+                </a:solidFill>
+                <a:latin typeface="돋움체" panose="020B0609000101010101" pitchFamily="49" charset="-127"/>
+                <a:ea typeface="돋움체" panose="020B0609000101010101" pitchFamily="49" charset="-127"/>
+              </a:rPr>
+              <a:t>m_bEnable</a:t>
+            </a:r>
+            <a:r>
+              <a:rPr lang="en-US" altLang="ko-KR" sz="1200" dirty="0">
+                <a:solidFill>
+                  <a:srgbClr val="000000"/>
+                </a:solidFill>
+                <a:latin typeface="돋움체" panose="020B0609000101010101" pitchFamily="49" charset="-127"/>
+                <a:ea typeface="돋움체" panose="020B0609000101010101" pitchFamily="49" charset="-127"/>
+              </a:rPr>
+              <a:t>) {</a:t>
+            </a:r>
+          </a:p>
+          <a:p>
             <a:endParaRPr lang="ko-KR" altLang="en-US" sz="1200" dirty="0">
               <a:solidFill>
                 <a:srgbClr val="000000"/>
@@ -4606,193 +4737,36 @@
           </a:p>
           <a:p>
             <a:r>
-              <a:rPr lang="nn-NO" altLang="ko-KR" sz="1200" dirty="0">
+              <a:rPr lang="en-US" altLang="ko-KR" sz="1200" dirty="0">
+                <a:solidFill>
+                  <a:srgbClr val="808080"/>
+                </a:solidFill>
+                <a:latin typeface="돋움체" panose="020B0609000101010101" pitchFamily="49" charset="-127"/>
+                <a:ea typeface="돋움체" panose="020B0609000101010101" pitchFamily="49" charset="-127"/>
+              </a:rPr>
+              <a:t>#ifdef</a:t>
+            </a:r>
+            <a:r>
+              <a:rPr lang="en-US" altLang="ko-KR" sz="1200" dirty="0">
+                <a:solidFill>
+                  <a:srgbClr val="000000"/>
+                </a:solidFill>
+                <a:latin typeface="돋움체" panose="020B0609000101010101" pitchFamily="49" charset="-127"/>
+                <a:ea typeface="돋움체" panose="020B0609000101010101" pitchFamily="49" charset="-127"/>
+              </a:rPr>
+              <a:t> _WITH_PCF_FILTERING</a:t>
+            </a:r>
+          </a:p>
+          <a:p>
+            <a:r>
+              <a:rPr lang="en-US" altLang="ko-KR" sz="1200" dirty="0">
                 <a:solidFill>
                   <a:srgbClr val="0000FF"/>
                 </a:solidFill>
                 <a:latin typeface="돋움체" panose="020B0609000101010101" pitchFamily="49" charset="-127"/>
                 <a:ea typeface="돋움체" panose="020B0609000101010101" pitchFamily="49" charset="-127"/>
               </a:rPr>
-              <a:t>for</a:t>
-            </a:r>
-            <a:r>
-              <a:rPr lang="nn-NO" altLang="ko-KR" sz="1200" dirty="0">
-                <a:solidFill>
-                  <a:srgbClr val="000000"/>
-                </a:solidFill>
-                <a:latin typeface="돋움체" panose="020B0609000101010101" pitchFamily="49" charset="-127"/>
-                <a:ea typeface="돋움체" panose="020B0609000101010101" pitchFamily="49" charset="-127"/>
-              </a:rPr>
-              <a:t> (</a:t>
-            </a:r>
-            <a:r>
-              <a:rPr lang="nn-NO" altLang="ko-KR" sz="1200" dirty="0">
-                <a:solidFill>
-                  <a:srgbClr val="0000FF"/>
-                </a:solidFill>
-                <a:latin typeface="돋움체" panose="020B0609000101010101" pitchFamily="49" charset="-127"/>
-                <a:ea typeface="돋움체" panose="020B0609000101010101" pitchFamily="49" charset="-127"/>
-              </a:rPr>
-              <a:t>int</a:t>
-            </a:r>
-            <a:r>
-              <a:rPr lang="nn-NO" altLang="ko-KR" sz="1200" dirty="0">
-                <a:solidFill>
-                  <a:srgbClr val="000000"/>
-                </a:solidFill>
-                <a:latin typeface="돋움체" panose="020B0609000101010101" pitchFamily="49" charset="-127"/>
-                <a:ea typeface="돋움체" panose="020B0609000101010101" pitchFamily="49" charset="-127"/>
-              </a:rPr>
-              <a:t> i = 0; i &lt; 1; i++)</a:t>
-            </a:r>
-          </a:p>
-          <a:p>
-            <a:r>
-              <a:rPr lang="en-US" altLang="ko-KR" sz="1200" dirty="0">
-                <a:solidFill>
-                  <a:srgbClr val="000000"/>
-                </a:solidFill>
-                <a:latin typeface="돋움체" panose="020B0609000101010101" pitchFamily="49" charset="-127"/>
-                <a:ea typeface="돋움체" panose="020B0609000101010101" pitchFamily="49" charset="-127"/>
-              </a:rPr>
-              <a:t>{</a:t>
-            </a:r>
-          </a:p>
-          <a:p>
-            <a:r>
-              <a:rPr lang="en-US" altLang="ko-KR" sz="1200" dirty="0">
-                <a:solidFill>
-                  <a:srgbClr val="0000FF"/>
-                </a:solidFill>
-                <a:latin typeface="돋움체" panose="020B0609000101010101" pitchFamily="49" charset="-127"/>
-                <a:ea typeface="돋움체" panose="020B0609000101010101" pitchFamily="49" charset="-127"/>
-              </a:rPr>
-              <a:t>if</a:t>
-            </a:r>
-            <a:r>
-              <a:rPr lang="en-US" altLang="ko-KR" sz="1200" dirty="0">
-                <a:solidFill>
-                  <a:srgbClr val="000000"/>
-                </a:solidFill>
-                <a:latin typeface="돋움체" panose="020B0609000101010101" pitchFamily="49" charset="-127"/>
-                <a:ea typeface="돋움체" panose="020B0609000101010101" pitchFamily="49" charset="-127"/>
-              </a:rPr>
-              <a:t> (</a:t>
-            </a:r>
-            <a:r>
-              <a:rPr lang="en-US" altLang="ko-KR" sz="1200" dirty="0" err="1">
-                <a:solidFill>
-                  <a:srgbClr val="000000"/>
-                </a:solidFill>
-                <a:latin typeface="돋움체" panose="020B0609000101010101" pitchFamily="49" charset="-127"/>
-                <a:ea typeface="돋움체" panose="020B0609000101010101" pitchFamily="49" charset="-127"/>
-              </a:rPr>
-              <a:t>gLights</a:t>
-            </a:r>
-            <a:r>
-              <a:rPr lang="en-US" altLang="ko-KR" sz="1200" dirty="0">
-                <a:solidFill>
-                  <a:srgbClr val="000000"/>
-                </a:solidFill>
-                <a:latin typeface="돋움체" panose="020B0609000101010101" pitchFamily="49" charset="-127"/>
-                <a:ea typeface="돋움체" panose="020B0609000101010101" pitchFamily="49" charset="-127"/>
-              </a:rPr>
-              <a:t>[</a:t>
-            </a:r>
-            <a:r>
-              <a:rPr lang="en-US" altLang="ko-KR" sz="1200" dirty="0" err="1">
-                <a:solidFill>
-                  <a:srgbClr val="000000"/>
-                </a:solidFill>
-                <a:latin typeface="돋움체" panose="020B0609000101010101" pitchFamily="49" charset="-127"/>
-                <a:ea typeface="돋움체" panose="020B0609000101010101" pitchFamily="49" charset="-127"/>
-              </a:rPr>
-              <a:t>i</a:t>
-            </a:r>
-            <a:r>
-              <a:rPr lang="en-US" altLang="ko-KR" sz="1200" dirty="0">
-                <a:solidFill>
-                  <a:srgbClr val="000000"/>
-                </a:solidFill>
-                <a:latin typeface="돋움체" panose="020B0609000101010101" pitchFamily="49" charset="-127"/>
-                <a:ea typeface="돋움체" panose="020B0609000101010101" pitchFamily="49" charset="-127"/>
-              </a:rPr>
-              <a:t>].</a:t>
-            </a:r>
-            <a:r>
-              <a:rPr lang="en-US" altLang="ko-KR" sz="1200" dirty="0" err="1">
-                <a:solidFill>
-                  <a:srgbClr val="000000"/>
-                </a:solidFill>
-                <a:latin typeface="돋움체" panose="020B0609000101010101" pitchFamily="49" charset="-127"/>
-                <a:ea typeface="돋움체" panose="020B0609000101010101" pitchFamily="49" charset="-127"/>
-              </a:rPr>
-              <a:t>m_bEnable</a:t>
-            </a:r>
-            <a:r>
-              <a:rPr lang="en-US" altLang="ko-KR" sz="1200" dirty="0">
-                <a:solidFill>
-                  <a:srgbClr val="000000"/>
-                </a:solidFill>
-                <a:latin typeface="돋움체" panose="020B0609000101010101" pitchFamily="49" charset="-127"/>
-                <a:ea typeface="돋움체" panose="020B0609000101010101" pitchFamily="49" charset="-127"/>
-              </a:rPr>
-              <a:t>)</a:t>
-            </a:r>
-          </a:p>
-          <a:p>
-            <a:r>
-              <a:rPr lang="en-US" altLang="ko-KR" sz="1200" dirty="0">
-                <a:solidFill>
-                  <a:srgbClr val="000000"/>
-                </a:solidFill>
-                <a:latin typeface="돋움체" panose="020B0609000101010101" pitchFamily="49" charset="-127"/>
-                <a:ea typeface="돋움체" panose="020B0609000101010101" pitchFamily="49" charset="-127"/>
-              </a:rPr>
-              <a:t>{</a:t>
-            </a:r>
-          </a:p>
-          <a:p>
-            <a:endParaRPr lang="ko-KR" altLang="en-US" sz="1200" dirty="0">
-              <a:solidFill>
-                <a:srgbClr val="000000"/>
-              </a:solidFill>
-              <a:latin typeface="돋움체" panose="020B0609000101010101" pitchFamily="49" charset="-127"/>
-              <a:ea typeface="돋움체" panose="020B0609000101010101" pitchFamily="49" charset="-127"/>
-            </a:endParaRPr>
-          </a:p>
-          <a:p>
-            <a:r>
-              <a:rPr lang="en-US" altLang="ko-KR" sz="1200" dirty="0">
-                <a:solidFill>
-                  <a:srgbClr val="808080"/>
-                </a:solidFill>
-                <a:latin typeface="돋움체" panose="020B0609000101010101" pitchFamily="49" charset="-127"/>
-                <a:ea typeface="돋움체" panose="020B0609000101010101" pitchFamily="49" charset="-127"/>
-              </a:rPr>
-              <a:t>#ifdef</a:t>
-            </a:r>
-            <a:r>
-              <a:rPr lang="en-US" altLang="ko-KR" sz="1200" dirty="0">
-                <a:solidFill>
-                  <a:srgbClr val="000000"/>
-                </a:solidFill>
-                <a:latin typeface="돋움체" panose="020B0609000101010101" pitchFamily="49" charset="-127"/>
-                <a:ea typeface="돋움체" panose="020B0609000101010101" pitchFamily="49" charset="-127"/>
-              </a:rPr>
-              <a:t> _WITH_PCF_FILTERING</a:t>
-            </a:r>
-          </a:p>
-          <a:p>
-            <a:r>
-              <a:rPr lang="en-US" altLang="ko-KR" sz="1200" dirty="0">
-                <a:solidFill>
-                  <a:srgbClr val="0000FF"/>
-                </a:solidFill>
-                <a:latin typeface="돋움체" panose="020B0609000101010101" pitchFamily="49" charset="-127"/>
-                <a:ea typeface="돋움체" panose="020B0609000101010101" pitchFamily="49" charset="-127"/>
-              </a:rPr>
-              <a:t>if</a:t>
+              <a:t>      if</a:t>
             </a:r>
             <a:r>
               <a:rPr lang="en-US" altLang="ko-KR" sz="1200" dirty="0">
@@ -5073,7 +5047,7 @@
                 <a:latin typeface="돋움체" panose="020B0609000101010101" pitchFamily="49" charset="-127"/>
                 <a:ea typeface="돋움체" panose="020B0609000101010101" pitchFamily="49" charset="-127"/>
               </a:rPr>
-              <a:t>if</a:t>
+              <a:t>      if</a:t>
             </a:r>
             <a:r>
               <a:rPr lang="en-US" altLang="ko-KR" sz="1200" dirty="0">
@@ -7465,7 +7439,7 @@
         <p:spPr>
           <a:xfrm>
             <a:off x="902159" y="4852337"/>
-            <a:ext cx="9828508" cy="6694975"/>
+            <a:ext cx="9828508" cy="3139321"/>
           </a:xfrm>
           <a:prstGeom prst="rect">
             <a:avLst/>
@@ -7510,7 +7484,7 @@
                 <a:latin typeface="Caviar Dreams" pitchFamily="34" charset="0"/>
                 <a:cs typeface="Caviar Dreams" pitchFamily="34" charset="0"/>
               </a:rPr>
-              <a:t>개발 환경: Pycham, Python 3.10</a:t>
+              <a:t>개발 환경: Pycham, Python 3.10, Pico2D</a:t>
             </a:r>
           </a:p>
           <a:p>
